--- a/獻給我天上的主.pptx
+++ b/獻給我天上的主.pptx
@@ -2,7 +2,7 @@
 <file path=ppt/presentation.xml><?xml version="1.0" encoding="utf-8"?>
 <p:presentation xmlns:a="http://schemas.openxmlformats.org/drawingml/2006/main" xmlns:r="http://schemas.openxmlformats.org/officeDocument/2006/relationships" xmlns:p="http://schemas.openxmlformats.org/presentationml/2006/main" saveSubsetFonts="1">
   <p:sldMasterIdLst>
-    <p:sldMasterId id="2147483672" r:id="rId1"/>
+    <p:sldMasterId id="2147483684" r:id="rId1"/>
   </p:sldMasterIdLst>
   <p:sldIdLst>
     <p:sldId id="256" r:id="rId2"/>
@@ -10,7 +10,7 @@
     <p:sldId id="258" r:id="rId4"/>
     <p:sldId id="259" r:id="rId5"/>
   </p:sldIdLst>
-  <p:sldSz cx="9144000" cy="6858000" type="screen4x3"/>
+  <p:sldSz cx="12192000" cy="6858000"/>
   <p:notesSz cx="6858000" cy="9144000"/>
   <p:defaultTextStyle>
     <a:defPPr>
@@ -107,12 +107,28 @@
       </a:defRPr>
     </a:lvl9pPr>
   </p:defaultTextStyle>
+  <p:extLst>
+    <p:ext uri="{EFAFB233-063F-42B5-8137-9DF3F51BA10A}">
+      <p15:sldGuideLst xmlns:p15="http://schemas.microsoft.com/office/powerpoint/2012/main">
+        <p15:guide id="1" orient="horz" pos="2160" userDrawn="1">
+          <p15:clr>
+            <a:srgbClr val="A4A3A4"/>
+          </p15:clr>
+        </p15:guide>
+        <p15:guide id="2" pos="3840" userDrawn="1">
+          <p15:clr>
+            <a:srgbClr val="A4A3A4"/>
+          </p15:clr>
+        </p15:guide>
+      </p15:sldGuideLst>
+    </p:ext>
+  </p:extLst>
 </p:presentation>
 </file>
 
 <file path=ppt/slideLayouts/slideLayout1.xml><?xml version="1.0" encoding="utf-8"?>
 <p:sldLayout xmlns:a="http://schemas.openxmlformats.org/drawingml/2006/main" xmlns:r="http://schemas.openxmlformats.org/officeDocument/2006/relationships" xmlns:p="http://schemas.openxmlformats.org/presentationml/2006/main" type="title" preserve="1">
-  <p:cSld name="Title Slide">
+  <p:cSld name="標題投影片">
     <p:spTree>
       <p:nvGrpSpPr>
         <p:cNvPr id="1" name=""/>
@@ -129,7 +145,7 @@
       </p:grpSpPr>
       <p:sp>
         <p:nvSpPr>
-          <p:cNvPr id="2" name="Title 1"/>
+          <p:cNvPr id="2" name="標題 1"/>
           <p:cNvSpPr>
             <a:spLocks noGrp="1"/>
           </p:cNvSpPr>
@@ -139,8 +155,8 @@
         </p:nvSpPr>
         <p:spPr>
           <a:xfrm>
-            <a:off x="685800" y="2130425"/>
-            <a:ext cx="7772400" cy="1470025"/>
+            <a:off x="914400" y="2130426"/>
+            <a:ext cx="10363200" cy="1470025"/>
           </a:xfrm>
         </p:spPr>
         <p:txBody>
@@ -148,16 +164,16 @@
           <a:lstStyle/>
           <a:p>
             <a:r>
-              <a:rPr lang="en-US" smtClean="0"/>
+              <a:rPr lang="en-US" altLang="zh-TW" smtClean="0"/>
               <a:t>Click to edit Master title style</a:t>
             </a:r>
-            <a:endParaRPr lang="en-US"/>
-          </a:p>
-        </p:txBody>
-      </p:sp>
-      <p:sp>
-        <p:nvSpPr>
-          <p:cNvPr id="3" name="Subtitle 2"/>
+            <a:endParaRPr lang="zh-TW" altLang="en-US"/>
+          </a:p>
+        </p:txBody>
+      </p:sp>
+      <p:sp>
+        <p:nvSpPr>
+          <p:cNvPr id="3" name="副標題 2"/>
           <p:cNvSpPr>
             <a:spLocks noGrp="1"/>
           </p:cNvSpPr>
@@ -167,8 +183,8 @@
         </p:nvSpPr>
         <p:spPr>
           <a:xfrm>
-            <a:off x="1371600" y="3886200"/>
-            <a:ext cx="6400800" cy="1752600"/>
+            <a:off x="1828800" y="3886200"/>
+            <a:ext cx="8534400" cy="1752600"/>
           </a:xfrm>
         </p:spPr>
         <p:txBody>
@@ -184,7 +200,7 @@
                 </a:solidFill>
               </a:defRPr>
             </a:lvl1pPr>
-            <a:lvl2pPr marL="457200" indent="0" algn="ctr">
+            <a:lvl2pPr marL="609585" indent="0" algn="ctr">
               <a:buNone/>
               <a:defRPr>
                 <a:solidFill>
@@ -194,7 +210,7 @@
                 </a:solidFill>
               </a:defRPr>
             </a:lvl2pPr>
-            <a:lvl3pPr marL="914400" indent="0" algn="ctr">
+            <a:lvl3pPr marL="1219170" indent="0" algn="ctr">
               <a:buNone/>
               <a:defRPr>
                 <a:solidFill>
@@ -204,7 +220,7 @@
                 </a:solidFill>
               </a:defRPr>
             </a:lvl3pPr>
-            <a:lvl4pPr marL="1371600" indent="0" algn="ctr">
+            <a:lvl4pPr marL="1828754" indent="0" algn="ctr">
               <a:buNone/>
               <a:defRPr>
                 <a:solidFill>
@@ -214,7 +230,7 @@
                 </a:solidFill>
               </a:defRPr>
             </a:lvl4pPr>
-            <a:lvl5pPr marL="1828800" indent="0" algn="ctr">
+            <a:lvl5pPr marL="2438339" indent="0" algn="ctr">
               <a:buNone/>
               <a:defRPr>
                 <a:solidFill>
@@ -224,7 +240,7 @@
                 </a:solidFill>
               </a:defRPr>
             </a:lvl5pPr>
-            <a:lvl6pPr marL="2286000" indent="0" algn="ctr">
+            <a:lvl6pPr marL="3047924" indent="0" algn="ctr">
               <a:buNone/>
               <a:defRPr>
                 <a:solidFill>
@@ -234,7 +250,7 @@
                 </a:solidFill>
               </a:defRPr>
             </a:lvl6pPr>
-            <a:lvl7pPr marL="2743200" indent="0" algn="ctr">
+            <a:lvl7pPr marL="3657509" indent="0" algn="ctr">
               <a:buNone/>
               <a:defRPr>
                 <a:solidFill>
@@ -244,7 +260,7 @@
                 </a:solidFill>
               </a:defRPr>
             </a:lvl7pPr>
-            <a:lvl8pPr marL="3200400" indent="0" algn="ctr">
+            <a:lvl8pPr marL="4267093" indent="0" algn="ctr">
               <a:buNone/>
               <a:defRPr>
                 <a:solidFill>
@@ -254,7 +270,7 @@
                 </a:solidFill>
               </a:defRPr>
             </a:lvl8pPr>
-            <a:lvl9pPr marL="3657600" indent="0" algn="ctr">
+            <a:lvl9pPr marL="4876678" indent="0" algn="ctr">
               <a:buNone/>
               <a:defRPr>
                 <a:solidFill>
@@ -267,16 +283,16 @@
           </a:lstStyle>
           <a:p>
             <a:r>
-              <a:rPr lang="en-US" smtClean="0"/>
+              <a:rPr lang="en-US" altLang="zh-TW" smtClean="0"/>
               <a:t>Click to edit Master subtitle style</a:t>
             </a:r>
-            <a:endParaRPr lang="en-US"/>
-          </a:p>
-        </p:txBody>
-      </p:sp>
-      <p:sp>
-        <p:nvSpPr>
-          <p:cNvPr id="4" name="Date Placeholder 3"/>
+            <a:endParaRPr lang="zh-TW" altLang="en-US"/>
+          </a:p>
+        </p:txBody>
+      </p:sp>
+      <p:sp>
+        <p:nvSpPr>
+          <p:cNvPr id="4" name="日期版面配置區 3"/>
           <p:cNvSpPr>
             <a:spLocks noGrp="1"/>
           </p:cNvSpPr>
@@ -292,7 +308,7 @@
             <a:fld id="{77D5D620-2247-4098-B18A-D1A601B2D052}" type="datetimeFigureOut">
               <a:rPr lang="zh-TW" altLang="en-US" smtClean="0"/>
               <a:pPr/>
-              <a:t>2019/1/8</a:t>
+              <a:t>2020/3/7</a:t>
             </a:fld>
             <a:endParaRPr lang="zh-TW" altLang="en-US"/>
           </a:p>
@@ -300,7 +316,7 @@
       </p:sp>
       <p:sp>
         <p:nvSpPr>
-          <p:cNvPr id="5" name="Footer Placeholder 4"/>
+          <p:cNvPr id="5" name="頁尾版面配置區 4"/>
           <p:cNvSpPr>
             <a:spLocks noGrp="1"/>
           </p:cNvSpPr>
@@ -319,7 +335,7 @@
       </p:sp>
       <p:sp>
         <p:nvSpPr>
-          <p:cNvPr id="6" name="Slide Number Placeholder 5"/>
+          <p:cNvPr id="6" name="投影片編號版面配置區 5"/>
           <p:cNvSpPr>
             <a:spLocks noGrp="1"/>
           </p:cNvSpPr>
@@ -344,7 +360,7 @@
     </p:spTree>
     <p:extLst>
       <p:ext uri="{BB962C8B-B14F-4D97-AF65-F5344CB8AC3E}">
-        <p14:creationId xmlns:p14="http://schemas.microsoft.com/office/powerpoint/2010/main" val="1008641734"/>
+        <p14:creationId xmlns:p14="http://schemas.microsoft.com/office/powerpoint/2010/main" val="819429484"/>
       </p:ext>
     </p:extLst>
   </p:cSld>
@@ -356,7 +372,7 @@
 
 <file path=ppt/slideLayouts/slideLayout10.xml><?xml version="1.0" encoding="utf-8"?>
 <p:sldLayout xmlns:a="http://schemas.openxmlformats.org/drawingml/2006/main" xmlns:r="http://schemas.openxmlformats.org/officeDocument/2006/relationships" xmlns:p="http://schemas.openxmlformats.org/presentationml/2006/main" type="vertTx" preserve="1">
-  <p:cSld name="Title and Vertical Text">
+  <p:cSld name="標題及直排文字">
     <p:spTree>
       <p:nvGrpSpPr>
         <p:cNvPr id="1" name=""/>
@@ -373,7 +389,7 @@
       </p:grpSpPr>
       <p:sp>
         <p:nvSpPr>
-          <p:cNvPr id="2" name="Title 1"/>
+          <p:cNvPr id="2" name="標題 1"/>
           <p:cNvSpPr>
             <a:spLocks noGrp="1"/>
           </p:cNvSpPr>
@@ -387,16 +403,16 @@
           <a:lstStyle/>
           <a:p>
             <a:r>
-              <a:rPr lang="en-US" smtClean="0"/>
+              <a:rPr lang="en-US" altLang="zh-TW" smtClean="0"/>
               <a:t>Click to edit Master title style</a:t>
             </a:r>
-            <a:endParaRPr lang="en-US"/>
-          </a:p>
-        </p:txBody>
-      </p:sp>
-      <p:sp>
-        <p:nvSpPr>
-          <p:cNvPr id="3" name="Vertical Text Placeholder 2"/>
+            <a:endParaRPr lang="zh-TW" altLang="en-US"/>
+          </a:p>
+        </p:txBody>
+      </p:sp>
+      <p:sp>
+        <p:nvSpPr>
+          <p:cNvPr id="3" name="直排文字版面配置區 2"/>
           <p:cNvSpPr>
             <a:spLocks noGrp="1"/>
           </p:cNvSpPr>
@@ -411,44 +427,44 @@
           <a:p>
             <a:pPr lvl="0"/>
             <a:r>
-              <a:rPr lang="en-US" smtClean="0"/>
-              <a:t>Click to edit Master text styles</a:t>
+              <a:rPr lang="en-US" altLang="zh-TW" smtClean="0"/>
+              <a:t>Edit Master text styles</a:t>
             </a:r>
           </a:p>
           <a:p>
             <a:pPr lvl="1"/>
             <a:r>
-              <a:rPr lang="en-US" smtClean="0"/>
+              <a:rPr lang="en-US" altLang="zh-TW" smtClean="0"/>
               <a:t>Second level</a:t>
             </a:r>
           </a:p>
           <a:p>
             <a:pPr lvl="2"/>
             <a:r>
-              <a:rPr lang="en-US" smtClean="0"/>
+              <a:rPr lang="en-US" altLang="zh-TW" smtClean="0"/>
               <a:t>Third level</a:t>
             </a:r>
           </a:p>
           <a:p>
             <a:pPr lvl="3"/>
             <a:r>
-              <a:rPr lang="en-US" smtClean="0"/>
+              <a:rPr lang="en-US" altLang="zh-TW" smtClean="0"/>
               <a:t>Fourth level</a:t>
             </a:r>
           </a:p>
           <a:p>
             <a:pPr lvl="4"/>
             <a:r>
-              <a:rPr lang="en-US" smtClean="0"/>
+              <a:rPr lang="en-US" altLang="zh-TW" smtClean="0"/>
               <a:t>Fifth level</a:t>
             </a:r>
-            <a:endParaRPr lang="en-US"/>
-          </a:p>
-        </p:txBody>
-      </p:sp>
-      <p:sp>
-        <p:nvSpPr>
-          <p:cNvPr id="4" name="Date Placeholder 3"/>
+            <a:endParaRPr lang="zh-TW" altLang="en-US"/>
+          </a:p>
+        </p:txBody>
+      </p:sp>
+      <p:sp>
+        <p:nvSpPr>
+          <p:cNvPr id="4" name="日期版面配置區 3"/>
           <p:cNvSpPr>
             <a:spLocks noGrp="1"/>
           </p:cNvSpPr>
@@ -464,7 +480,7 @@
             <a:fld id="{77D5D620-2247-4098-B18A-D1A601B2D052}" type="datetimeFigureOut">
               <a:rPr lang="zh-TW" altLang="en-US" smtClean="0"/>
               <a:pPr/>
-              <a:t>2019/1/8</a:t>
+              <a:t>2020/3/7</a:t>
             </a:fld>
             <a:endParaRPr lang="zh-TW" altLang="en-US"/>
           </a:p>
@@ -472,7 +488,7 @@
       </p:sp>
       <p:sp>
         <p:nvSpPr>
-          <p:cNvPr id="5" name="Footer Placeholder 4"/>
+          <p:cNvPr id="5" name="頁尾版面配置區 4"/>
           <p:cNvSpPr>
             <a:spLocks noGrp="1"/>
           </p:cNvSpPr>
@@ -491,7 +507,7 @@
       </p:sp>
       <p:sp>
         <p:nvSpPr>
-          <p:cNvPr id="6" name="Slide Number Placeholder 5"/>
+          <p:cNvPr id="6" name="投影片編號版面配置區 5"/>
           <p:cNvSpPr>
             <a:spLocks noGrp="1"/>
           </p:cNvSpPr>
@@ -516,7 +532,7 @@
     </p:spTree>
     <p:extLst>
       <p:ext uri="{BB962C8B-B14F-4D97-AF65-F5344CB8AC3E}">
-        <p14:creationId xmlns:p14="http://schemas.microsoft.com/office/powerpoint/2010/main" val="3808267567"/>
+        <p14:creationId xmlns:p14="http://schemas.microsoft.com/office/powerpoint/2010/main" val="2607641250"/>
       </p:ext>
     </p:extLst>
   </p:cSld>
@@ -528,7 +544,7 @@
 
 <file path=ppt/slideLayouts/slideLayout11.xml><?xml version="1.0" encoding="utf-8"?>
 <p:sldLayout xmlns:a="http://schemas.openxmlformats.org/drawingml/2006/main" xmlns:r="http://schemas.openxmlformats.org/officeDocument/2006/relationships" xmlns:p="http://schemas.openxmlformats.org/presentationml/2006/main" type="vertTitleAndTx" preserve="1">
-  <p:cSld name="Vertical Title and Text">
+  <p:cSld name="直排標題及文字">
     <p:spTree>
       <p:nvGrpSpPr>
         <p:cNvPr id="1" name=""/>
@@ -545,7 +561,7 @@
       </p:grpSpPr>
       <p:sp>
         <p:nvSpPr>
-          <p:cNvPr id="2" name="Vertical Title 1"/>
+          <p:cNvPr id="2" name="直排標題 1"/>
           <p:cNvSpPr>
             <a:spLocks noGrp="1"/>
           </p:cNvSpPr>
@@ -555,8 +571,8 @@
         </p:nvSpPr>
         <p:spPr>
           <a:xfrm>
-            <a:off x="6629400" y="274638"/>
-            <a:ext cx="2057400" cy="5851525"/>
+            <a:off x="8839200" y="274639"/>
+            <a:ext cx="2743200" cy="5851525"/>
           </a:xfrm>
         </p:spPr>
         <p:txBody>
@@ -564,16 +580,16 @@
           <a:lstStyle/>
           <a:p>
             <a:r>
-              <a:rPr lang="en-US" smtClean="0"/>
+              <a:rPr lang="en-US" altLang="zh-TW" smtClean="0"/>
               <a:t>Click to edit Master title style</a:t>
             </a:r>
-            <a:endParaRPr lang="en-US"/>
-          </a:p>
-        </p:txBody>
-      </p:sp>
-      <p:sp>
-        <p:nvSpPr>
-          <p:cNvPr id="3" name="Vertical Text Placeholder 2"/>
+            <a:endParaRPr lang="zh-TW" altLang="en-US"/>
+          </a:p>
+        </p:txBody>
+      </p:sp>
+      <p:sp>
+        <p:nvSpPr>
+          <p:cNvPr id="3" name="直排文字版面配置區 2"/>
           <p:cNvSpPr>
             <a:spLocks noGrp="1"/>
           </p:cNvSpPr>
@@ -583,8 +599,8 @@
         </p:nvSpPr>
         <p:spPr>
           <a:xfrm>
-            <a:off x="457200" y="274638"/>
-            <a:ext cx="6019800" cy="5851525"/>
+            <a:off x="609600" y="274639"/>
+            <a:ext cx="8026400" cy="5851525"/>
           </a:xfrm>
         </p:spPr>
         <p:txBody>
@@ -593,44 +609,44 @@
           <a:p>
             <a:pPr lvl="0"/>
             <a:r>
-              <a:rPr lang="en-US" smtClean="0"/>
-              <a:t>Click to edit Master text styles</a:t>
+              <a:rPr lang="en-US" altLang="zh-TW" smtClean="0"/>
+              <a:t>Edit Master text styles</a:t>
             </a:r>
           </a:p>
           <a:p>
             <a:pPr lvl="1"/>
             <a:r>
-              <a:rPr lang="en-US" smtClean="0"/>
+              <a:rPr lang="en-US" altLang="zh-TW" smtClean="0"/>
               <a:t>Second level</a:t>
             </a:r>
           </a:p>
           <a:p>
             <a:pPr lvl="2"/>
             <a:r>
-              <a:rPr lang="en-US" smtClean="0"/>
+              <a:rPr lang="en-US" altLang="zh-TW" smtClean="0"/>
               <a:t>Third level</a:t>
             </a:r>
           </a:p>
           <a:p>
             <a:pPr lvl="3"/>
             <a:r>
-              <a:rPr lang="en-US" smtClean="0"/>
+              <a:rPr lang="en-US" altLang="zh-TW" smtClean="0"/>
               <a:t>Fourth level</a:t>
             </a:r>
           </a:p>
           <a:p>
             <a:pPr lvl="4"/>
             <a:r>
-              <a:rPr lang="en-US" smtClean="0"/>
+              <a:rPr lang="en-US" altLang="zh-TW" smtClean="0"/>
               <a:t>Fifth level</a:t>
             </a:r>
-            <a:endParaRPr lang="en-US"/>
-          </a:p>
-        </p:txBody>
-      </p:sp>
-      <p:sp>
-        <p:nvSpPr>
-          <p:cNvPr id="4" name="Date Placeholder 3"/>
+            <a:endParaRPr lang="zh-TW" altLang="en-US"/>
+          </a:p>
+        </p:txBody>
+      </p:sp>
+      <p:sp>
+        <p:nvSpPr>
+          <p:cNvPr id="4" name="日期版面配置區 3"/>
           <p:cNvSpPr>
             <a:spLocks noGrp="1"/>
           </p:cNvSpPr>
@@ -646,7 +662,7 @@
             <a:fld id="{77D5D620-2247-4098-B18A-D1A601B2D052}" type="datetimeFigureOut">
               <a:rPr lang="zh-TW" altLang="en-US" smtClean="0"/>
               <a:pPr/>
-              <a:t>2019/1/8</a:t>
+              <a:t>2020/3/7</a:t>
             </a:fld>
             <a:endParaRPr lang="zh-TW" altLang="en-US"/>
           </a:p>
@@ -654,7 +670,7 @@
       </p:sp>
       <p:sp>
         <p:nvSpPr>
-          <p:cNvPr id="5" name="Footer Placeholder 4"/>
+          <p:cNvPr id="5" name="頁尾版面配置區 4"/>
           <p:cNvSpPr>
             <a:spLocks noGrp="1"/>
           </p:cNvSpPr>
@@ -673,7 +689,7 @@
       </p:sp>
       <p:sp>
         <p:nvSpPr>
-          <p:cNvPr id="6" name="Slide Number Placeholder 5"/>
+          <p:cNvPr id="6" name="投影片編號版面配置區 5"/>
           <p:cNvSpPr>
             <a:spLocks noGrp="1"/>
           </p:cNvSpPr>
@@ -698,7 +714,7 @@
     </p:spTree>
     <p:extLst>
       <p:ext uri="{BB962C8B-B14F-4D97-AF65-F5344CB8AC3E}">
-        <p14:creationId xmlns:p14="http://schemas.microsoft.com/office/powerpoint/2010/main" val="2832910572"/>
+        <p14:creationId xmlns:p14="http://schemas.microsoft.com/office/powerpoint/2010/main" val="1280307607"/>
       </p:ext>
     </p:extLst>
   </p:cSld>
@@ -710,7 +726,7 @@
 
 <file path=ppt/slideLayouts/slideLayout2.xml><?xml version="1.0" encoding="utf-8"?>
 <p:sldLayout xmlns:a="http://schemas.openxmlformats.org/drawingml/2006/main" xmlns:r="http://schemas.openxmlformats.org/officeDocument/2006/relationships" xmlns:p="http://schemas.openxmlformats.org/presentationml/2006/main" type="obj" preserve="1">
-  <p:cSld name="Title and Content">
+  <p:cSld name="標題及物件">
     <p:spTree>
       <p:nvGrpSpPr>
         <p:cNvPr id="1" name=""/>
@@ -727,7 +743,7 @@
       </p:grpSpPr>
       <p:sp>
         <p:nvSpPr>
-          <p:cNvPr id="2" name="Title 1"/>
+          <p:cNvPr id="2" name="標題 1"/>
           <p:cNvSpPr>
             <a:spLocks noGrp="1"/>
           </p:cNvSpPr>
@@ -741,16 +757,16 @@
           <a:lstStyle/>
           <a:p>
             <a:r>
-              <a:rPr lang="en-US" smtClean="0"/>
+              <a:rPr lang="en-US" altLang="zh-TW" smtClean="0"/>
               <a:t>Click to edit Master title style</a:t>
             </a:r>
-            <a:endParaRPr lang="en-US"/>
-          </a:p>
-        </p:txBody>
-      </p:sp>
-      <p:sp>
-        <p:nvSpPr>
-          <p:cNvPr id="3" name="Content Placeholder 2"/>
+            <a:endParaRPr lang="zh-TW" altLang="en-US"/>
+          </a:p>
+        </p:txBody>
+      </p:sp>
+      <p:sp>
+        <p:nvSpPr>
+          <p:cNvPr id="3" name="內容版面配置區 2"/>
           <p:cNvSpPr>
             <a:spLocks noGrp="1"/>
           </p:cNvSpPr>
@@ -765,44 +781,44 @@
           <a:p>
             <a:pPr lvl="0"/>
             <a:r>
-              <a:rPr lang="en-US" smtClean="0"/>
-              <a:t>Click to edit Master text styles</a:t>
+              <a:rPr lang="en-US" altLang="zh-TW" smtClean="0"/>
+              <a:t>Edit Master text styles</a:t>
             </a:r>
           </a:p>
           <a:p>
             <a:pPr lvl="1"/>
             <a:r>
-              <a:rPr lang="en-US" smtClean="0"/>
+              <a:rPr lang="en-US" altLang="zh-TW" smtClean="0"/>
               <a:t>Second level</a:t>
             </a:r>
           </a:p>
           <a:p>
             <a:pPr lvl="2"/>
             <a:r>
-              <a:rPr lang="en-US" smtClean="0"/>
+              <a:rPr lang="en-US" altLang="zh-TW" smtClean="0"/>
               <a:t>Third level</a:t>
             </a:r>
           </a:p>
           <a:p>
             <a:pPr lvl="3"/>
             <a:r>
-              <a:rPr lang="en-US" smtClean="0"/>
+              <a:rPr lang="en-US" altLang="zh-TW" smtClean="0"/>
               <a:t>Fourth level</a:t>
             </a:r>
           </a:p>
           <a:p>
             <a:pPr lvl="4"/>
             <a:r>
-              <a:rPr lang="en-US" smtClean="0"/>
+              <a:rPr lang="en-US" altLang="zh-TW" smtClean="0"/>
               <a:t>Fifth level</a:t>
             </a:r>
-            <a:endParaRPr lang="en-US"/>
-          </a:p>
-        </p:txBody>
-      </p:sp>
-      <p:sp>
-        <p:nvSpPr>
-          <p:cNvPr id="4" name="Date Placeholder 3"/>
+            <a:endParaRPr lang="zh-TW" altLang="en-US"/>
+          </a:p>
+        </p:txBody>
+      </p:sp>
+      <p:sp>
+        <p:nvSpPr>
+          <p:cNvPr id="4" name="日期版面配置區 3"/>
           <p:cNvSpPr>
             <a:spLocks noGrp="1"/>
           </p:cNvSpPr>
@@ -818,7 +834,7 @@
             <a:fld id="{77D5D620-2247-4098-B18A-D1A601B2D052}" type="datetimeFigureOut">
               <a:rPr lang="zh-TW" altLang="en-US" smtClean="0"/>
               <a:pPr/>
-              <a:t>2019/1/8</a:t>
+              <a:t>2020/3/7</a:t>
             </a:fld>
             <a:endParaRPr lang="zh-TW" altLang="en-US"/>
           </a:p>
@@ -826,7 +842,7 @@
       </p:sp>
       <p:sp>
         <p:nvSpPr>
-          <p:cNvPr id="5" name="Footer Placeholder 4"/>
+          <p:cNvPr id="5" name="頁尾版面配置區 4"/>
           <p:cNvSpPr>
             <a:spLocks noGrp="1"/>
           </p:cNvSpPr>
@@ -845,7 +861,7 @@
       </p:sp>
       <p:sp>
         <p:nvSpPr>
-          <p:cNvPr id="6" name="Slide Number Placeholder 5"/>
+          <p:cNvPr id="6" name="投影片編號版面配置區 5"/>
           <p:cNvSpPr>
             <a:spLocks noGrp="1"/>
           </p:cNvSpPr>
@@ -870,7 +886,7 @@
     </p:spTree>
     <p:extLst>
       <p:ext uri="{BB962C8B-B14F-4D97-AF65-F5344CB8AC3E}">
-        <p14:creationId xmlns:p14="http://schemas.microsoft.com/office/powerpoint/2010/main" val="3789705112"/>
+        <p14:creationId xmlns:p14="http://schemas.microsoft.com/office/powerpoint/2010/main" val="2126322688"/>
       </p:ext>
     </p:extLst>
   </p:cSld>
@@ -882,7 +898,7 @@
 
 <file path=ppt/slideLayouts/slideLayout3.xml><?xml version="1.0" encoding="utf-8"?>
 <p:sldLayout xmlns:a="http://schemas.openxmlformats.org/drawingml/2006/main" xmlns:r="http://schemas.openxmlformats.org/officeDocument/2006/relationships" xmlns:p="http://schemas.openxmlformats.org/presentationml/2006/main" type="secHead" preserve="1">
-  <p:cSld name="Section Header">
+  <p:cSld name="區段標題">
     <p:spTree>
       <p:nvGrpSpPr>
         <p:cNvPr id="1" name=""/>
@@ -899,7 +915,7 @@
       </p:grpSpPr>
       <p:sp>
         <p:nvSpPr>
-          <p:cNvPr id="2" name="Title 1"/>
+          <p:cNvPr id="2" name="標題 1"/>
           <p:cNvSpPr>
             <a:spLocks noGrp="1"/>
           </p:cNvSpPr>
@@ -909,29 +925,29 @@
         </p:nvSpPr>
         <p:spPr>
           <a:xfrm>
-            <a:off x="722313" y="4406900"/>
-            <a:ext cx="7772400" cy="1362075"/>
+            <a:off x="963084" y="4406901"/>
+            <a:ext cx="10363200" cy="1362075"/>
           </a:xfrm>
         </p:spPr>
         <p:txBody>
           <a:bodyPr anchor="t"/>
           <a:lstStyle>
             <a:lvl1pPr algn="l">
-              <a:defRPr sz="4000" b="1" cap="all"/>
+              <a:defRPr sz="5333" b="1" cap="all"/>
             </a:lvl1pPr>
           </a:lstStyle>
           <a:p>
             <a:r>
-              <a:rPr lang="en-US" smtClean="0"/>
+              <a:rPr lang="en-US" altLang="zh-TW" smtClean="0"/>
               <a:t>Click to edit Master title style</a:t>
             </a:r>
-            <a:endParaRPr lang="en-US"/>
-          </a:p>
-        </p:txBody>
-      </p:sp>
-      <p:sp>
-        <p:nvSpPr>
-          <p:cNvPr id="3" name="Text Placeholder 2"/>
+            <a:endParaRPr lang="zh-TW" altLang="en-US"/>
+          </a:p>
+        </p:txBody>
+      </p:sp>
+      <p:sp>
+        <p:nvSpPr>
+          <p:cNvPr id="3" name="文字版面配置區 2"/>
           <p:cNvSpPr>
             <a:spLocks noGrp="1"/>
           </p:cNvSpPr>
@@ -941,8 +957,8 @@
         </p:nvSpPr>
         <p:spPr>
           <a:xfrm>
-            <a:off x="722313" y="2906713"/>
-            <a:ext cx="7772400" cy="1500187"/>
+            <a:off x="963084" y="2906713"/>
+            <a:ext cx="10363200" cy="1500187"/>
           </a:xfrm>
         </p:spPr>
         <p:txBody>
@@ -950,7 +966,7 @@
           <a:lstStyle>
             <a:lvl1pPr marL="0" indent="0">
               <a:buNone/>
-              <a:defRPr sz="2000">
+              <a:defRPr sz="2667">
                 <a:solidFill>
                   <a:schemeClr val="tx1">
                     <a:tint val="75000"/>
@@ -958,9 +974,9 @@
                 </a:solidFill>
               </a:defRPr>
             </a:lvl1pPr>
-            <a:lvl2pPr marL="457200" indent="0">
-              <a:buNone/>
-              <a:defRPr sz="1800">
+            <a:lvl2pPr marL="609585" indent="0">
+              <a:buNone/>
+              <a:defRPr sz="2400">
                 <a:solidFill>
                   <a:schemeClr val="tx1">
                     <a:tint val="75000"/>
@@ -968,9 +984,9 @@
                 </a:solidFill>
               </a:defRPr>
             </a:lvl2pPr>
-            <a:lvl3pPr marL="914400" indent="0">
-              <a:buNone/>
-              <a:defRPr sz="1600">
+            <a:lvl3pPr marL="1219170" indent="0">
+              <a:buNone/>
+              <a:defRPr sz="2133">
                 <a:solidFill>
                   <a:schemeClr val="tx1">
                     <a:tint val="75000"/>
@@ -978,9 +994,9 @@
                 </a:solidFill>
               </a:defRPr>
             </a:lvl3pPr>
-            <a:lvl4pPr marL="1371600" indent="0">
-              <a:buNone/>
-              <a:defRPr sz="1400">
+            <a:lvl4pPr marL="1828754" indent="0">
+              <a:buNone/>
+              <a:defRPr sz="1867">
                 <a:solidFill>
                   <a:schemeClr val="tx1">
                     <a:tint val="75000"/>
@@ -988,9 +1004,9 @@
                 </a:solidFill>
               </a:defRPr>
             </a:lvl4pPr>
-            <a:lvl5pPr marL="1828800" indent="0">
-              <a:buNone/>
-              <a:defRPr sz="1400">
+            <a:lvl5pPr marL="2438339" indent="0">
+              <a:buNone/>
+              <a:defRPr sz="1867">
                 <a:solidFill>
                   <a:schemeClr val="tx1">
                     <a:tint val="75000"/>
@@ -998,9 +1014,9 @@
                 </a:solidFill>
               </a:defRPr>
             </a:lvl5pPr>
-            <a:lvl6pPr marL="2286000" indent="0">
-              <a:buNone/>
-              <a:defRPr sz="1400">
+            <a:lvl6pPr marL="3047924" indent="0">
+              <a:buNone/>
+              <a:defRPr sz="1867">
                 <a:solidFill>
                   <a:schemeClr val="tx1">
                     <a:tint val="75000"/>
@@ -1008,9 +1024,9 @@
                 </a:solidFill>
               </a:defRPr>
             </a:lvl6pPr>
-            <a:lvl7pPr marL="2743200" indent="0">
-              <a:buNone/>
-              <a:defRPr sz="1400">
+            <a:lvl7pPr marL="3657509" indent="0">
+              <a:buNone/>
+              <a:defRPr sz="1867">
                 <a:solidFill>
                   <a:schemeClr val="tx1">
                     <a:tint val="75000"/>
@@ -1018,9 +1034,9 @@
                 </a:solidFill>
               </a:defRPr>
             </a:lvl7pPr>
-            <a:lvl8pPr marL="3200400" indent="0">
-              <a:buNone/>
-              <a:defRPr sz="1400">
+            <a:lvl8pPr marL="4267093" indent="0">
+              <a:buNone/>
+              <a:defRPr sz="1867">
                 <a:solidFill>
                   <a:schemeClr val="tx1">
                     <a:tint val="75000"/>
@@ -1028,9 +1044,9 @@
                 </a:solidFill>
               </a:defRPr>
             </a:lvl8pPr>
-            <a:lvl9pPr marL="3657600" indent="0">
-              <a:buNone/>
-              <a:defRPr sz="1400">
+            <a:lvl9pPr marL="4876678" indent="0">
+              <a:buNone/>
+              <a:defRPr sz="1867">
                 <a:solidFill>
                   <a:schemeClr val="tx1">
                     <a:tint val="75000"/>
@@ -1042,15 +1058,15 @@
           <a:p>
             <a:pPr lvl="0"/>
             <a:r>
-              <a:rPr lang="en-US" smtClean="0"/>
-              <a:t>Click to edit Master text styles</a:t>
-            </a:r>
-          </a:p>
-        </p:txBody>
-      </p:sp>
-      <p:sp>
-        <p:nvSpPr>
-          <p:cNvPr id="4" name="Date Placeholder 3"/>
+              <a:rPr lang="en-US" altLang="zh-TW" smtClean="0"/>
+              <a:t>Edit Master text styles</a:t>
+            </a:r>
+          </a:p>
+        </p:txBody>
+      </p:sp>
+      <p:sp>
+        <p:nvSpPr>
+          <p:cNvPr id="4" name="日期版面配置區 3"/>
           <p:cNvSpPr>
             <a:spLocks noGrp="1"/>
           </p:cNvSpPr>
@@ -1066,7 +1082,7 @@
             <a:fld id="{77D5D620-2247-4098-B18A-D1A601B2D052}" type="datetimeFigureOut">
               <a:rPr lang="zh-TW" altLang="en-US" smtClean="0"/>
               <a:pPr/>
-              <a:t>2019/1/8</a:t>
+              <a:t>2020/3/7</a:t>
             </a:fld>
             <a:endParaRPr lang="zh-TW" altLang="en-US"/>
           </a:p>
@@ -1074,7 +1090,7 @@
       </p:sp>
       <p:sp>
         <p:nvSpPr>
-          <p:cNvPr id="5" name="Footer Placeholder 4"/>
+          <p:cNvPr id="5" name="頁尾版面配置區 4"/>
           <p:cNvSpPr>
             <a:spLocks noGrp="1"/>
           </p:cNvSpPr>
@@ -1093,7 +1109,7 @@
       </p:sp>
       <p:sp>
         <p:nvSpPr>
-          <p:cNvPr id="6" name="Slide Number Placeholder 5"/>
+          <p:cNvPr id="6" name="投影片編號版面配置區 5"/>
           <p:cNvSpPr>
             <a:spLocks noGrp="1"/>
           </p:cNvSpPr>
@@ -1118,7 +1134,7 @@
     </p:spTree>
     <p:extLst>
       <p:ext uri="{BB962C8B-B14F-4D97-AF65-F5344CB8AC3E}">
-        <p14:creationId xmlns:p14="http://schemas.microsoft.com/office/powerpoint/2010/main" val="1625779610"/>
+        <p14:creationId xmlns:p14="http://schemas.microsoft.com/office/powerpoint/2010/main" val="552248626"/>
       </p:ext>
     </p:extLst>
   </p:cSld>
@@ -1130,7 +1146,7 @@
 
 <file path=ppt/slideLayouts/slideLayout4.xml><?xml version="1.0" encoding="utf-8"?>
 <p:sldLayout xmlns:a="http://schemas.openxmlformats.org/drawingml/2006/main" xmlns:r="http://schemas.openxmlformats.org/officeDocument/2006/relationships" xmlns:p="http://schemas.openxmlformats.org/presentationml/2006/main" type="twoObj" preserve="1">
-  <p:cSld name="Two Content">
+  <p:cSld name="兩項物件">
     <p:spTree>
       <p:nvGrpSpPr>
         <p:cNvPr id="1" name=""/>
@@ -1147,7 +1163,7 @@
       </p:grpSpPr>
       <p:sp>
         <p:nvSpPr>
-          <p:cNvPr id="2" name="Title 1"/>
+          <p:cNvPr id="2" name="標題 1"/>
           <p:cNvSpPr>
             <a:spLocks noGrp="1"/>
           </p:cNvSpPr>
@@ -1161,16 +1177,16 @@
           <a:lstStyle/>
           <a:p>
             <a:r>
-              <a:rPr lang="en-US" smtClean="0"/>
+              <a:rPr lang="en-US" altLang="zh-TW" smtClean="0"/>
               <a:t>Click to edit Master title style</a:t>
             </a:r>
-            <a:endParaRPr lang="en-US"/>
-          </a:p>
-        </p:txBody>
-      </p:sp>
-      <p:sp>
-        <p:nvSpPr>
-          <p:cNvPr id="3" name="Content Placeholder 2"/>
+            <a:endParaRPr lang="zh-TW" altLang="en-US"/>
+          </a:p>
+        </p:txBody>
+      </p:sp>
+      <p:sp>
+        <p:nvSpPr>
+          <p:cNvPr id="3" name="內容版面配置區 2"/>
           <p:cNvSpPr>
             <a:spLocks noGrp="1"/>
           </p:cNvSpPr>
@@ -1180,82 +1196,82 @@
         </p:nvSpPr>
         <p:spPr>
           <a:xfrm>
-            <a:off x="457200" y="1600200"/>
-            <a:ext cx="4038600" cy="4525963"/>
+            <a:off x="609600" y="1600201"/>
+            <a:ext cx="5384800" cy="4525963"/>
           </a:xfrm>
         </p:spPr>
         <p:txBody>
           <a:bodyPr/>
           <a:lstStyle>
             <a:lvl1pPr>
-              <a:defRPr sz="2800"/>
+              <a:defRPr sz="3733"/>
             </a:lvl1pPr>
             <a:lvl2pPr>
-              <a:defRPr sz="2400"/>
+              <a:defRPr sz="3200"/>
             </a:lvl2pPr>
             <a:lvl3pPr>
-              <a:defRPr sz="2000"/>
+              <a:defRPr sz="2667"/>
             </a:lvl3pPr>
             <a:lvl4pPr>
-              <a:defRPr sz="1800"/>
+              <a:defRPr sz="2400"/>
             </a:lvl4pPr>
             <a:lvl5pPr>
-              <a:defRPr sz="1800"/>
+              <a:defRPr sz="2400"/>
             </a:lvl5pPr>
             <a:lvl6pPr>
-              <a:defRPr sz="1800"/>
+              <a:defRPr sz="2400"/>
             </a:lvl6pPr>
             <a:lvl7pPr>
-              <a:defRPr sz="1800"/>
+              <a:defRPr sz="2400"/>
             </a:lvl7pPr>
             <a:lvl8pPr>
-              <a:defRPr sz="1800"/>
+              <a:defRPr sz="2400"/>
             </a:lvl8pPr>
             <a:lvl9pPr>
-              <a:defRPr sz="1800"/>
+              <a:defRPr sz="2400"/>
             </a:lvl9pPr>
           </a:lstStyle>
           <a:p>
             <a:pPr lvl="0"/>
             <a:r>
-              <a:rPr lang="en-US" smtClean="0"/>
-              <a:t>Click to edit Master text styles</a:t>
+              <a:rPr lang="en-US" altLang="zh-TW" smtClean="0"/>
+              <a:t>Edit Master text styles</a:t>
             </a:r>
           </a:p>
           <a:p>
             <a:pPr lvl="1"/>
             <a:r>
-              <a:rPr lang="en-US" smtClean="0"/>
+              <a:rPr lang="en-US" altLang="zh-TW" smtClean="0"/>
               <a:t>Second level</a:t>
             </a:r>
           </a:p>
           <a:p>
             <a:pPr lvl="2"/>
             <a:r>
-              <a:rPr lang="en-US" smtClean="0"/>
+              <a:rPr lang="en-US" altLang="zh-TW" smtClean="0"/>
               <a:t>Third level</a:t>
             </a:r>
           </a:p>
           <a:p>
             <a:pPr lvl="3"/>
             <a:r>
-              <a:rPr lang="en-US" smtClean="0"/>
+              <a:rPr lang="en-US" altLang="zh-TW" smtClean="0"/>
               <a:t>Fourth level</a:t>
             </a:r>
           </a:p>
           <a:p>
             <a:pPr lvl="4"/>
             <a:r>
-              <a:rPr lang="en-US" smtClean="0"/>
+              <a:rPr lang="en-US" altLang="zh-TW" smtClean="0"/>
               <a:t>Fifth level</a:t>
             </a:r>
-            <a:endParaRPr lang="en-US"/>
-          </a:p>
-        </p:txBody>
-      </p:sp>
-      <p:sp>
-        <p:nvSpPr>
-          <p:cNvPr id="4" name="Content Placeholder 3"/>
+            <a:endParaRPr lang="zh-TW" altLang="en-US"/>
+          </a:p>
+        </p:txBody>
+      </p:sp>
+      <p:sp>
+        <p:nvSpPr>
+          <p:cNvPr id="4" name="內容版面配置區 3"/>
           <p:cNvSpPr>
             <a:spLocks noGrp="1"/>
           </p:cNvSpPr>
@@ -1265,82 +1281,82 @@
         </p:nvSpPr>
         <p:spPr>
           <a:xfrm>
-            <a:off x="4648200" y="1600200"/>
-            <a:ext cx="4038600" cy="4525963"/>
+            <a:off x="6197600" y="1600201"/>
+            <a:ext cx="5384800" cy="4525963"/>
           </a:xfrm>
         </p:spPr>
         <p:txBody>
           <a:bodyPr/>
           <a:lstStyle>
             <a:lvl1pPr>
-              <a:defRPr sz="2800"/>
+              <a:defRPr sz="3733"/>
             </a:lvl1pPr>
             <a:lvl2pPr>
-              <a:defRPr sz="2400"/>
+              <a:defRPr sz="3200"/>
             </a:lvl2pPr>
             <a:lvl3pPr>
-              <a:defRPr sz="2000"/>
+              <a:defRPr sz="2667"/>
             </a:lvl3pPr>
             <a:lvl4pPr>
-              <a:defRPr sz="1800"/>
+              <a:defRPr sz="2400"/>
             </a:lvl4pPr>
             <a:lvl5pPr>
-              <a:defRPr sz="1800"/>
+              <a:defRPr sz="2400"/>
             </a:lvl5pPr>
             <a:lvl6pPr>
-              <a:defRPr sz="1800"/>
+              <a:defRPr sz="2400"/>
             </a:lvl6pPr>
             <a:lvl7pPr>
-              <a:defRPr sz="1800"/>
+              <a:defRPr sz="2400"/>
             </a:lvl7pPr>
             <a:lvl8pPr>
-              <a:defRPr sz="1800"/>
+              <a:defRPr sz="2400"/>
             </a:lvl8pPr>
             <a:lvl9pPr>
-              <a:defRPr sz="1800"/>
+              <a:defRPr sz="2400"/>
             </a:lvl9pPr>
           </a:lstStyle>
           <a:p>
             <a:pPr lvl="0"/>
             <a:r>
-              <a:rPr lang="en-US" smtClean="0"/>
-              <a:t>Click to edit Master text styles</a:t>
+              <a:rPr lang="en-US" altLang="zh-TW" smtClean="0"/>
+              <a:t>Edit Master text styles</a:t>
             </a:r>
           </a:p>
           <a:p>
             <a:pPr lvl="1"/>
             <a:r>
-              <a:rPr lang="en-US" smtClean="0"/>
+              <a:rPr lang="en-US" altLang="zh-TW" smtClean="0"/>
               <a:t>Second level</a:t>
             </a:r>
           </a:p>
           <a:p>
             <a:pPr lvl="2"/>
             <a:r>
-              <a:rPr lang="en-US" smtClean="0"/>
+              <a:rPr lang="en-US" altLang="zh-TW" smtClean="0"/>
               <a:t>Third level</a:t>
             </a:r>
           </a:p>
           <a:p>
             <a:pPr lvl="3"/>
             <a:r>
-              <a:rPr lang="en-US" smtClean="0"/>
+              <a:rPr lang="en-US" altLang="zh-TW" smtClean="0"/>
               <a:t>Fourth level</a:t>
             </a:r>
           </a:p>
           <a:p>
             <a:pPr lvl="4"/>
             <a:r>
-              <a:rPr lang="en-US" smtClean="0"/>
+              <a:rPr lang="en-US" altLang="zh-TW" smtClean="0"/>
               <a:t>Fifth level</a:t>
             </a:r>
-            <a:endParaRPr lang="en-US"/>
-          </a:p>
-        </p:txBody>
-      </p:sp>
-      <p:sp>
-        <p:nvSpPr>
-          <p:cNvPr id="5" name="Date Placeholder 4"/>
+            <a:endParaRPr lang="zh-TW" altLang="en-US"/>
+          </a:p>
+        </p:txBody>
+      </p:sp>
+      <p:sp>
+        <p:nvSpPr>
+          <p:cNvPr id="5" name="日期版面配置區 4"/>
           <p:cNvSpPr>
             <a:spLocks noGrp="1"/>
           </p:cNvSpPr>
@@ -1356,7 +1372,7 @@
             <a:fld id="{77D5D620-2247-4098-B18A-D1A601B2D052}" type="datetimeFigureOut">
               <a:rPr lang="zh-TW" altLang="en-US" smtClean="0"/>
               <a:pPr/>
-              <a:t>2019/1/8</a:t>
+              <a:t>2020/3/7</a:t>
             </a:fld>
             <a:endParaRPr lang="zh-TW" altLang="en-US"/>
           </a:p>
@@ -1364,7 +1380,7 @@
       </p:sp>
       <p:sp>
         <p:nvSpPr>
-          <p:cNvPr id="6" name="Footer Placeholder 5"/>
+          <p:cNvPr id="6" name="頁尾版面配置區 5"/>
           <p:cNvSpPr>
             <a:spLocks noGrp="1"/>
           </p:cNvSpPr>
@@ -1383,7 +1399,7 @@
       </p:sp>
       <p:sp>
         <p:nvSpPr>
-          <p:cNvPr id="7" name="Slide Number Placeholder 6"/>
+          <p:cNvPr id="7" name="投影片編號版面配置區 6"/>
           <p:cNvSpPr>
             <a:spLocks noGrp="1"/>
           </p:cNvSpPr>
@@ -1408,7 +1424,7 @@
     </p:spTree>
     <p:extLst>
       <p:ext uri="{BB962C8B-B14F-4D97-AF65-F5344CB8AC3E}">
-        <p14:creationId xmlns:p14="http://schemas.microsoft.com/office/powerpoint/2010/main" val="4141973647"/>
+        <p14:creationId xmlns:p14="http://schemas.microsoft.com/office/powerpoint/2010/main" val="1962213479"/>
       </p:ext>
     </p:extLst>
   </p:cSld>
@@ -1420,7 +1436,7 @@
 
 <file path=ppt/slideLayouts/slideLayout5.xml><?xml version="1.0" encoding="utf-8"?>
 <p:sldLayout xmlns:a="http://schemas.openxmlformats.org/drawingml/2006/main" xmlns:r="http://schemas.openxmlformats.org/officeDocument/2006/relationships" xmlns:p="http://schemas.openxmlformats.org/presentationml/2006/main" type="twoTxTwoObj" preserve="1">
-  <p:cSld name="Comparison">
+  <p:cSld name="比對">
     <p:spTree>
       <p:nvGrpSpPr>
         <p:cNvPr id="1" name=""/>
@@ -1437,7 +1453,7 @@
       </p:grpSpPr>
       <p:sp>
         <p:nvSpPr>
-          <p:cNvPr id="2" name="Title 1"/>
+          <p:cNvPr id="2" name="標題 1"/>
           <p:cNvSpPr>
             <a:spLocks noGrp="1"/>
           </p:cNvSpPr>
@@ -1455,16 +1471,16 @@
           </a:lstStyle>
           <a:p>
             <a:r>
-              <a:rPr lang="en-US" smtClean="0"/>
+              <a:rPr lang="en-US" altLang="zh-TW" smtClean="0"/>
               <a:t>Click to edit Master title style</a:t>
             </a:r>
-            <a:endParaRPr lang="en-US"/>
-          </a:p>
-        </p:txBody>
-      </p:sp>
-      <p:sp>
-        <p:nvSpPr>
-          <p:cNvPr id="3" name="Text Placeholder 2"/>
+            <a:endParaRPr lang="zh-TW" altLang="en-US"/>
+          </a:p>
+        </p:txBody>
+      </p:sp>
+      <p:sp>
+        <p:nvSpPr>
+          <p:cNvPr id="3" name="文字版面配置區 2"/>
           <p:cNvSpPr>
             <a:spLocks noGrp="1"/>
           </p:cNvSpPr>
@@ -1474,8 +1490,8 @@
         </p:nvSpPr>
         <p:spPr>
           <a:xfrm>
-            <a:off x="457200" y="1535113"/>
-            <a:ext cx="4040188" cy="639762"/>
+            <a:off x="609600" y="1535113"/>
+            <a:ext cx="5386917" cy="639763"/>
           </a:xfrm>
         </p:spPr>
         <p:txBody>
@@ -1483,53 +1499,53 @@
           <a:lstStyle>
             <a:lvl1pPr marL="0" indent="0">
               <a:buNone/>
+              <a:defRPr sz="3200" b="1"/>
+            </a:lvl1pPr>
+            <a:lvl2pPr marL="609585" indent="0">
+              <a:buNone/>
+              <a:defRPr sz="2667" b="1"/>
+            </a:lvl2pPr>
+            <a:lvl3pPr marL="1219170" indent="0">
+              <a:buNone/>
               <a:defRPr sz="2400" b="1"/>
-            </a:lvl1pPr>
-            <a:lvl2pPr marL="457200" indent="0">
-              <a:buNone/>
-              <a:defRPr sz="2000" b="1"/>
-            </a:lvl2pPr>
-            <a:lvl3pPr marL="914400" indent="0">
-              <a:buNone/>
-              <a:defRPr sz="1800" b="1"/>
             </a:lvl3pPr>
-            <a:lvl4pPr marL="1371600" indent="0">
-              <a:buNone/>
-              <a:defRPr sz="1600" b="1"/>
+            <a:lvl4pPr marL="1828754" indent="0">
+              <a:buNone/>
+              <a:defRPr sz="2133" b="1"/>
             </a:lvl4pPr>
-            <a:lvl5pPr marL="1828800" indent="0">
-              <a:buNone/>
-              <a:defRPr sz="1600" b="1"/>
+            <a:lvl5pPr marL="2438339" indent="0">
+              <a:buNone/>
+              <a:defRPr sz="2133" b="1"/>
             </a:lvl5pPr>
-            <a:lvl6pPr marL="2286000" indent="0">
-              <a:buNone/>
-              <a:defRPr sz="1600" b="1"/>
+            <a:lvl6pPr marL="3047924" indent="0">
+              <a:buNone/>
+              <a:defRPr sz="2133" b="1"/>
             </a:lvl6pPr>
-            <a:lvl7pPr marL="2743200" indent="0">
-              <a:buNone/>
-              <a:defRPr sz="1600" b="1"/>
+            <a:lvl7pPr marL="3657509" indent="0">
+              <a:buNone/>
+              <a:defRPr sz="2133" b="1"/>
             </a:lvl7pPr>
-            <a:lvl8pPr marL="3200400" indent="0">
-              <a:buNone/>
-              <a:defRPr sz="1600" b="1"/>
+            <a:lvl8pPr marL="4267093" indent="0">
+              <a:buNone/>
+              <a:defRPr sz="2133" b="1"/>
             </a:lvl8pPr>
-            <a:lvl9pPr marL="3657600" indent="0">
-              <a:buNone/>
-              <a:defRPr sz="1600" b="1"/>
+            <a:lvl9pPr marL="4876678" indent="0">
+              <a:buNone/>
+              <a:defRPr sz="2133" b="1"/>
             </a:lvl9pPr>
           </a:lstStyle>
           <a:p>
             <a:pPr lvl="0"/>
             <a:r>
-              <a:rPr lang="en-US" smtClean="0"/>
-              <a:t>Click to edit Master text styles</a:t>
-            </a:r>
-          </a:p>
-        </p:txBody>
-      </p:sp>
-      <p:sp>
-        <p:nvSpPr>
-          <p:cNvPr id="4" name="Content Placeholder 3"/>
+              <a:rPr lang="en-US" altLang="zh-TW" smtClean="0"/>
+              <a:t>Edit Master text styles</a:t>
+            </a:r>
+          </a:p>
+        </p:txBody>
+      </p:sp>
+      <p:sp>
+        <p:nvSpPr>
+          <p:cNvPr id="4" name="內容版面配置區 3"/>
           <p:cNvSpPr>
             <a:spLocks noGrp="1"/>
           </p:cNvSpPr>
@@ -1539,82 +1555,82 @@
         </p:nvSpPr>
         <p:spPr>
           <a:xfrm>
-            <a:off x="457200" y="2174875"/>
-            <a:ext cx="4040188" cy="3951288"/>
+            <a:off x="609600" y="2174875"/>
+            <a:ext cx="5386917" cy="3951288"/>
           </a:xfrm>
         </p:spPr>
         <p:txBody>
           <a:bodyPr/>
           <a:lstStyle>
             <a:lvl1pPr>
-              <a:defRPr sz="2400"/>
+              <a:defRPr sz="3200"/>
             </a:lvl1pPr>
             <a:lvl2pPr>
-              <a:defRPr sz="2000"/>
+              <a:defRPr sz="2667"/>
             </a:lvl2pPr>
             <a:lvl3pPr>
-              <a:defRPr sz="1800"/>
+              <a:defRPr sz="2400"/>
             </a:lvl3pPr>
             <a:lvl4pPr>
-              <a:defRPr sz="1600"/>
+              <a:defRPr sz="2133"/>
             </a:lvl4pPr>
             <a:lvl5pPr>
-              <a:defRPr sz="1600"/>
+              <a:defRPr sz="2133"/>
             </a:lvl5pPr>
             <a:lvl6pPr>
-              <a:defRPr sz="1600"/>
+              <a:defRPr sz="2133"/>
             </a:lvl6pPr>
             <a:lvl7pPr>
-              <a:defRPr sz="1600"/>
+              <a:defRPr sz="2133"/>
             </a:lvl7pPr>
             <a:lvl8pPr>
-              <a:defRPr sz="1600"/>
+              <a:defRPr sz="2133"/>
             </a:lvl8pPr>
             <a:lvl9pPr>
-              <a:defRPr sz="1600"/>
+              <a:defRPr sz="2133"/>
             </a:lvl9pPr>
           </a:lstStyle>
           <a:p>
             <a:pPr lvl="0"/>
             <a:r>
-              <a:rPr lang="en-US" smtClean="0"/>
-              <a:t>Click to edit Master text styles</a:t>
+              <a:rPr lang="en-US" altLang="zh-TW" smtClean="0"/>
+              <a:t>Edit Master text styles</a:t>
             </a:r>
           </a:p>
           <a:p>
             <a:pPr lvl="1"/>
             <a:r>
-              <a:rPr lang="en-US" smtClean="0"/>
+              <a:rPr lang="en-US" altLang="zh-TW" smtClean="0"/>
               <a:t>Second level</a:t>
             </a:r>
           </a:p>
           <a:p>
             <a:pPr lvl="2"/>
             <a:r>
-              <a:rPr lang="en-US" smtClean="0"/>
+              <a:rPr lang="en-US" altLang="zh-TW" smtClean="0"/>
               <a:t>Third level</a:t>
             </a:r>
           </a:p>
           <a:p>
             <a:pPr lvl="3"/>
             <a:r>
-              <a:rPr lang="en-US" smtClean="0"/>
+              <a:rPr lang="en-US" altLang="zh-TW" smtClean="0"/>
               <a:t>Fourth level</a:t>
             </a:r>
           </a:p>
           <a:p>
             <a:pPr lvl="4"/>
             <a:r>
-              <a:rPr lang="en-US" smtClean="0"/>
+              <a:rPr lang="en-US" altLang="zh-TW" smtClean="0"/>
               <a:t>Fifth level</a:t>
             </a:r>
-            <a:endParaRPr lang="en-US"/>
-          </a:p>
-        </p:txBody>
-      </p:sp>
-      <p:sp>
-        <p:nvSpPr>
-          <p:cNvPr id="5" name="Text Placeholder 4"/>
+            <a:endParaRPr lang="zh-TW" altLang="en-US"/>
+          </a:p>
+        </p:txBody>
+      </p:sp>
+      <p:sp>
+        <p:nvSpPr>
+          <p:cNvPr id="5" name="文字版面配置區 4"/>
           <p:cNvSpPr>
             <a:spLocks noGrp="1"/>
           </p:cNvSpPr>
@@ -1624,8 +1640,8 @@
         </p:nvSpPr>
         <p:spPr>
           <a:xfrm>
-            <a:off x="4645025" y="1535113"/>
-            <a:ext cx="4041775" cy="639762"/>
+            <a:off x="6193369" y="1535113"/>
+            <a:ext cx="5389033" cy="639763"/>
           </a:xfrm>
         </p:spPr>
         <p:txBody>
@@ -1633,53 +1649,53 @@
           <a:lstStyle>
             <a:lvl1pPr marL="0" indent="0">
               <a:buNone/>
+              <a:defRPr sz="3200" b="1"/>
+            </a:lvl1pPr>
+            <a:lvl2pPr marL="609585" indent="0">
+              <a:buNone/>
+              <a:defRPr sz="2667" b="1"/>
+            </a:lvl2pPr>
+            <a:lvl3pPr marL="1219170" indent="0">
+              <a:buNone/>
               <a:defRPr sz="2400" b="1"/>
-            </a:lvl1pPr>
-            <a:lvl2pPr marL="457200" indent="0">
-              <a:buNone/>
-              <a:defRPr sz="2000" b="1"/>
-            </a:lvl2pPr>
-            <a:lvl3pPr marL="914400" indent="0">
-              <a:buNone/>
-              <a:defRPr sz="1800" b="1"/>
             </a:lvl3pPr>
-            <a:lvl4pPr marL="1371600" indent="0">
-              <a:buNone/>
-              <a:defRPr sz="1600" b="1"/>
+            <a:lvl4pPr marL="1828754" indent="0">
+              <a:buNone/>
+              <a:defRPr sz="2133" b="1"/>
             </a:lvl4pPr>
-            <a:lvl5pPr marL="1828800" indent="0">
-              <a:buNone/>
-              <a:defRPr sz="1600" b="1"/>
+            <a:lvl5pPr marL="2438339" indent="0">
+              <a:buNone/>
+              <a:defRPr sz="2133" b="1"/>
             </a:lvl5pPr>
-            <a:lvl6pPr marL="2286000" indent="0">
-              <a:buNone/>
-              <a:defRPr sz="1600" b="1"/>
+            <a:lvl6pPr marL="3047924" indent="0">
+              <a:buNone/>
+              <a:defRPr sz="2133" b="1"/>
             </a:lvl6pPr>
-            <a:lvl7pPr marL="2743200" indent="0">
-              <a:buNone/>
-              <a:defRPr sz="1600" b="1"/>
+            <a:lvl7pPr marL="3657509" indent="0">
+              <a:buNone/>
+              <a:defRPr sz="2133" b="1"/>
             </a:lvl7pPr>
-            <a:lvl8pPr marL="3200400" indent="0">
-              <a:buNone/>
-              <a:defRPr sz="1600" b="1"/>
+            <a:lvl8pPr marL="4267093" indent="0">
+              <a:buNone/>
+              <a:defRPr sz="2133" b="1"/>
             </a:lvl8pPr>
-            <a:lvl9pPr marL="3657600" indent="0">
-              <a:buNone/>
-              <a:defRPr sz="1600" b="1"/>
+            <a:lvl9pPr marL="4876678" indent="0">
+              <a:buNone/>
+              <a:defRPr sz="2133" b="1"/>
             </a:lvl9pPr>
           </a:lstStyle>
           <a:p>
             <a:pPr lvl="0"/>
             <a:r>
-              <a:rPr lang="en-US" smtClean="0"/>
-              <a:t>Click to edit Master text styles</a:t>
-            </a:r>
-          </a:p>
-        </p:txBody>
-      </p:sp>
-      <p:sp>
-        <p:nvSpPr>
-          <p:cNvPr id="6" name="Content Placeholder 5"/>
+              <a:rPr lang="en-US" altLang="zh-TW" smtClean="0"/>
+              <a:t>Edit Master text styles</a:t>
+            </a:r>
+          </a:p>
+        </p:txBody>
+      </p:sp>
+      <p:sp>
+        <p:nvSpPr>
+          <p:cNvPr id="6" name="內容版面配置區 5"/>
           <p:cNvSpPr>
             <a:spLocks noGrp="1"/>
           </p:cNvSpPr>
@@ -1689,82 +1705,82 @@
         </p:nvSpPr>
         <p:spPr>
           <a:xfrm>
-            <a:off x="4645025" y="2174875"/>
-            <a:ext cx="4041775" cy="3951288"/>
+            <a:off x="6193369" y="2174875"/>
+            <a:ext cx="5389033" cy="3951288"/>
           </a:xfrm>
         </p:spPr>
         <p:txBody>
           <a:bodyPr/>
           <a:lstStyle>
             <a:lvl1pPr>
-              <a:defRPr sz="2400"/>
+              <a:defRPr sz="3200"/>
             </a:lvl1pPr>
             <a:lvl2pPr>
-              <a:defRPr sz="2000"/>
+              <a:defRPr sz="2667"/>
             </a:lvl2pPr>
             <a:lvl3pPr>
-              <a:defRPr sz="1800"/>
+              <a:defRPr sz="2400"/>
             </a:lvl3pPr>
             <a:lvl4pPr>
-              <a:defRPr sz="1600"/>
+              <a:defRPr sz="2133"/>
             </a:lvl4pPr>
             <a:lvl5pPr>
-              <a:defRPr sz="1600"/>
+              <a:defRPr sz="2133"/>
             </a:lvl5pPr>
             <a:lvl6pPr>
-              <a:defRPr sz="1600"/>
+              <a:defRPr sz="2133"/>
             </a:lvl6pPr>
             <a:lvl7pPr>
-              <a:defRPr sz="1600"/>
+              <a:defRPr sz="2133"/>
             </a:lvl7pPr>
             <a:lvl8pPr>
-              <a:defRPr sz="1600"/>
+              <a:defRPr sz="2133"/>
             </a:lvl8pPr>
             <a:lvl9pPr>
-              <a:defRPr sz="1600"/>
+              <a:defRPr sz="2133"/>
             </a:lvl9pPr>
           </a:lstStyle>
           <a:p>
             <a:pPr lvl="0"/>
             <a:r>
-              <a:rPr lang="en-US" smtClean="0"/>
-              <a:t>Click to edit Master text styles</a:t>
+              <a:rPr lang="en-US" altLang="zh-TW" smtClean="0"/>
+              <a:t>Edit Master text styles</a:t>
             </a:r>
           </a:p>
           <a:p>
             <a:pPr lvl="1"/>
             <a:r>
-              <a:rPr lang="en-US" smtClean="0"/>
+              <a:rPr lang="en-US" altLang="zh-TW" smtClean="0"/>
               <a:t>Second level</a:t>
             </a:r>
           </a:p>
           <a:p>
             <a:pPr lvl="2"/>
             <a:r>
-              <a:rPr lang="en-US" smtClean="0"/>
+              <a:rPr lang="en-US" altLang="zh-TW" smtClean="0"/>
               <a:t>Third level</a:t>
             </a:r>
           </a:p>
           <a:p>
             <a:pPr lvl="3"/>
             <a:r>
-              <a:rPr lang="en-US" smtClean="0"/>
+              <a:rPr lang="en-US" altLang="zh-TW" smtClean="0"/>
               <a:t>Fourth level</a:t>
             </a:r>
           </a:p>
           <a:p>
             <a:pPr lvl="4"/>
             <a:r>
-              <a:rPr lang="en-US" smtClean="0"/>
+              <a:rPr lang="en-US" altLang="zh-TW" smtClean="0"/>
               <a:t>Fifth level</a:t>
             </a:r>
-            <a:endParaRPr lang="en-US"/>
-          </a:p>
-        </p:txBody>
-      </p:sp>
-      <p:sp>
-        <p:nvSpPr>
-          <p:cNvPr id="7" name="Date Placeholder 6"/>
+            <a:endParaRPr lang="zh-TW" altLang="en-US"/>
+          </a:p>
+        </p:txBody>
+      </p:sp>
+      <p:sp>
+        <p:nvSpPr>
+          <p:cNvPr id="7" name="日期版面配置區 6"/>
           <p:cNvSpPr>
             <a:spLocks noGrp="1"/>
           </p:cNvSpPr>
@@ -1780,7 +1796,7 @@
             <a:fld id="{77D5D620-2247-4098-B18A-D1A601B2D052}" type="datetimeFigureOut">
               <a:rPr lang="zh-TW" altLang="en-US" smtClean="0"/>
               <a:pPr/>
-              <a:t>2019/1/8</a:t>
+              <a:t>2020/3/7</a:t>
             </a:fld>
             <a:endParaRPr lang="zh-TW" altLang="en-US"/>
           </a:p>
@@ -1788,7 +1804,7 @@
       </p:sp>
       <p:sp>
         <p:nvSpPr>
-          <p:cNvPr id="8" name="Footer Placeholder 7"/>
+          <p:cNvPr id="8" name="頁尾版面配置區 7"/>
           <p:cNvSpPr>
             <a:spLocks noGrp="1"/>
           </p:cNvSpPr>
@@ -1807,7 +1823,7 @@
       </p:sp>
       <p:sp>
         <p:nvSpPr>
-          <p:cNvPr id="9" name="Slide Number Placeholder 8"/>
+          <p:cNvPr id="9" name="投影片編號版面配置區 8"/>
           <p:cNvSpPr>
             <a:spLocks noGrp="1"/>
           </p:cNvSpPr>
@@ -1832,7 +1848,7 @@
     </p:spTree>
     <p:extLst>
       <p:ext uri="{BB962C8B-B14F-4D97-AF65-F5344CB8AC3E}">
-        <p14:creationId xmlns:p14="http://schemas.microsoft.com/office/powerpoint/2010/main" val="1049060271"/>
+        <p14:creationId xmlns:p14="http://schemas.microsoft.com/office/powerpoint/2010/main" val="2554379394"/>
       </p:ext>
     </p:extLst>
   </p:cSld>
@@ -1844,7 +1860,7 @@
 
 <file path=ppt/slideLayouts/slideLayout6.xml><?xml version="1.0" encoding="utf-8"?>
 <p:sldLayout xmlns:a="http://schemas.openxmlformats.org/drawingml/2006/main" xmlns:r="http://schemas.openxmlformats.org/officeDocument/2006/relationships" xmlns:p="http://schemas.openxmlformats.org/presentationml/2006/main" type="titleOnly" preserve="1">
-  <p:cSld name="Title Only">
+  <p:cSld name="只有標題">
     <p:spTree>
       <p:nvGrpSpPr>
         <p:cNvPr id="1" name=""/>
@@ -1861,7 +1877,7 @@
       </p:grpSpPr>
       <p:sp>
         <p:nvSpPr>
-          <p:cNvPr id="2" name="Title 1"/>
+          <p:cNvPr id="2" name="標題 1"/>
           <p:cNvSpPr>
             <a:spLocks noGrp="1"/>
           </p:cNvSpPr>
@@ -1875,16 +1891,16 @@
           <a:lstStyle/>
           <a:p>
             <a:r>
-              <a:rPr lang="en-US" smtClean="0"/>
+              <a:rPr lang="en-US" altLang="zh-TW" smtClean="0"/>
               <a:t>Click to edit Master title style</a:t>
             </a:r>
-            <a:endParaRPr lang="en-US"/>
-          </a:p>
-        </p:txBody>
-      </p:sp>
-      <p:sp>
-        <p:nvSpPr>
-          <p:cNvPr id="3" name="Date Placeholder 2"/>
+            <a:endParaRPr lang="zh-TW" altLang="en-US"/>
+          </a:p>
+        </p:txBody>
+      </p:sp>
+      <p:sp>
+        <p:nvSpPr>
+          <p:cNvPr id="3" name="日期版面配置區 2"/>
           <p:cNvSpPr>
             <a:spLocks noGrp="1"/>
           </p:cNvSpPr>
@@ -1900,7 +1916,7 @@
             <a:fld id="{77D5D620-2247-4098-B18A-D1A601B2D052}" type="datetimeFigureOut">
               <a:rPr lang="zh-TW" altLang="en-US" smtClean="0"/>
               <a:pPr/>
-              <a:t>2019/1/8</a:t>
+              <a:t>2020/3/7</a:t>
             </a:fld>
             <a:endParaRPr lang="zh-TW" altLang="en-US"/>
           </a:p>
@@ -1908,7 +1924,7 @@
       </p:sp>
       <p:sp>
         <p:nvSpPr>
-          <p:cNvPr id="4" name="Footer Placeholder 3"/>
+          <p:cNvPr id="4" name="頁尾版面配置區 3"/>
           <p:cNvSpPr>
             <a:spLocks noGrp="1"/>
           </p:cNvSpPr>
@@ -1927,7 +1943,7 @@
       </p:sp>
       <p:sp>
         <p:nvSpPr>
-          <p:cNvPr id="5" name="Slide Number Placeholder 4"/>
+          <p:cNvPr id="5" name="投影片編號版面配置區 4"/>
           <p:cNvSpPr>
             <a:spLocks noGrp="1"/>
           </p:cNvSpPr>
@@ -1952,7 +1968,7 @@
     </p:spTree>
     <p:extLst>
       <p:ext uri="{BB962C8B-B14F-4D97-AF65-F5344CB8AC3E}">
-        <p14:creationId xmlns:p14="http://schemas.microsoft.com/office/powerpoint/2010/main" val="2353858891"/>
+        <p14:creationId xmlns:p14="http://schemas.microsoft.com/office/powerpoint/2010/main" val="639482968"/>
       </p:ext>
     </p:extLst>
   </p:cSld>
@@ -1964,7 +1980,7 @@
 
 <file path=ppt/slideLayouts/slideLayout7.xml><?xml version="1.0" encoding="utf-8"?>
 <p:sldLayout xmlns:a="http://schemas.openxmlformats.org/drawingml/2006/main" xmlns:r="http://schemas.openxmlformats.org/officeDocument/2006/relationships" xmlns:p="http://schemas.openxmlformats.org/presentationml/2006/main" type="blank" preserve="1">
-  <p:cSld name="Blank">
+  <p:cSld name="空白">
     <p:spTree>
       <p:nvGrpSpPr>
         <p:cNvPr id="1" name=""/>
@@ -1981,7 +1997,7 @@
       </p:grpSpPr>
       <p:sp>
         <p:nvSpPr>
-          <p:cNvPr id="2" name="Date Placeholder 1"/>
+          <p:cNvPr id="2" name="日期版面配置區 1"/>
           <p:cNvSpPr>
             <a:spLocks noGrp="1"/>
           </p:cNvSpPr>
@@ -1997,7 +2013,7 @@
             <a:fld id="{77D5D620-2247-4098-B18A-D1A601B2D052}" type="datetimeFigureOut">
               <a:rPr lang="zh-TW" altLang="en-US" smtClean="0"/>
               <a:pPr/>
-              <a:t>2019/1/8</a:t>
+              <a:t>2020/3/7</a:t>
             </a:fld>
             <a:endParaRPr lang="zh-TW" altLang="en-US"/>
           </a:p>
@@ -2005,7 +2021,7 @@
       </p:sp>
       <p:sp>
         <p:nvSpPr>
-          <p:cNvPr id="3" name="Footer Placeholder 2"/>
+          <p:cNvPr id="3" name="頁尾版面配置區 2"/>
           <p:cNvSpPr>
             <a:spLocks noGrp="1"/>
           </p:cNvSpPr>
@@ -2024,7 +2040,7 @@
       </p:sp>
       <p:sp>
         <p:nvSpPr>
-          <p:cNvPr id="4" name="Slide Number Placeholder 3"/>
+          <p:cNvPr id="4" name="投影片編號版面配置區 3"/>
           <p:cNvSpPr>
             <a:spLocks noGrp="1"/>
           </p:cNvSpPr>
@@ -2049,7 +2065,7 @@
     </p:spTree>
     <p:extLst>
       <p:ext uri="{BB962C8B-B14F-4D97-AF65-F5344CB8AC3E}">
-        <p14:creationId xmlns:p14="http://schemas.microsoft.com/office/powerpoint/2010/main" val="210057725"/>
+        <p14:creationId xmlns:p14="http://schemas.microsoft.com/office/powerpoint/2010/main" val="612511812"/>
       </p:ext>
     </p:extLst>
   </p:cSld>
@@ -2061,7 +2077,7 @@
 
 <file path=ppt/slideLayouts/slideLayout8.xml><?xml version="1.0" encoding="utf-8"?>
 <p:sldLayout xmlns:a="http://schemas.openxmlformats.org/drawingml/2006/main" xmlns:r="http://schemas.openxmlformats.org/officeDocument/2006/relationships" xmlns:p="http://schemas.openxmlformats.org/presentationml/2006/main" type="objTx" preserve="1">
-  <p:cSld name="Content with Caption">
+  <p:cSld name="含標題的內容">
     <p:spTree>
       <p:nvGrpSpPr>
         <p:cNvPr id="1" name=""/>
@@ -2078,7 +2094,7 @@
       </p:grpSpPr>
       <p:sp>
         <p:nvSpPr>
-          <p:cNvPr id="2" name="Title 1"/>
+          <p:cNvPr id="2" name="標題 1"/>
           <p:cNvSpPr>
             <a:spLocks noGrp="1"/>
           </p:cNvSpPr>
@@ -2088,29 +2104,29 @@
         </p:nvSpPr>
         <p:spPr>
           <a:xfrm>
-            <a:off x="457200" y="273050"/>
-            <a:ext cx="3008313" cy="1162050"/>
+            <a:off x="609602" y="273049"/>
+            <a:ext cx="4011084" cy="1162051"/>
           </a:xfrm>
         </p:spPr>
         <p:txBody>
           <a:bodyPr anchor="b"/>
           <a:lstStyle>
             <a:lvl1pPr algn="l">
-              <a:defRPr sz="2000" b="1"/>
+              <a:defRPr sz="2667" b="1"/>
             </a:lvl1pPr>
           </a:lstStyle>
           <a:p>
             <a:r>
-              <a:rPr lang="en-US" smtClean="0"/>
+              <a:rPr lang="en-US" altLang="zh-TW" smtClean="0"/>
               <a:t>Click to edit Master title style</a:t>
             </a:r>
-            <a:endParaRPr lang="en-US"/>
-          </a:p>
-        </p:txBody>
-      </p:sp>
-      <p:sp>
-        <p:nvSpPr>
-          <p:cNvPr id="3" name="Content Placeholder 2"/>
+            <a:endParaRPr lang="zh-TW" altLang="en-US"/>
+          </a:p>
+        </p:txBody>
+      </p:sp>
+      <p:sp>
+        <p:nvSpPr>
+          <p:cNvPr id="3" name="內容版面配置區 2"/>
           <p:cNvSpPr>
             <a:spLocks noGrp="1"/>
           </p:cNvSpPr>
@@ -2120,82 +2136,82 @@
         </p:nvSpPr>
         <p:spPr>
           <a:xfrm>
-            <a:off x="3575050" y="273050"/>
-            <a:ext cx="5111750" cy="5853113"/>
+            <a:off x="4766733" y="273052"/>
+            <a:ext cx="6815667" cy="5853113"/>
           </a:xfrm>
         </p:spPr>
         <p:txBody>
           <a:bodyPr/>
           <a:lstStyle>
             <a:lvl1pPr>
-              <a:defRPr sz="3200"/>
+              <a:defRPr sz="4267"/>
             </a:lvl1pPr>
             <a:lvl2pPr>
-              <a:defRPr sz="2800"/>
+              <a:defRPr sz="3733"/>
             </a:lvl2pPr>
             <a:lvl3pPr>
-              <a:defRPr sz="2400"/>
+              <a:defRPr sz="3200"/>
             </a:lvl3pPr>
             <a:lvl4pPr>
-              <a:defRPr sz="2000"/>
+              <a:defRPr sz="2667"/>
             </a:lvl4pPr>
             <a:lvl5pPr>
-              <a:defRPr sz="2000"/>
+              <a:defRPr sz="2667"/>
             </a:lvl5pPr>
             <a:lvl6pPr>
-              <a:defRPr sz="2000"/>
+              <a:defRPr sz="2667"/>
             </a:lvl6pPr>
             <a:lvl7pPr>
-              <a:defRPr sz="2000"/>
+              <a:defRPr sz="2667"/>
             </a:lvl7pPr>
             <a:lvl8pPr>
-              <a:defRPr sz="2000"/>
+              <a:defRPr sz="2667"/>
             </a:lvl8pPr>
             <a:lvl9pPr>
-              <a:defRPr sz="2000"/>
+              <a:defRPr sz="2667"/>
             </a:lvl9pPr>
           </a:lstStyle>
           <a:p>
             <a:pPr lvl="0"/>
             <a:r>
-              <a:rPr lang="en-US" smtClean="0"/>
-              <a:t>Click to edit Master text styles</a:t>
+              <a:rPr lang="en-US" altLang="zh-TW" smtClean="0"/>
+              <a:t>Edit Master text styles</a:t>
             </a:r>
           </a:p>
           <a:p>
             <a:pPr lvl="1"/>
             <a:r>
-              <a:rPr lang="en-US" smtClean="0"/>
+              <a:rPr lang="en-US" altLang="zh-TW" smtClean="0"/>
               <a:t>Second level</a:t>
             </a:r>
           </a:p>
           <a:p>
             <a:pPr lvl="2"/>
             <a:r>
-              <a:rPr lang="en-US" smtClean="0"/>
+              <a:rPr lang="en-US" altLang="zh-TW" smtClean="0"/>
               <a:t>Third level</a:t>
             </a:r>
           </a:p>
           <a:p>
             <a:pPr lvl="3"/>
             <a:r>
-              <a:rPr lang="en-US" smtClean="0"/>
+              <a:rPr lang="en-US" altLang="zh-TW" smtClean="0"/>
               <a:t>Fourth level</a:t>
             </a:r>
           </a:p>
           <a:p>
             <a:pPr lvl="4"/>
             <a:r>
-              <a:rPr lang="en-US" smtClean="0"/>
+              <a:rPr lang="en-US" altLang="zh-TW" smtClean="0"/>
               <a:t>Fifth level</a:t>
             </a:r>
-            <a:endParaRPr lang="en-US"/>
-          </a:p>
-        </p:txBody>
-      </p:sp>
-      <p:sp>
-        <p:nvSpPr>
-          <p:cNvPr id="4" name="Text Placeholder 3"/>
+            <a:endParaRPr lang="zh-TW" altLang="en-US"/>
+          </a:p>
+        </p:txBody>
+      </p:sp>
+      <p:sp>
+        <p:nvSpPr>
+          <p:cNvPr id="4" name="文字版面配置區 3"/>
           <p:cNvSpPr>
             <a:spLocks noGrp="1"/>
           </p:cNvSpPr>
@@ -2205,8 +2221,8 @@
         </p:nvSpPr>
         <p:spPr>
           <a:xfrm>
-            <a:off x="457200" y="1435100"/>
-            <a:ext cx="3008313" cy="4691063"/>
+            <a:off x="609602" y="1435102"/>
+            <a:ext cx="4011084" cy="4691063"/>
           </a:xfrm>
         </p:spPr>
         <p:txBody>
@@ -2214,53 +2230,53 @@
           <a:lstStyle>
             <a:lvl1pPr marL="0" indent="0">
               <a:buNone/>
-              <a:defRPr sz="1400"/>
+              <a:defRPr sz="1867"/>
             </a:lvl1pPr>
-            <a:lvl2pPr marL="457200" indent="0">
+            <a:lvl2pPr marL="609585" indent="0">
+              <a:buNone/>
+              <a:defRPr sz="1600"/>
+            </a:lvl2pPr>
+            <a:lvl3pPr marL="1219170" indent="0">
+              <a:buNone/>
+              <a:defRPr sz="1333"/>
+            </a:lvl3pPr>
+            <a:lvl4pPr marL="1828754" indent="0">
               <a:buNone/>
               <a:defRPr sz="1200"/>
-            </a:lvl2pPr>
-            <a:lvl3pPr marL="914400" indent="0">
-              <a:buNone/>
-              <a:defRPr sz="1000"/>
-            </a:lvl3pPr>
-            <a:lvl4pPr marL="1371600" indent="0">
-              <a:buNone/>
-              <a:defRPr sz="900"/>
             </a:lvl4pPr>
-            <a:lvl5pPr marL="1828800" indent="0">
-              <a:buNone/>
-              <a:defRPr sz="900"/>
+            <a:lvl5pPr marL="2438339" indent="0">
+              <a:buNone/>
+              <a:defRPr sz="1200"/>
             </a:lvl5pPr>
-            <a:lvl6pPr marL="2286000" indent="0">
-              <a:buNone/>
-              <a:defRPr sz="900"/>
+            <a:lvl6pPr marL="3047924" indent="0">
+              <a:buNone/>
+              <a:defRPr sz="1200"/>
             </a:lvl6pPr>
-            <a:lvl7pPr marL="2743200" indent="0">
-              <a:buNone/>
-              <a:defRPr sz="900"/>
+            <a:lvl7pPr marL="3657509" indent="0">
+              <a:buNone/>
+              <a:defRPr sz="1200"/>
             </a:lvl7pPr>
-            <a:lvl8pPr marL="3200400" indent="0">
-              <a:buNone/>
-              <a:defRPr sz="900"/>
+            <a:lvl8pPr marL="4267093" indent="0">
+              <a:buNone/>
+              <a:defRPr sz="1200"/>
             </a:lvl8pPr>
-            <a:lvl9pPr marL="3657600" indent="0">
-              <a:buNone/>
-              <a:defRPr sz="900"/>
+            <a:lvl9pPr marL="4876678" indent="0">
+              <a:buNone/>
+              <a:defRPr sz="1200"/>
             </a:lvl9pPr>
           </a:lstStyle>
           <a:p>
             <a:pPr lvl="0"/>
             <a:r>
-              <a:rPr lang="en-US" smtClean="0"/>
-              <a:t>Click to edit Master text styles</a:t>
-            </a:r>
-          </a:p>
-        </p:txBody>
-      </p:sp>
-      <p:sp>
-        <p:nvSpPr>
-          <p:cNvPr id="5" name="Date Placeholder 4"/>
+              <a:rPr lang="en-US" altLang="zh-TW" smtClean="0"/>
+              <a:t>Edit Master text styles</a:t>
+            </a:r>
+          </a:p>
+        </p:txBody>
+      </p:sp>
+      <p:sp>
+        <p:nvSpPr>
+          <p:cNvPr id="5" name="日期版面配置區 4"/>
           <p:cNvSpPr>
             <a:spLocks noGrp="1"/>
           </p:cNvSpPr>
@@ -2276,7 +2292,7 @@
             <a:fld id="{77D5D620-2247-4098-B18A-D1A601B2D052}" type="datetimeFigureOut">
               <a:rPr lang="zh-TW" altLang="en-US" smtClean="0"/>
               <a:pPr/>
-              <a:t>2019/1/8</a:t>
+              <a:t>2020/3/7</a:t>
             </a:fld>
             <a:endParaRPr lang="zh-TW" altLang="en-US"/>
           </a:p>
@@ -2284,7 +2300,7 @@
       </p:sp>
       <p:sp>
         <p:nvSpPr>
-          <p:cNvPr id="6" name="Footer Placeholder 5"/>
+          <p:cNvPr id="6" name="頁尾版面配置區 5"/>
           <p:cNvSpPr>
             <a:spLocks noGrp="1"/>
           </p:cNvSpPr>
@@ -2303,7 +2319,7 @@
       </p:sp>
       <p:sp>
         <p:nvSpPr>
-          <p:cNvPr id="7" name="Slide Number Placeholder 6"/>
+          <p:cNvPr id="7" name="投影片編號版面配置區 6"/>
           <p:cNvSpPr>
             <a:spLocks noGrp="1"/>
           </p:cNvSpPr>
@@ -2328,7 +2344,7 @@
     </p:spTree>
     <p:extLst>
       <p:ext uri="{BB962C8B-B14F-4D97-AF65-F5344CB8AC3E}">
-        <p14:creationId xmlns:p14="http://schemas.microsoft.com/office/powerpoint/2010/main" val="1458308204"/>
+        <p14:creationId xmlns:p14="http://schemas.microsoft.com/office/powerpoint/2010/main" val="3394176765"/>
       </p:ext>
     </p:extLst>
   </p:cSld>
@@ -2340,7 +2356,7 @@
 
 <file path=ppt/slideLayouts/slideLayout9.xml><?xml version="1.0" encoding="utf-8"?>
 <p:sldLayout xmlns:a="http://schemas.openxmlformats.org/drawingml/2006/main" xmlns:r="http://schemas.openxmlformats.org/officeDocument/2006/relationships" xmlns:p="http://schemas.openxmlformats.org/presentationml/2006/main" type="picTx" preserve="1">
-  <p:cSld name="Picture with Caption">
+  <p:cSld name="含標題的圖片">
     <p:spTree>
       <p:nvGrpSpPr>
         <p:cNvPr id="1" name=""/>
@@ -2357,7 +2373,7 @@
       </p:grpSpPr>
       <p:sp>
         <p:nvSpPr>
-          <p:cNvPr id="2" name="Title 1"/>
+          <p:cNvPr id="2" name="標題 1"/>
           <p:cNvSpPr>
             <a:spLocks noGrp="1"/>
           </p:cNvSpPr>
@@ -2367,29 +2383,29 @@
         </p:nvSpPr>
         <p:spPr>
           <a:xfrm>
-            <a:off x="1792288" y="4800600"/>
-            <a:ext cx="5486400" cy="566738"/>
+            <a:off x="2389717" y="4800600"/>
+            <a:ext cx="7315200" cy="566739"/>
           </a:xfrm>
         </p:spPr>
         <p:txBody>
           <a:bodyPr anchor="b"/>
           <a:lstStyle>
             <a:lvl1pPr algn="l">
-              <a:defRPr sz="2000" b="1"/>
+              <a:defRPr sz="2667" b="1"/>
             </a:lvl1pPr>
           </a:lstStyle>
           <a:p>
             <a:r>
-              <a:rPr lang="en-US" smtClean="0"/>
+              <a:rPr lang="en-US" altLang="zh-TW" smtClean="0"/>
               <a:t>Click to edit Master title style</a:t>
             </a:r>
-            <a:endParaRPr lang="en-US"/>
-          </a:p>
-        </p:txBody>
-      </p:sp>
-      <p:sp>
-        <p:nvSpPr>
-          <p:cNvPr id="3" name="Picture Placeholder 2"/>
+            <a:endParaRPr lang="zh-TW" altLang="en-US"/>
+          </a:p>
+        </p:txBody>
+      </p:sp>
+      <p:sp>
+        <p:nvSpPr>
+          <p:cNvPr id="3" name="圖片版面配置區 2"/>
           <p:cNvSpPr>
             <a:spLocks noGrp="1"/>
           </p:cNvSpPr>
@@ -2399,8 +2415,8 @@
         </p:nvSpPr>
         <p:spPr>
           <a:xfrm>
-            <a:off x="1792288" y="612775"/>
-            <a:ext cx="5486400" cy="4114800"/>
+            <a:off x="2389717" y="612775"/>
+            <a:ext cx="7315200" cy="4114800"/>
           </a:xfrm>
         </p:spPr>
         <p:txBody>
@@ -2408,49 +2424,53 @@
           <a:lstStyle>
             <a:lvl1pPr marL="0" indent="0">
               <a:buNone/>
+              <a:defRPr sz="4267"/>
+            </a:lvl1pPr>
+            <a:lvl2pPr marL="609585" indent="0">
+              <a:buNone/>
+              <a:defRPr sz="3733"/>
+            </a:lvl2pPr>
+            <a:lvl3pPr marL="1219170" indent="0">
+              <a:buNone/>
               <a:defRPr sz="3200"/>
-            </a:lvl1pPr>
-            <a:lvl2pPr marL="457200" indent="0">
-              <a:buNone/>
-              <a:defRPr sz="2800"/>
-            </a:lvl2pPr>
-            <a:lvl3pPr marL="914400" indent="0">
-              <a:buNone/>
-              <a:defRPr sz="2400"/>
             </a:lvl3pPr>
-            <a:lvl4pPr marL="1371600" indent="0">
-              <a:buNone/>
-              <a:defRPr sz="2000"/>
+            <a:lvl4pPr marL="1828754" indent="0">
+              <a:buNone/>
+              <a:defRPr sz="2667"/>
             </a:lvl4pPr>
-            <a:lvl5pPr marL="1828800" indent="0">
-              <a:buNone/>
-              <a:defRPr sz="2000"/>
+            <a:lvl5pPr marL="2438339" indent="0">
+              <a:buNone/>
+              <a:defRPr sz="2667"/>
             </a:lvl5pPr>
-            <a:lvl6pPr marL="2286000" indent="0">
-              <a:buNone/>
-              <a:defRPr sz="2000"/>
+            <a:lvl6pPr marL="3047924" indent="0">
+              <a:buNone/>
+              <a:defRPr sz="2667"/>
             </a:lvl6pPr>
-            <a:lvl7pPr marL="2743200" indent="0">
-              <a:buNone/>
-              <a:defRPr sz="2000"/>
+            <a:lvl7pPr marL="3657509" indent="0">
+              <a:buNone/>
+              <a:defRPr sz="2667"/>
             </a:lvl7pPr>
-            <a:lvl8pPr marL="3200400" indent="0">
-              <a:buNone/>
-              <a:defRPr sz="2000"/>
+            <a:lvl8pPr marL="4267093" indent="0">
+              <a:buNone/>
+              <a:defRPr sz="2667"/>
             </a:lvl8pPr>
-            <a:lvl9pPr marL="3657600" indent="0">
-              <a:buNone/>
-              <a:defRPr sz="2000"/>
+            <a:lvl9pPr marL="4876678" indent="0">
+              <a:buNone/>
+              <a:defRPr sz="2667"/>
             </a:lvl9pPr>
           </a:lstStyle>
           <a:p>
-            <a:endParaRPr lang="en-US"/>
-          </a:p>
-        </p:txBody>
-      </p:sp>
-      <p:sp>
-        <p:nvSpPr>
-          <p:cNvPr id="4" name="Text Placeholder 3"/>
+            <a:r>
+              <a:rPr lang="en-US" altLang="zh-TW" smtClean="0"/>
+              <a:t>Click icon to add picture</a:t>
+            </a:r>
+            <a:endParaRPr lang="zh-TW" altLang="en-US"/>
+          </a:p>
+        </p:txBody>
+      </p:sp>
+      <p:sp>
+        <p:nvSpPr>
+          <p:cNvPr id="4" name="文字版面配置區 3"/>
           <p:cNvSpPr>
             <a:spLocks noGrp="1"/>
           </p:cNvSpPr>
@@ -2460,8 +2480,8 @@
         </p:nvSpPr>
         <p:spPr>
           <a:xfrm>
-            <a:off x="1792288" y="5367338"/>
-            <a:ext cx="5486400" cy="804862"/>
+            <a:off x="2389717" y="5367338"/>
+            <a:ext cx="7315200" cy="804863"/>
           </a:xfrm>
         </p:spPr>
         <p:txBody>
@@ -2469,53 +2489,53 @@
           <a:lstStyle>
             <a:lvl1pPr marL="0" indent="0">
               <a:buNone/>
-              <a:defRPr sz="1400"/>
+              <a:defRPr sz="1867"/>
             </a:lvl1pPr>
-            <a:lvl2pPr marL="457200" indent="0">
+            <a:lvl2pPr marL="609585" indent="0">
+              <a:buNone/>
+              <a:defRPr sz="1600"/>
+            </a:lvl2pPr>
+            <a:lvl3pPr marL="1219170" indent="0">
+              <a:buNone/>
+              <a:defRPr sz="1333"/>
+            </a:lvl3pPr>
+            <a:lvl4pPr marL="1828754" indent="0">
               <a:buNone/>
               <a:defRPr sz="1200"/>
-            </a:lvl2pPr>
-            <a:lvl3pPr marL="914400" indent="0">
-              <a:buNone/>
-              <a:defRPr sz="1000"/>
-            </a:lvl3pPr>
-            <a:lvl4pPr marL="1371600" indent="0">
-              <a:buNone/>
-              <a:defRPr sz="900"/>
             </a:lvl4pPr>
-            <a:lvl5pPr marL="1828800" indent="0">
-              <a:buNone/>
-              <a:defRPr sz="900"/>
+            <a:lvl5pPr marL="2438339" indent="0">
+              <a:buNone/>
+              <a:defRPr sz="1200"/>
             </a:lvl5pPr>
-            <a:lvl6pPr marL="2286000" indent="0">
-              <a:buNone/>
-              <a:defRPr sz="900"/>
+            <a:lvl6pPr marL="3047924" indent="0">
+              <a:buNone/>
+              <a:defRPr sz="1200"/>
             </a:lvl6pPr>
-            <a:lvl7pPr marL="2743200" indent="0">
-              <a:buNone/>
-              <a:defRPr sz="900"/>
+            <a:lvl7pPr marL="3657509" indent="0">
+              <a:buNone/>
+              <a:defRPr sz="1200"/>
             </a:lvl7pPr>
-            <a:lvl8pPr marL="3200400" indent="0">
-              <a:buNone/>
-              <a:defRPr sz="900"/>
+            <a:lvl8pPr marL="4267093" indent="0">
+              <a:buNone/>
+              <a:defRPr sz="1200"/>
             </a:lvl8pPr>
-            <a:lvl9pPr marL="3657600" indent="0">
-              <a:buNone/>
-              <a:defRPr sz="900"/>
+            <a:lvl9pPr marL="4876678" indent="0">
+              <a:buNone/>
+              <a:defRPr sz="1200"/>
             </a:lvl9pPr>
           </a:lstStyle>
           <a:p>
             <a:pPr lvl="0"/>
             <a:r>
-              <a:rPr lang="en-US" smtClean="0"/>
-              <a:t>Click to edit Master text styles</a:t>
-            </a:r>
-          </a:p>
-        </p:txBody>
-      </p:sp>
-      <p:sp>
-        <p:nvSpPr>
-          <p:cNvPr id="5" name="Date Placeholder 4"/>
+              <a:rPr lang="en-US" altLang="zh-TW" smtClean="0"/>
+              <a:t>Edit Master text styles</a:t>
+            </a:r>
+          </a:p>
+        </p:txBody>
+      </p:sp>
+      <p:sp>
+        <p:nvSpPr>
+          <p:cNvPr id="5" name="日期版面配置區 4"/>
           <p:cNvSpPr>
             <a:spLocks noGrp="1"/>
           </p:cNvSpPr>
@@ -2531,7 +2551,7 @@
             <a:fld id="{77D5D620-2247-4098-B18A-D1A601B2D052}" type="datetimeFigureOut">
               <a:rPr lang="zh-TW" altLang="en-US" smtClean="0"/>
               <a:pPr/>
-              <a:t>2019/1/8</a:t>
+              <a:t>2020/3/7</a:t>
             </a:fld>
             <a:endParaRPr lang="zh-TW" altLang="en-US"/>
           </a:p>
@@ -2539,7 +2559,7 @@
       </p:sp>
       <p:sp>
         <p:nvSpPr>
-          <p:cNvPr id="6" name="Footer Placeholder 5"/>
+          <p:cNvPr id="6" name="頁尾版面配置區 5"/>
           <p:cNvSpPr>
             <a:spLocks noGrp="1"/>
           </p:cNvSpPr>
@@ -2558,7 +2578,7 @@
       </p:sp>
       <p:sp>
         <p:nvSpPr>
-          <p:cNvPr id="7" name="Slide Number Placeholder 6"/>
+          <p:cNvPr id="7" name="投影片編號版面配置區 6"/>
           <p:cNvSpPr>
             <a:spLocks noGrp="1"/>
           </p:cNvSpPr>
@@ -2583,7 +2603,7 @@
     </p:spTree>
     <p:extLst>
       <p:ext uri="{BB962C8B-B14F-4D97-AF65-F5344CB8AC3E}">
-        <p14:creationId xmlns:p14="http://schemas.microsoft.com/office/powerpoint/2010/main" val="3977773992"/>
+        <p14:creationId xmlns:p14="http://schemas.microsoft.com/office/powerpoint/2010/main" val="2870384067"/>
       </p:ext>
     </p:extLst>
   </p:cSld>
@@ -2597,9 +2617,14 @@
 <p:sldMaster xmlns:a="http://schemas.openxmlformats.org/drawingml/2006/main" xmlns:r="http://schemas.openxmlformats.org/officeDocument/2006/relationships" xmlns:p="http://schemas.openxmlformats.org/presentationml/2006/main">
   <p:cSld>
     <p:bg>
-      <p:bgRef idx="1001">
-        <a:schemeClr val="bg1"/>
-      </p:bgRef>
+      <p:bgPr>
+        <a:blipFill dpi="0" rotWithShape="1">
+          <a:blip r:embed="rId13"/>
+          <a:srcRect/>
+          <a:tile tx="0" ty="0" sx="100000" sy="100000" flip="none" algn="tl"/>
+        </a:blipFill>
+        <a:effectLst/>
+      </p:bgPr>
     </p:bg>
     <p:spTree>
       <p:nvGrpSpPr>
@@ -2617,7 +2642,7 @@
       </p:grpSpPr>
       <p:sp>
         <p:nvSpPr>
-          <p:cNvPr id="2" name="Title Placeholder 1"/>
+          <p:cNvPr id="2" name="標題版面配置區 1"/>
           <p:cNvSpPr>
             <a:spLocks noGrp="1"/>
           </p:cNvSpPr>
@@ -2627,8 +2652,8 @@
         </p:nvSpPr>
         <p:spPr>
           <a:xfrm>
-            <a:off x="457200" y="274638"/>
-            <a:ext cx="8229600" cy="1143000"/>
+            <a:off x="609600" y="274639"/>
+            <a:ext cx="10972800" cy="1143000"/>
           </a:xfrm>
           <a:prstGeom prst="rect">
             <a:avLst/>
@@ -2641,16 +2666,16 @@
           <a:lstStyle/>
           <a:p>
             <a:r>
-              <a:rPr lang="en-US" smtClean="0"/>
-              <a:t>Click to edit Master title style</a:t>
-            </a:r>
-            <a:endParaRPr lang="en-US"/>
-          </a:p>
-        </p:txBody>
-      </p:sp>
-      <p:sp>
-        <p:nvSpPr>
-          <p:cNvPr id="3" name="Text Placeholder 2"/>
+              <a:rPr lang="zh-TW" altLang="en-US" smtClean="0"/>
+              <a:t>按一下以編輯母片標題樣式</a:t>
+            </a:r>
+            <a:endParaRPr lang="zh-TW" altLang="en-US"/>
+          </a:p>
+        </p:txBody>
+      </p:sp>
+      <p:sp>
+        <p:nvSpPr>
+          <p:cNvPr id="3" name="文字版面配置區 2"/>
           <p:cNvSpPr>
             <a:spLocks noGrp="1"/>
           </p:cNvSpPr>
@@ -2660,8 +2685,8 @@
         </p:nvSpPr>
         <p:spPr>
           <a:xfrm>
-            <a:off x="457200" y="1600200"/>
-            <a:ext cx="8229600" cy="4525963"/>
+            <a:off x="609600" y="1600201"/>
+            <a:ext cx="10972800" cy="4525963"/>
           </a:xfrm>
           <a:prstGeom prst="rect">
             <a:avLst/>
@@ -2675,44 +2700,44 @@
           <a:p>
             <a:pPr lvl="0"/>
             <a:r>
-              <a:rPr lang="en-US" smtClean="0"/>
-              <a:t>Click to edit Master text styles</a:t>
+              <a:rPr lang="zh-TW" altLang="en-US" smtClean="0"/>
+              <a:t>按一下以編輯母片文字樣式</a:t>
             </a:r>
           </a:p>
           <a:p>
             <a:pPr lvl="1"/>
             <a:r>
-              <a:rPr lang="en-US" smtClean="0"/>
-              <a:t>Second level</a:t>
+              <a:rPr lang="zh-TW" altLang="en-US" smtClean="0"/>
+              <a:t>第二層</a:t>
             </a:r>
           </a:p>
           <a:p>
             <a:pPr lvl="2"/>
             <a:r>
-              <a:rPr lang="en-US" smtClean="0"/>
-              <a:t>Third level</a:t>
+              <a:rPr lang="zh-TW" altLang="en-US" smtClean="0"/>
+              <a:t>第三層</a:t>
             </a:r>
           </a:p>
           <a:p>
             <a:pPr lvl="3"/>
             <a:r>
-              <a:rPr lang="en-US" smtClean="0"/>
-              <a:t>Fourth level</a:t>
+              <a:rPr lang="zh-TW" altLang="en-US" smtClean="0"/>
+              <a:t>第四層</a:t>
             </a:r>
           </a:p>
           <a:p>
             <a:pPr lvl="4"/>
             <a:r>
-              <a:rPr lang="en-US" smtClean="0"/>
-              <a:t>Fifth level</a:t>
-            </a:r>
-            <a:endParaRPr lang="en-US"/>
-          </a:p>
-        </p:txBody>
-      </p:sp>
-      <p:sp>
-        <p:nvSpPr>
-          <p:cNvPr id="4" name="Date Placeholder 3"/>
+              <a:rPr lang="zh-TW" altLang="en-US" smtClean="0"/>
+              <a:t>第五層</a:t>
+            </a:r>
+            <a:endParaRPr lang="zh-TW" altLang="en-US"/>
+          </a:p>
+        </p:txBody>
+      </p:sp>
+      <p:sp>
+        <p:nvSpPr>
+          <p:cNvPr id="4" name="日期版面配置區 3"/>
           <p:cNvSpPr>
             <a:spLocks noGrp="1"/>
           </p:cNvSpPr>
@@ -2722,8 +2747,8 @@
         </p:nvSpPr>
         <p:spPr>
           <a:xfrm>
-            <a:off x="457200" y="6356350"/>
-            <a:ext cx="2133600" cy="365125"/>
+            <a:off x="609600" y="6356351"/>
+            <a:ext cx="2844800" cy="365125"/>
           </a:xfrm>
           <a:prstGeom prst="rect">
             <a:avLst/>
@@ -2733,7 +2758,7 @@
           <a:bodyPr vert="horz" lIns="91440" tIns="45720" rIns="91440" bIns="45720" rtlCol="0" anchor="ctr"/>
           <a:lstStyle>
             <a:lvl1pPr algn="l">
-              <a:defRPr sz="1200">
+              <a:defRPr sz="1600">
                 <a:solidFill>
                   <a:schemeClr val="tx1">
                     <a:tint val="75000"/>
@@ -2746,7 +2771,7 @@
             <a:fld id="{77D5D620-2247-4098-B18A-D1A601B2D052}" type="datetimeFigureOut">
               <a:rPr lang="zh-TW" altLang="en-US" smtClean="0"/>
               <a:pPr/>
-              <a:t>2019/1/8</a:t>
+              <a:t>2020/3/7</a:t>
             </a:fld>
             <a:endParaRPr lang="zh-TW" altLang="en-US"/>
           </a:p>
@@ -2754,7 +2779,7 @@
       </p:sp>
       <p:sp>
         <p:nvSpPr>
-          <p:cNvPr id="5" name="Footer Placeholder 4"/>
+          <p:cNvPr id="5" name="頁尾版面配置區 4"/>
           <p:cNvSpPr>
             <a:spLocks noGrp="1"/>
           </p:cNvSpPr>
@@ -2764,8 +2789,8 @@
         </p:nvSpPr>
         <p:spPr>
           <a:xfrm>
-            <a:off x="3124200" y="6356350"/>
-            <a:ext cx="2895600" cy="365125"/>
+            <a:off x="4165600" y="6356351"/>
+            <a:ext cx="3860800" cy="365125"/>
           </a:xfrm>
           <a:prstGeom prst="rect">
             <a:avLst/>
@@ -2775,7 +2800,7 @@
           <a:bodyPr vert="horz" lIns="91440" tIns="45720" rIns="91440" bIns="45720" rtlCol="0" anchor="ctr"/>
           <a:lstStyle>
             <a:lvl1pPr algn="ctr">
-              <a:defRPr sz="1200">
+              <a:defRPr sz="1600">
                 <a:solidFill>
                   <a:schemeClr val="tx1">
                     <a:tint val="75000"/>
@@ -2791,7 +2816,7 @@
       </p:sp>
       <p:sp>
         <p:nvSpPr>
-          <p:cNvPr id="6" name="Slide Number Placeholder 5"/>
+          <p:cNvPr id="6" name="投影片編號版面配置區 5"/>
           <p:cNvSpPr>
             <a:spLocks noGrp="1"/>
           </p:cNvSpPr>
@@ -2801,8 +2826,8 @@
         </p:nvSpPr>
         <p:spPr>
           <a:xfrm>
-            <a:off x="6553200" y="6356350"/>
-            <a:ext cx="2133600" cy="365125"/>
+            <a:off x="8737600" y="6356351"/>
+            <a:ext cx="2844800" cy="365125"/>
           </a:xfrm>
           <a:prstGeom prst="rect">
             <a:avLst/>
@@ -2812,7 +2837,7 @@
           <a:bodyPr vert="horz" lIns="91440" tIns="45720" rIns="91440" bIns="45720" rtlCol="0" anchor="ctr"/>
           <a:lstStyle>
             <a:lvl1pPr algn="r">
-              <a:defRPr sz="1200">
+              <a:defRPr sz="1600">
                 <a:solidFill>
                   <a:schemeClr val="tx1">
                     <a:tint val="75000"/>
@@ -2834,23 +2859,23 @@
     </p:spTree>
     <p:extLst>
       <p:ext uri="{BB962C8B-B14F-4D97-AF65-F5344CB8AC3E}">
-        <p14:creationId xmlns:p14="http://schemas.microsoft.com/office/powerpoint/2010/main" val="1054555003"/>
+        <p14:creationId xmlns:p14="http://schemas.microsoft.com/office/powerpoint/2010/main" val="3840378683"/>
       </p:ext>
     </p:extLst>
   </p:cSld>
   <p:clrMap bg1="lt1" tx1="dk1" bg2="lt2" tx2="dk2" accent1="accent1" accent2="accent2" accent3="accent3" accent4="accent4" accent5="accent5" accent6="accent6" hlink="hlink" folHlink="folHlink"/>
   <p:sldLayoutIdLst>
-    <p:sldLayoutId id="2147483673" r:id="rId1"/>
-    <p:sldLayoutId id="2147483674" r:id="rId2"/>
-    <p:sldLayoutId id="2147483675" r:id="rId3"/>
-    <p:sldLayoutId id="2147483676" r:id="rId4"/>
-    <p:sldLayoutId id="2147483677" r:id="rId5"/>
-    <p:sldLayoutId id="2147483678" r:id="rId6"/>
-    <p:sldLayoutId id="2147483679" r:id="rId7"/>
-    <p:sldLayoutId id="2147483680" r:id="rId8"/>
-    <p:sldLayoutId id="2147483681" r:id="rId9"/>
-    <p:sldLayoutId id="2147483682" r:id="rId10"/>
-    <p:sldLayoutId id="2147483683" r:id="rId11"/>
+    <p:sldLayoutId id="2147483685" r:id="rId1"/>
+    <p:sldLayoutId id="2147483686" r:id="rId2"/>
+    <p:sldLayoutId id="2147483687" r:id="rId3"/>
+    <p:sldLayoutId id="2147483688" r:id="rId4"/>
+    <p:sldLayoutId id="2147483689" r:id="rId5"/>
+    <p:sldLayoutId id="2147483690" r:id="rId6"/>
+    <p:sldLayoutId id="2147483691" r:id="rId7"/>
+    <p:sldLayoutId id="2147483692" r:id="rId8"/>
+    <p:sldLayoutId id="2147483693" r:id="rId9"/>
+    <p:sldLayoutId id="2147483694" r:id="rId10"/>
+    <p:sldLayoutId id="2147483695" r:id="rId11"/>
   </p:sldLayoutIdLst>
   <p:transition>
     <p:fade/>
@@ -2864,12 +2889,12 @@
   </p:timing>
   <p:txStyles>
     <p:titleStyle>
-      <a:lvl1pPr algn="ctr" defTabSz="914400" rtl="0" eaLnBrk="1" latinLnBrk="0" hangingPunct="1">
+      <a:lvl1pPr algn="ctr" defTabSz="1219170" rtl="0" eaLnBrk="1" latinLnBrk="0" hangingPunct="1">
         <a:spcBef>
           <a:spcPct val="0"/>
         </a:spcBef>
         <a:buNone/>
-        <a:defRPr sz="4400" kern="1200">
+        <a:defRPr sz="5867" kern="1200">
           <a:solidFill>
             <a:schemeClr val="tx1"/>
           </a:solidFill>
@@ -2880,7 +2905,37 @@
       </a:lvl1pPr>
     </p:titleStyle>
     <p:bodyStyle>
-      <a:lvl1pPr marL="342900" indent="-342900" algn="l" defTabSz="914400" rtl="0" eaLnBrk="1" latinLnBrk="0" hangingPunct="1">
+      <a:lvl1pPr marL="457189" indent="-457189" algn="l" defTabSz="1219170" rtl="0" eaLnBrk="1" latinLnBrk="0" hangingPunct="1">
+        <a:spcBef>
+          <a:spcPct val="20000"/>
+        </a:spcBef>
+        <a:buFont typeface="Arial" pitchFamily="34" charset="0"/>
+        <a:buChar char="•"/>
+        <a:defRPr sz="4267" kern="1200">
+          <a:solidFill>
+            <a:schemeClr val="tx1"/>
+          </a:solidFill>
+          <a:latin typeface="+mn-lt"/>
+          <a:ea typeface="+mn-ea"/>
+          <a:cs typeface="+mn-cs"/>
+        </a:defRPr>
+      </a:lvl1pPr>
+      <a:lvl2pPr marL="990575" indent="-380990" algn="l" defTabSz="1219170" rtl="0" eaLnBrk="1" latinLnBrk="0" hangingPunct="1">
+        <a:spcBef>
+          <a:spcPct val="20000"/>
+        </a:spcBef>
+        <a:buFont typeface="Arial" pitchFamily="34" charset="0"/>
+        <a:buChar char="–"/>
+        <a:defRPr sz="3733" kern="1200">
+          <a:solidFill>
+            <a:schemeClr val="tx1"/>
+          </a:solidFill>
+          <a:latin typeface="+mn-lt"/>
+          <a:ea typeface="+mn-ea"/>
+          <a:cs typeface="+mn-cs"/>
+        </a:defRPr>
+      </a:lvl2pPr>
+      <a:lvl3pPr marL="1523962" indent="-304792" algn="l" defTabSz="1219170" rtl="0" eaLnBrk="1" latinLnBrk="0" hangingPunct="1">
         <a:spcBef>
           <a:spcPct val="20000"/>
         </a:spcBef>
@@ -2894,44 +2949,14 @@
           <a:ea typeface="+mn-ea"/>
           <a:cs typeface="+mn-cs"/>
         </a:defRPr>
-      </a:lvl1pPr>
-      <a:lvl2pPr marL="742950" indent="-285750" algn="l" defTabSz="914400" rtl="0" eaLnBrk="1" latinLnBrk="0" hangingPunct="1">
+      </a:lvl3pPr>
+      <a:lvl4pPr marL="2133547" indent="-304792" algn="l" defTabSz="1219170" rtl="0" eaLnBrk="1" latinLnBrk="0" hangingPunct="1">
         <a:spcBef>
           <a:spcPct val="20000"/>
         </a:spcBef>
         <a:buFont typeface="Arial" pitchFamily="34" charset="0"/>
         <a:buChar char="–"/>
-        <a:defRPr sz="2800" kern="1200">
-          <a:solidFill>
-            <a:schemeClr val="tx1"/>
-          </a:solidFill>
-          <a:latin typeface="+mn-lt"/>
-          <a:ea typeface="+mn-ea"/>
-          <a:cs typeface="+mn-cs"/>
-        </a:defRPr>
-      </a:lvl2pPr>
-      <a:lvl3pPr marL="1143000" indent="-228600" algn="l" defTabSz="914400" rtl="0" eaLnBrk="1" latinLnBrk="0" hangingPunct="1">
-        <a:spcBef>
-          <a:spcPct val="20000"/>
-        </a:spcBef>
-        <a:buFont typeface="Arial" pitchFamily="34" charset="0"/>
-        <a:buChar char="•"/>
-        <a:defRPr sz="2400" kern="1200">
-          <a:solidFill>
-            <a:schemeClr val="tx1"/>
-          </a:solidFill>
-          <a:latin typeface="+mn-lt"/>
-          <a:ea typeface="+mn-ea"/>
-          <a:cs typeface="+mn-cs"/>
-        </a:defRPr>
-      </a:lvl3pPr>
-      <a:lvl4pPr marL="1600200" indent="-228600" algn="l" defTabSz="914400" rtl="0" eaLnBrk="1" latinLnBrk="0" hangingPunct="1">
-        <a:spcBef>
-          <a:spcPct val="20000"/>
-        </a:spcBef>
-        <a:buFont typeface="Arial" pitchFamily="34" charset="0"/>
-        <a:buChar char="–"/>
-        <a:defRPr sz="2000" kern="1200">
+        <a:defRPr sz="2667" kern="1200">
           <a:solidFill>
             <a:schemeClr val="tx1"/>
           </a:solidFill>
@@ -2940,13 +2965,13 @@
           <a:cs typeface="+mn-cs"/>
         </a:defRPr>
       </a:lvl4pPr>
-      <a:lvl5pPr marL="2057400" indent="-228600" algn="l" defTabSz="914400" rtl="0" eaLnBrk="1" latinLnBrk="0" hangingPunct="1">
+      <a:lvl5pPr marL="2743131" indent="-304792" algn="l" defTabSz="1219170" rtl="0" eaLnBrk="1" latinLnBrk="0" hangingPunct="1">
         <a:spcBef>
           <a:spcPct val="20000"/>
         </a:spcBef>
         <a:buFont typeface="Arial" pitchFamily="34" charset="0"/>
         <a:buChar char="»"/>
-        <a:defRPr sz="2000" kern="1200">
+        <a:defRPr sz="2667" kern="1200">
           <a:solidFill>
             <a:schemeClr val="tx1"/>
           </a:solidFill>
@@ -2955,13 +2980,13 @@
           <a:cs typeface="+mn-cs"/>
         </a:defRPr>
       </a:lvl5pPr>
-      <a:lvl6pPr marL="2514600" indent="-228600" algn="l" defTabSz="914400" rtl="0" eaLnBrk="1" latinLnBrk="0" hangingPunct="1">
+      <a:lvl6pPr marL="3352716" indent="-304792" algn="l" defTabSz="1219170" rtl="0" eaLnBrk="1" latinLnBrk="0" hangingPunct="1">
         <a:spcBef>
           <a:spcPct val="20000"/>
         </a:spcBef>
         <a:buFont typeface="Arial" pitchFamily="34" charset="0"/>
         <a:buChar char="•"/>
-        <a:defRPr sz="2000" kern="1200">
+        <a:defRPr sz="2667" kern="1200">
           <a:solidFill>
             <a:schemeClr val="tx1"/>
           </a:solidFill>
@@ -2970,13 +2995,13 @@
           <a:cs typeface="+mn-cs"/>
         </a:defRPr>
       </a:lvl6pPr>
-      <a:lvl7pPr marL="2971800" indent="-228600" algn="l" defTabSz="914400" rtl="0" eaLnBrk="1" latinLnBrk="0" hangingPunct="1">
+      <a:lvl7pPr marL="3962301" indent="-304792" algn="l" defTabSz="1219170" rtl="0" eaLnBrk="1" latinLnBrk="0" hangingPunct="1">
         <a:spcBef>
           <a:spcPct val="20000"/>
         </a:spcBef>
         <a:buFont typeface="Arial" pitchFamily="34" charset="0"/>
         <a:buChar char="•"/>
-        <a:defRPr sz="2000" kern="1200">
+        <a:defRPr sz="2667" kern="1200">
           <a:solidFill>
             <a:schemeClr val="tx1"/>
           </a:solidFill>
@@ -2985,13 +3010,13 @@
           <a:cs typeface="+mn-cs"/>
         </a:defRPr>
       </a:lvl7pPr>
-      <a:lvl8pPr marL="3429000" indent="-228600" algn="l" defTabSz="914400" rtl="0" eaLnBrk="1" latinLnBrk="0" hangingPunct="1">
+      <a:lvl8pPr marL="4571886" indent="-304792" algn="l" defTabSz="1219170" rtl="0" eaLnBrk="1" latinLnBrk="0" hangingPunct="1">
         <a:spcBef>
           <a:spcPct val="20000"/>
         </a:spcBef>
         <a:buFont typeface="Arial" pitchFamily="34" charset="0"/>
         <a:buChar char="•"/>
-        <a:defRPr sz="2000" kern="1200">
+        <a:defRPr sz="2667" kern="1200">
           <a:solidFill>
             <a:schemeClr val="tx1"/>
           </a:solidFill>
@@ -3000,13 +3025,13 @@
           <a:cs typeface="+mn-cs"/>
         </a:defRPr>
       </a:lvl8pPr>
-      <a:lvl9pPr marL="3886200" indent="-228600" algn="l" defTabSz="914400" rtl="0" eaLnBrk="1" latinLnBrk="0" hangingPunct="1">
+      <a:lvl9pPr marL="5181470" indent="-304792" algn="l" defTabSz="1219170" rtl="0" eaLnBrk="1" latinLnBrk="0" hangingPunct="1">
         <a:spcBef>
           <a:spcPct val="20000"/>
         </a:spcBef>
         <a:buFont typeface="Arial" pitchFamily="34" charset="0"/>
         <a:buChar char="•"/>
-        <a:defRPr sz="2000" kern="1200">
+        <a:defRPr sz="2667" kern="1200">
           <a:solidFill>
             <a:schemeClr val="tx1"/>
           </a:solidFill>
@@ -3018,10 +3043,10 @@
     </p:bodyStyle>
     <p:otherStyle>
       <a:defPPr>
-        <a:defRPr lang="en-US"/>
+        <a:defRPr lang="zh-TW"/>
       </a:defPPr>
-      <a:lvl1pPr marL="0" algn="l" defTabSz="914400" rtl="0" eaLnBrk="1" latinLnBrk="0" hangingPunct="1">
-        <a:defRPr sz="1800" kern="1200">
+      <a:lvl1pPr marL="0" algn="l" defTabSz="1219170" rtl="0" eaLnBrk="1" latinLnBrk="0" hangingPunct="1">
+        <a:defRPr sz="2400" kern="1200">
           <a:solidFill>
             <a:schemeClr val="tx1"/>
           </a:solidFill>
@@ -3030,8 +3055,8 @@
           <a:cs typeface="+mn-cs"/>
         </a:defRPr>
       </a:lvl1pPr>
-      <a:lvl2pPr marL="457200" algn="l" defTabSz="914400" rtl="0" eaLnBrk="1" latinLnBrk="0" hangingPunct="1">
-        <a:defRPr sz="1800" kern="1200">
+      <a:lvl2pPr marL="609585" algn="l" defTabSz="1219170" rtl="0" eaLnBrk="1" latinLnBrk="0" hangingPunct="1">
+        <a:defRPr sz="2400" kern="1200">
           <a:solidFill>
             <a:schemeClr val="tx1"/>
           </a:solidFill>
@@ -3040,8 +3065,8 @@
           <a:cs typeface="+mn-cs"/>
         </a:defRPr>
       </a:lvl2pPr>
-      <a:lvl3pPr marL="914400" algn="l" defTabSz="914400" rtl="0" eaLnBrk="1" latinLnBrk="0" hangingPunct="1">
-        <a:defRPr sz="1800" kern="1200">
+      <a:lvl3pPr marL="1219170" algn="l" defTabSz="1219170" rtl="0" eaLnBrk="1" latinLnBrk="0" hangingPunct="1">
+        <a:defRPr sz="2400" kern="1200">
           <a:solidFill>
             <a:schemeClr val="tx1"/>
           </a:solidFill>
@@ -3050,8 +3075,8 @@
           <a:cs typeface="+mn-cs"/>
         </a:defRPr>
       </a:lvl3pPr>
-      <a:lvl4pPr marL="1371600" algn="l" defTabSz="914400" rtl="0" eaLnBrk="1" latinLnBrk="0" hangingPunct="1">
-        <a:defRPr sz="1800" kern="1200">
+      <a:lvl4pPr marL="1828754" algn="l" defTabSz="1219170" rtl="0" eaLnBrk="1" latinLnBrk="0" hangingPunct="1">
+        <a:defRPr sz="2400" kern="1200">
           <a:solidFill>
             <a:schemeClr val="tx1"/>
           </a:solidFill>
@@ -3060,8 +3085,8 @@
           <a:cs typeface="+mn-cs"/>
         </a:defRPr>
       </a:lvl4pPr>
-      <a:lvl5pPr marL="1828800" algn="l" defTabSz="914400" rtl="0" eaLnBrk="1" latinLnBrk="0" hangingPunct="1">
-        <a:defRPr sz="1800" kern="1200">
+      <a:lvl5pPr marL="2438339" algn="l" defTabSz="1219170" rtl="0" eaLnBrk="1" latinLnBrk="0" hangingPunct="1">
+        <a:defRPr sz="2400" kern="1200">
           <a:solidFill>
             <a:schemeClr val="tx1"/>
           </a:solidFill>
@@ -3070,8 +3095,8 @@
           <a:cs typeface="+mn-cs"/>
         </a:defRPr>
       </a:lvl5pPr>
-      <a:lvl6pPr marL="2286000" algn="l" defTabSz="914400" rtl="0" eaLnBrk="1" latinLnBrk="0" hangingPunct="1">
-        <a:defRPr sz="1800" kern="1200">
+      <a:lvl6pPr marL="3047924" algn="l" defTabSz="1219170" rtl="0" eaLnBrk="1" latinLnBrk="0" hangingPunct="1">
+        <a:defRPr sz="2400" kern="1200">
           <a:solidFill>
             <a:schemeClr val="tx1"/>
           </a:solidFill>
@@ -3080,8 +3105,8 @@
           <a:cs typeface="+mn-cs"/>
         </a:defRPr>
       </a:lvl6pPr>
-      <a:lvl7pPr marL="2743200" algn="l" defTabSz="914400" rtl="0" eaLnBrk="1" latinLnBrk="0" hangingPunct="1">
-        <a:defRPr sz="1800" kern="1200">
+      <a:lvl7pPr marL="3657509" algn="l" defTabSz="1219170" rtl="0" eaLnBrk="1" latinLnBrk="0" hangingPunct="1">
+        <a:defRPr sz="2400" kern="1200">
           <a:solidFill>
             <a:schemeClr val="tx1"/>
           </a:solidFill>
@@ -3090,8 +3115,8 @@
           <a:cs typeface="+mn-cs"/>
         </a:defRPr>
       </a:lvl7pPr>
-      <a:lvl8pPr marL="3200400" algn="l" defTabSz="914400" rtl="0" eaLnBrk="1" latinLnBrk="0" hangingPunct="1">
-        <a:defRPr sz="1800" kern="1200">
+      <a:lvl8pPr marL="4267093" algn="l" defTabSz="1219170" rtl="0" eaLnBrk="1" latinLnBrk="0" hangingPunct="1">
+        <a:defRPr sz="2400" kern="1200">
           <a:solidFill>
             <a:schemeClr val="tx1"/>
           </a:solidFill>
@@ -3100,8 +3125,8 @@
           <a:cs typeface="+mn-cs"/>
         </a:defRPr>
       </a:lvl8pPr>
-      <a:lvl9pPr marL="3657600" algn="l" defTabSz="914400" rtl="0" eaLnBrk="1" latinLnBrk="0" hangingPunct="1">
-        <a:defRPr sz="1800" kern="1200">
+      <a:lvl9pPr marL="4876678" algn="l" defTabSz="1219170" rtl="0" eaLnBrk="1" latinLnBrk="0" hangingPunct="1">
+        <a:defRPr sz="2400" kern="1200">
           <a:solidFill>
             <a:schemeClr val="tx1"/>
           </a:solidFill>
@@ -3144,36 +3169,38 @@
         </p:nvSpPr>
         <p:spPr/>
         <p:txBody>
-          <a:bodyPr/>
-          <a:lstStyle/>
-          <a:p>
-            <a:r>
-              <a:rPr lang="zh-TW" altLang="en-US" b="1" dirty="0">
-                <a:latin typeface="微軟正黑體" pitchFamily="34" charset="-120"/>
-                <a:ea typeface="微軟正黑體" pitchFamily="34" charset="-120"/>
-              </a:rPr>
-              <a:t>獻給我天上的主</a:t>
-            </a:r>
-          </a:p>
-        </p:txBody>
-      </p:sp>
-      <p:sp>
-        <p:nvSpPr>
-          <p:cNvPr id="5" name="內容版面配置區 4"/>
-          <p:cNvSpPr>
-            <a:spLocks noGrp="1"/>
-          </p:cNvSpPr>
-          <p:nvPr>
-            <p:ph idx="1"/>
-          </p:nvPr>
-        </p:nvSpPr>
-        <p:spPr/>
-        <p:txBody>
           <a:bodyPr>
             <a:normAutofit/>
           </a:bodyPr>
           <a:lstStyle/>
           <a:p>
+            <a:r>
+              <a:rPr lang="zh-TW" altLang="en-US" sz="4800" b="1" dirty="0">
+                <a:latin typeface="微軟正黑體" pitchFamily="34" charset="-120"/>
+                <a:ea typeface="微軟正黑體" pitchFamily="34" charset="-120"/>
+              </a:rPr>
+              <a:t>獻給我天上的主</a:t>
+            </a:r>
+          </a:p>
+        </p:txBody>
+      </p:sp>
+      <p:sp>
+        <p:nvSpPr>
+          <p:cNvPr id="5" name="內容版面配置區 4"/>
+          <p:cNvSpPr>
+            <a:spLocks noGrp="1"/>
+          </p:cNvSpPr>
+          <p:nvPr>
+            <p:ph idx="1"/>
+          </p:nvPr>
+        </p:nvSpPr>
+        <p:spPr/>
+        <p:txBody>
+          <a:bodyPr>
+            <a:normAutofit/>
+          </a:bodyPr>
+          <a:lstStyle/>
+          <a:p>
             <a:pPr algn="ctr">
               <a:buNone/>
             </a:pPr>
@@ -3185,41 +3212,11 @@
               <a:t>在我心中有千百萬</a:t>
             </a:r>
             <a:r>
-              <a:rPr lang="zh-TW" altLang="en-US" sz="5400" b="1" dirty="0" smtClean="0">
+              <a:rPr lang="zh-TW" altLang="en-US" sz="5400" b="1" dirty="0">
                 <a:latin typeface="微軟正黑體" pitchFamily="34" charset="-120"/>
                 <a:ea typeface="微軟正黑體" pitchFamily="34" charset="-120"/>
               </a:rPr>
               <a:t>心聲</a:t>
-            </a:r>
-            <a:endParaRPr lang="en-US" altLang="zh-TW" sz="5400" b="1" dirty="0" smtClean="0">
-              <a:latin typeface="微軟正黑體" pitchFamily="34" charset="-120"/>
-              <a:ea typeface="微軟正黑體" pitchFamily="34" charset="-120"/>
-            </a:endParaRPr>
-          </a:p>
-          <a:p>
-            <a:pPr algn="ctr">
-              <a:buNone/>
-            </a:pPr>
-            <a:r>
-              <a:rPr lang="zh-TW" altLang="en-US" sz="5400" b="1" dirty="0" smtClean="0">
-                <a:latin typeface="微軟正黑體" pitchFamily="34" charset="-120"/>
-                <a:ea typeface="微軟正黑體" pitchFamily="34" charset="-120"/>
-              </a:rPr>
-              <a:t>來</a:t>
-            </a:r>
-            <a:r>
-              <a:rPr lang="zh-TW" altLang="en-US" sz="5400" b="1" dirty="0">
-                <a:latin typeface="微軟正黑體" pitchFamily="34" charset="-120"/>
-                <a:ea typeface="微軟正黑體" pitchFamily="34" charset="-120"/>
-              </a:rPr>
-              <a:t>呈獻給我天上的</a:t>
-            </a:r>
-            <a:r>
-              <a:rPr lang="zh-TW" altLang="en-US" sz="5400" b="1" dirty="0" smtClean="0">
-                <a:latin typeface="微軟正黑體" pitchFamily="34" charset="-120"/>
-                <a:ea typeface="微軟正黑體" pitchFamily="34" charset="-120"/>
-              </a:rPr>
-              <a:t>主</a:t>
             </a:r>
             <a:endParaRPr lang="en-US" altLang="zh-TW" sz="5400" b="1" dirty="0">
               <a:latin typeface="微軟正黑體" pitchFamily="34" charset="-120"/>
@@ -3231,27 +3228,27 @@
               <a:buNone/>
             </a:pPr>
             <a:r>
-              <a:rPr lang="zh-TW" altLang="en-US" sz="5400" b="1" dirty="0" smtClean="0">
-                <a:latin typeface="微軟正黑體" pitchFamily="34" charset="-120"/>
-                <a:ea typeface="微軟正黑體" pitchFamily="34" charset="-120"/>
-              </a:rPr>
-              <a:t>願</a:t>
-            </a:r>
-            <a:r>
               <a:rPr lang="zh-TW" altLang="en-US" sz="5400" b="1" dirty="0">
                 <a:latin typeface="微軟正黑體" pitchFamily="34" charset="-120"/>
                 <a:ea typeface="微軟正黑體" pitchFamily="34" charset="-120"/>
               </a:rPr>
-              <a:t>讚美崇揚都一一歸給</a:t>
-            </a:r>
-            <a:r>
-              <a:rPr lang="zh-TW" altLang="en-US" sz="5400" b="1" dirty="0" smtClean="0">
-                <a:latin typeface="微軟正黑體" pitchFamily="34" charset="-120"/>
-                <a:ea typeface="微軟正黑體" pitchFamily="34" charset="-120"/>
-              </a:rPr>
-              <a:t>你</a:t>
-            </a:r>
-            <a:endParaRPr lang="en-US" altLang="zh-TW" sz="5400" b="1" dirty="0" smtClean="0">
+              <a:t>來</a:t>
+            </a:r>
+            <a:r>
+              <a:rPr lang="zh-TW" altLang="en-US" sz="5400" b="1" dirty="0">
+                <a:latin typeface="微軟正黑體" pitchFamily="34" charset="-120"/>
+                <a:ea typeface="微軟正黑體" pitchFamily="34" charset="-120"/>
+              </a:rPr>
+              <a:t>呈獻給我天上的</a:t>
+            </a:r>
+            <a:r>
+              <a:rPr lang="zh-TW" altLang="en-US" sz="5400" b="1" dirty="0">
+                <a:latin typeface="微軟正黑體" pitchFamily="34" charset="-120"/>
+                <a:ea typeface="微軟正黑體" pitchFamily="34" charset="-120"/>
+              </a:rPr>
+              <a:t>主</a:t>
+            </a:r>
+            <a:endParaRPr lang="en-US" altLang="zh-TW" sz="5400" b="1" dirty="0">
               <a:latin typeface="微軟正黑體" pitchFamily="34" charset="-120"/>
               <a:ea typeface="微軟正黑體" pitchFamily="34" charset="-120"/>
             </a:endParaRPr>
@@ -3261,18 +3258,69 @@
               <a:buNone/>
             </a:pPr>
             <a:r>
+              <a:rPr lang="zh-TW" altLang="en-US" sz="5400" b="1" dirty="0">
+                <a:latin typeface="微軟正黑體" pitchFamily="34" charset="-120"/>
+                <a:ea typeface="微軟正黑體" pitchFamily="34" charset="-120"/>
+              </a:rPr>
+              <a:t>願</a:t>
+            </a:r>
+            <a:r>
+              <a:rPr lang="zh-TW" altLang="en-US" sz="5400" b="1" dirty="0">
+                <a:latin typeface="微軟正黑體" pitchFamily="34" charset="-120"/>
+                <a:ea typeface="微軟正黑體" pitchFamily="34" charset="-120"/>
+              </a:rPr>
+              <a:t>讚美崇揚都一一歸</a:t>
+            </a:r>
+            <a:r>
               <a:rPr lang="zh-TW" altLang="en-US" sz="5400" b="1" dirty="0" smtClean="0">
                 <a:latin typeface="微軟正黑體" pitchFamily="34" charset="-120"/>
                 <a:ea typeface="微軟正黑體" pitchFamily="34" charset="-120"/>
               </a:rPr>
+              <a:t>給</a:t>
+            </a:r>
+            <a:r>
+              <a:rPr lang="zh-CN" altLang="en-US" sz="5400" b="1" dirty="0" smtClean="0">
+                <a:latin typeface="微軟正黑體" pitchFamily="34" charset="-120"/>
+                <a:ea typeface="微軟正黑體" pitchFamily="34" charset="-120"/>
+              </a:rPr>
+              <a:t>袮</a:t>
+            </a:r>
+            <a:endParaRPr lang="en-US" altLang="zh-TW" sz="5400" b="1" dirty="0">
+              <a:latin typeface="微軟正黑體" pitchFamily="34" charset="-120"/>
+              <a:ea typeface="微軟正黑體" pitchFamily="34" charset="-120"/>
+            </a:endParaRPr>
+          </a:p>
+          <a:p>
+            <a:pPr algn="ctr">
+              <a:buNone/>
+            </a:pPr>
+            <a:r>
+              <a:rPr lang="zh-TW" altLang="en-US" sz="5400" b="1" dirty="0" smtClean="0">
+                <a:latin typeface="微軟正黑體" pitchFamily="34" charset="-120"/>
+                <a:ea typeface="微軟正黑體" pitchFamily="34" charset="-120"/>
+              </a:rPr>
               <a:t>主</a:t>
             </a:r>
             <a:r>
+              <a:rPr lang="zh-CN" altLang="en-US" sz="5400" b="1" dirty="0">
+                <a:latin typeface="微軟正黑體" pitchFamily="34" charset="-120"/>
+                <a:ea typeface="微軟正黑體" pitchFamily="34" charset="-120"/>
+              </a:rPr>
+              <a:t>袮</a:t>
+            </a:r>
+            <a:r>
+              <a:rPr lang="zh-TW" altLang="en-US" sz="5400" b="1" dirty="0" smtClean="0">
+                <a:latin typeface="微軟正黑體" pitchFamily="34" charset="-120"/>
+                <a:ea typeface="微軟正黑體" pitchFamily="34" charset="-120"/>
+              </a:rPr>
+              <a:t>是</a:t>
+            </a:r>
+            <a:r>
               <a:rPr lang="zh-TW" altLang="en-US" sz="5400" b="1" dirty="0">
                 <a:latin typeface="微軟正黑體" pitchFamily="34" charset="-120"/>
                 <a:ea typeface="微軟正黑體" pitchFamily="34" charset="-120"/>
               </a:rPr>
-              <a:t>你是偉大完美</a:t>
+              <a:t>偉大完美</a:t>
             </a:r>
           </a:p>
         </p:txBody>
@@ -3314,36 +3362,38 @@
         </p:nvSpPr>
         <p:spPr/>
         <p:txBody>
-          <a:bodyPr/>
-          <a:lstStyle/>
-          <a:p>
-            <a:r>
-              <a:rPr lang="zh-TW" altLang="en-US" b="1" dirty="0">
-                <a:latin typeface="微軟正黑體" pitchFamily="34" charset="-120"/>
-                <a:ea typeface="微軟正黑體" pitchFamily="34" charset="-120"/>
-              </a:rPr>
-              <a:t>獻給我天上的主</a:t>
-            </a:r>
-          </a:p>
-        </p:txBody>
-      </p:sp>
-      <p:sp>
-        <p:nvSpPr>
-          <p:cNvPr id="5" name="內容版面配置區 4"/>
-          <p:cNvSpPr>
-            <a:spLocks noGrp="1"/>
-          </p:cNvSpPr>
-          <p:nvPr>
-            <p:ph idx="1"/>
-          </p:nvPr>
-        </p:nvSpPr>
-        <p:spPr/>
-        <p:txBody>
           <a:bodyPr>
             <a:normAutofit/>
           </a:bodyPr>
           <a:lstStyle/>
           <a:p>
+            <a:r>
+              <a:rPr lang="zh-TW" altLang="en-US" sz="4800" b="1" dirty="0">
+                <a:latin typeface="微軟正黑體" pitchFamily="34" charset="-120"/>
+                <a:ea typeface="微軟正黑體" pitchFamily="34" charset="-120"/>
+              </a:rPr>
+              <a:t>獻給我天上的主</a:t>
+            </a:r>
+          </a:p>
+        </p:txBody>
+      </p:sp>
+      <p:sp>
+        <p:nvSpPr>
+          <p:cNvPr id="5" name="內容版面配置區 4"/>
+          <p:cNvSpPr>
+            <a:spLocks noGrp="1"/>
+          </p:cNvSpPr>
+          <p:nvPr>
+            <p:ph idx="1"/>
+          </p:nvPr>
+        </p:nvSpPr>
+        <p:spPr/>
+        <p:txBody>
+          <a:bodyPr>
+            <a:normAutofit/>
+          </a:bodyPr>
+          <a:lstStyle/>
+          <a:p>
             <a:pPr algn="ctr">
               <a:buNone/>
             </a:pPr>
@@ -3355,41 +3405,11 @@
               <a:t>在我心中有數不盡</a:t>
             </a:r>
             <a:r>
-              <a:rPr lang="zh-TW" altLang="en-US" sz="5400" b="1" dirty="0" smtClean="0">
+              <a:rPr lang="zh-TW" altLang="en-US" sz="5400" b="1" dirty="0">
                 <a:latin typeface="微軟正黑體" pitchFamily="34" charset="-120"/>
                 <a:ea typeface="微軟正黑體" pitchFamily="34" charset="-120"/>
               </a:rPr>
               <a:t>感恩</a:t>
-            </a:r>
-            <a:endParaRPr lang="en-US" altLang="zh-TW" sz="5400" b="1" dirty="0" smtClean="0">
-              <a:latin typeface="微軟正黑體" pitchFamily="34" charset="-120"/>
-              <a:ea typeface="微軟正黑體" pitchFamily="34" charset="-120"/>
-            </a:endParaRPr>
-          </a:p>
-          <a:p>
-            <a:pPr algn="ctr">
-              <a:buNone/>
-            </a:pPr>
-            <a:r>
-              <a:rPr lang="zh-TW" altLang="en-US" sz="5400" b="1" dirty="0" smtClean="0">
-                <a:latin typeface="微軟正黑體" pitchFamily="34" charset="-120"/>
-                <a:ea typeface="微軟正黑體" pitchFamily="34" charset="-120"/>
-              </a:rPr>
-              <a:t>來</a:t>
-            </a:r>
-            <a:r>
-              <a:rPr lang="zh-TW" altLang="en-US" sz="5400" b="1" dirty="0">
-                <a:latin typeface="微軟正黑體" pitchFamily="34" charset="-120"/>
-                <a:ea typeface="微軟正黑體" pitchFamily="34" charset="-120"/>
-              </a:rPr>
-              <a:t>呈獻給我天上恩</a:t>
-            </a:r>
-            <a:r>
-              <a:rPr lang="zh-TW" altLang="en-US" sz="5400" b="1" dirty="0" smtClean="0">
-                <a:latin typeface="微軟正黑體" pitchFamily="34" charset="-120"/>
-                <a:ea typeface="微軟正黑體" pitchFamily="34" charset="-120"/>
-              </a:rPr>
-              <a:t>主</a:t>
             </a:r>
             <a:endParaRPr lang="en-US" altLang="zh-TW" sz="5400" b="1" dirty="0">
               <a:latin typeface="微軟正黑體" pitchFamily="34" charset="-120"/>
@@ -3401,27 +3421,27 @@
               <a:buNone/>
             </a:pPr>
             <a:r>
-              <a:rPr lang="zh-TW" altLang="en-US" sz="5400" b="1" dirty="0" smtClean="0">
-                <a:latin typeface="微軟正黑體" pitchFamily="34" charset="-120"/>
-                <a:ea typeface="微軟正黑體" pitchFamily="34" charset="-120"/>
-              </a:rPr>
-              <a:t>願</a:t>
-            </a:r>
-            <a:r>
               <a:rPr lang="zh-TW" altLang="en-US" sz="5400" b="1" dirty="0">
                 <a:latin typeface="微軟正黑體" pitchFamily="34" charset="-120"/>
                 <a:ea typeface="微軟正黑體" pitchFamily="34" charset="-120"/>
               </a:rPr>
-              <a:t>見證傳揚主恩典多麼</a:t>
-            </a:r>
-            <a:r>
-              <a:rPr lang="zh-TW" altLang="en-US" sz="5400" b="1" dirty="0" smtClean="0">
-                <a:latin typeface="微軟正黑體" pitchFamily="34" charset="-120"/>
-                <a:ea typeface="微軟正黑體" pitchFamily="34" charset="-120"/>
-              </a:rPr>
-              <a:t>美</a:t>
-            </a:r>
-            <a:endParaRPr lang="en-US" altLang="zh-TW" sz="5400" b="1" dirty="0" smtClean="0">
+              <a:t>來</a:t>
+            </a:r>
+            <a:r>
+              <a:rPr lang="zh-TW" altLang="en-US" sz="5400" b="1" dirty="0">
+                <a:latin typeface="微軟正黑體" pitchFamily="34" charset="-120"/>
+                <a:ea typeface="微軟正黑體" pitchFamily="34" charset="-120"/>
+              </a:rPr>
+              <a:t>呈獻給我天上恩</a:t>
+            </a:r>
+            <a:r>
+              <a:rPr lang="zh-TW" altLang="en-US" sz="5400" b="1" dirty="0">
+                <a:latin typeface="微軟正黑體" pitchFamily="34" charset="-120"/>
+                <a:ea typeface="微軟正黑體" pitchFamily="34" charset="-120"/>
+              </a:rPr>
+              <a:t>主</a:t>
+            </a:r>
+            <a:endParaRPr lang="en-US" altLang="zh-TW" sz="5400" b="1" dirty="0">
               <a:latin typeface="微軟正黑體" pitchFamily="34" charset="-120"/>
               <a:ea typeface="微軟正黑體" pitchFamily="34" charset="-120"/>
             </a:endParaRPr>
@@ -3431,18 +3451,69 @@
               <a:buNone/>
             </a:pPr>
             <a:r>
+              <a:rPr lang="zh-TW" altLang="en-US" sz="5400" b="1" dirty="0">
+                <a:latin typeface="微軟正黑體" pitchFamily="34" charset="-120"/>
+                <a:ea typeface="微軟正黑體" pitchFamily="34" charset="-120"/>
+              </a:rPr>
+              <a:t>願</a:t>
+            </a:r>
+            <a:r>
+              <a:rPr lang="zh-TW" altLang="en-US" sz="5400" b="1" dirty="0">
+                <a:latin typeface="微軟正黑體" pitchFamily="34" charset="-120"/>
+                <a:ea typeface="微軟正黑體" pitchFamily="34" charset="-120"/>
+              </a:rPr>
+              <a:t>見證傳揚主恩典多麼</a:t>
+            </a:r>
+            <a:r>
+              <a:rPr lang="zh-TW" altLang="en-US" sz="5400" b="1" dirty="0">
+                <a:latin typeface="微軟正黑體" pitchFamily="34" charset="-120"/>
+                <a:ea typeface="微軟正黑體" pitchFamily="34" charset="-120"/>
+              </a:rPr>
+              <a:t>美</a:t>
+            </a:r>
+            <a:endParaRPr lang="en-US" altLang="zh-TW" sz="5400" b="1" dirty="0">
+              <a:latin typeface="微軟正黑體" pitchFamily="34" charset="-120"/>
+              <a:ea typeface="微軟正黑體" pitchFamily="34" charset="-120"/>
+            </a:endParaRPr>
+          </a:p>
+          <a:p>
+            <a:pPr algn="ctr">
+              <a:buNone/>
+            </a:pPr>
+            <a:r>
+              <a:rPr lang="zh-TW" altLang="en-US" sz="5400" b="1" dirty="0">
+                <a:latin typeface="微軟正黑體" pitchFamily="34" charset="-120"/>
+                <a:ea typeface="微軟正黑體" pitchFamily="34" charset="-120"/>
+              </a:rPr>
+              <a:t>感</a:t>
+            </a:r>
+            <a:r>
               <a:rPr lang="zh-TW" altLang="en-US" sz="5400" b="1" dirty="0" smtClean="0">
                 <a:latin typeface="微軟正黑體" pitchFamily="34" charset="-120"/>
                 <a:ea typeface="微軟正黑體" pitchFamily="34" charset="-120"/>
               </a:rPr>
-              <a:t>感激</a:t>
+              <a:t>激</a:t>
+            </a:r>
+            <a:r>
+              <a:rPr lang="zh-CN" altLang="en-US" sz="5400" b="1" dirty="0">
+                <a:latin typeface="微軟正黑體" pitchFamily="34" charset="-120"/>
+                <a:ea typeface="微軟正黑體" pitchFamily="34" charset="-120"/>
+              </a:rPr>
+              <a:t>袮</a:t>
+            </a:r>
+            <a:r>
+              <a:rPr lang="zh-TW" altLang="en-US" sz="5400" b="1" dirty="0" smtClean="0">
+                <a:latin typeface="微軟正黑體" pitchFamily="34" charset="-120"/>
+                <a:ea typeface="微軟正黑體" pitchFamily="34" charset="-120"/>
+              </a:rPr>
+              <a:t>常</a:t>
             </a:r>
             <a:r>
               <a:rPr lang="zh-TW" altLang="en-US" sz="5400" b="1" dirty="0">
                 <a:latin typeface="微軟正黑體" pitchFamily="34" charset="-120"/>
                 <a:ea typeface="微軟正黑體" pitchFamily="34" charset="-120"/>
               </a:rPr>
-              <a:t>你常顧念扶持</a:t>
+              <a:t>顧念扶持</a:t>
             </a:r>
           </a:p>
         </p:txBody>
@@ -3484,11 +3555,13 @@
         </p:nvSpPr>
         <p:spPr/>
         <p:txBody>
-          <a:bodyPr/>
-          <a:lstStyle/>
-          <a:p>
-            <a:r>
-              <a:rPr lang="zh-TW" altLang="en-US" b="1" dirty="0">
+          <a:bodyPr>
+            <a:normAutofit/>
+          </a:bodyPr>
+          <a:lstStyle/>
+          <a:p>
+            <a:r>
+              <a:rPr lang="zh-TW" altLang="en-US" sz="4800" b="1" dirty="0">
                 <a:latin typeface="微軟正黑體" pitchFamily="34" charset="-120"/>
                 <a:ea typeface="微軟正黑體" pitchFamily="34" charset="-120"/>
               </a:rPr>
@@ -3509,7 +3582,7 @@
         </p:nvSpPr>
         <p:spPr>
           <a:xfrm>
-            <a:off x="0" y="1600200"/>
+            <a:off x="1524000" y="1600201"/>
             <a:ext cx="9144000" cy="4525963"/>
           </a:xfrm>
         </p:spPr>
@@ -3527,44 +3600,21 @@
                 <a:latin typeface="微軟正黑體" pitchFamily="34" charset="-120"/>
                 <a:ea typeface="微軟正黑體" pitchFamily="34" charset="-120"/>
               </a:rPr>
-              <a:t>齊真心呈獻讚美給</a:t>
+              <a:t>齊真心呈獻讚美</a:t>
             </a:r>
             <a:r>
               <a:rPr lang="zh-TW" altLang="en-US" sz="5400" b="1" dirty="0" smtClean="0">
                 <a:latin typeface="微軟正黑體" pitchFamily="34" charset="-120"/>
                 <a:ea typeface="微軟正黑體" pitchFamily="34" charset="-120"/>
               </a:rPr>
-              <a:t>你</a:t>
-            </a:r>
-            <a:endParaRPr lang="en-US" altLang="zh-TW" sz="5400" b="1" dirty="0" smtClean="0">
-              <a:latin typeface="微軟正黑體" pitchFamily="34" charset="-120"/>
-              <a:ea typeface="微軟正黑體" pitchFamily="34" charset="-120"/>
-            </a:endParaRPr>
-          </a:p>
-          <a:p>
-            <a:pPr algn="ctr">
-              <a:buNone/>
-            </a:pPr>
-            <a:r>
-              <a:rPr lang="zh-TW" altLang="en-US" sz="5400" b="1" dirty="0" smtClean="0">
-                <a:latin typeface="微軟正黑體" pitchFamily="34" charset="-120"/>
-                <a:ea typeface="微軟正黑體" pitchFamily="34" charset="-120"/>
-              </a:rPr>
-              <a:t>盡</a:t>
-            </a:r>
-            <a:r>
-              <a:rPr lang="zh-TW" altLang="en-US" sz="5400" b="1" dirty="0">
-                <a:latin typeface="微軟正黑體" pitchFamily="34" charset="-120"/>
-                <a:ea typeface="微軟正黑體" pitchFamily="34" charset="-120"/>
-              </a:rPr>
-              <a:t>我心意頌唱每篇的</a:t>
-            </a:r>
-            <a:r>
-              <a:rPr lang="zh-TW" altLang="en-US" sz="5400" b="1" dirty="0" smtClean="0">
-                <a:latin typeface="微軟正黑體" pitchFamily="34" charset="-120"/>
-                <a:ea typeface="微軟正黑體" pitchFamily="34" charset="-120"/>
-              </a:rPr>
-              <a:t>詩句</a:t>
+              <a:t>給</a:t>
+            </a:r>
+            <a:r>
+              <a:rPr lang="zh-CN" altLang="en-US" sz="5400" b="1" dirty="0">
+                <a:latin typeface="微軟正黑體" pitchFamily="34" charset="-120"/>
+                <a:ea typeface="微軟正黑體" pitchFamily="34" charset="-120"/>
+              </a:rPr>
+              <a:t>袮</a:t>
             </a:r>
             <a:endParaRPr lang="en-US" altLang="zh-TW" sz="5400" b="1" dirty="0">
               <a:latin typeface="微軟正黑體" pitchFamily="34" charset="-120"/>
@@ -3576,27 +3626,27 @@
               <a:buNone/>
             </a:pPr>
             <a:r>
-              <a:rPr lang="zh-TW" altLang="en-US" sz="5400" b="1" dirty="0" smtClean="0">
-                <a:latin typeface="微軟正黑體" pitchFamily="34" charset="-120"/>
-                <a:ea typeface="微軟正黑體" pitchFamily="34" charset="-120"/>
-              </a:rPr>
-              <a:t>齊</a:t>
-            </a:r>
-            <a:r>
               <a:rPr lang="zh-TW" altLang="en-US" sz="5400" b="1" dirty="0">
                 <a:latin typeface="微軟正黑體" pitchFamily="34" charset="-120"/>
                 <a:ea typeface="微軟正黑體" pitchFamily="34" charset="-120"/>
               </a:rPr>
-              <a:t>舉手呈獻敬拜永遠歸給</a:t>
-            </a:r>
-            <a:r>
-              <a:rPr lang="zh-TW" altLang="en-US" sz="5400" b="1" dirty="0" smtClean="0">
-                <a:latin typeface="微軟正黑體" pitchFamily="34" charset="-120"/>
-                <a:ea typeface="微軟正黑體" pitchFamily="34" charset="-120"/>
-              </a:rPr>
-              <a:t>你</a:t>
-            </a:r>
-            <a:endParaRPr lang="en-US" altLang="zh-TW" sz="5400" b="1" dirty="0" smtClean="0">
+              <a:t>盡</a:t>
+            </a:r>
+            <a:r>
+              <a:rPr lang="zh-TW" altLang="en-US" sz="5400" b="1" dirty="0">
+                <a:latin typeface="微軟正黑體" pitchFamily="34" charset="-120"/>
+                <a:ea typeface="微軟正黑體" pitchFamily="34" charset="-120"/>
+              </a:rPr>
+              <a:t>我心意頌唱每篇的</a:t>
+            </a:r>
+            <a:r>
+              <a:rPr lang="zh-TW" altLang="en-US" sz="5400" b="1" dirty="0">
+                <a:latin typeface="微軟正黑體" pitchFamily="34" charset="-120"/>
+                <a:ea typeface="微軟正黑體" pitchFamily="34" charset="-120"/>
+              </a:rPr>
+              <a:t>詩句</a:t>
+            </a:r>
+            <a:endParaRPr lang="en-US" altLang="zh-TW" sz="5400" b="1" dirty="0">
               <a:latin typeface="微軟正黑體" pitchFamily="34" charset="-120"/>
               <a:ea typeface="微軟正黑體" pitchFamily="34" charset="-120"/>
             </a:endParaRPr>
@@ -3606,18 +3656,69 @@
               <a:buNone/>
             </a:pPr>
             <a:r>
+              <a:rPr lang="zh-TW" altLang="en-US" sz="5400" b="1" dirty="0">
+                <a:latin typeface="微軟正黑體" pitchFamily="34" charset="-120"/>
+                <a:ea typeface="微軟正黑體" pitchFamily="34" charset="-120"/>
+              </a:rPr>
+              <a:t>齊</a:t>
+            </a:r>
+            <a:r>
+              <a:rPr lang="zh-TW" altLang="en-US" sz="5400" b="1" dirty="0">
+                <a:latin typeface="微軟正黑體" pitchFamily="34" charset="-120"/>
+                <a:ea typeface="微軟正黑體" pitchFamily="34" charset="-120"/>
+              </a:rPr>
+              <a:t>舉手呈獻敬拜永遠歸</a:t>
+            </a:r>
+            <a:r>
               <a:rPr lang="zh-TW" altLang="en-US" sz="5400" b="1" dirty="0" smtClean="0">
                 <a:latin typeface="微軟正黑體" pitchFamily="34" charset="-120"/>
                 <a:ea typeface="微軟正黑體" pitchFamily="34" charset="-120"/>
               </a:rPr>
+              <a:t>給</a:t>
+            </a:r>
+            <a:r>
+              <a:rPr lang="zh-CN" altLang="en-US" sz="5400" b="1" dirty="0">
+                <a:latin typeface="微軟正黑體" pitchFamily="34" charset="-120"/>
+                <a:ea typeface="微軟正黑體" pitchFamily="34" charset="-120"/>
+              </a:rPr>
+              <a:t>袮</a:t>
+            </a:r>
+            <a:endParaRPr lang="en-US" altLang="zh-TW" sz="5400" b="1" dirty="0">
+              <a:latin typeface="微軟正黑體" pitchFamily="34" charset="-120"/>
+              <a:ea typeface="微軟正黑體" pitchFamily="34" charset="-120"/>
+            </a:endParaRPr>
+          </a:p>
+          <a:p>
+            <a:pPr algn="ctr">
+              <a:buNone/>
+            </a:pPr>
+            <a:r>
+              <a:rPr lang="zh-TW" altLang="en-US" sz="5400" b="1" dirty="0" smtClean="0">
+                <a:latin typeface="微軟正黑體" pitchFamily="34" charset="-120"/>
+                <a:ea typeface="微軟正黑體" pitchFamily="34" charset="-120"/>
+              </a:rPr>
               <a:t>為</a:t>
             </a:r>
             <a:r>
+              <a:rPr lang="zh-CN" altLang="en-US" sz="5400" b="1" dirty="0">
+                <a:latin typeface="微軟正黑體" pitchFamily="34" charset="-120"/>
+                <a:ea typeface="微軟正黑體" pitchFamily="34" charset="-120"/>
+              </a:rPr>
+              <a:t>袮</a:t>
+            </a:r>
+            <a:r>
+              <a:rPr lang="zh-TW" altLang="en-US" sz="5400" b="1" dirty="0" smtClean="0">
+                <a:latin typeface="微軟正黑體" pitchFamily="34" charset="-120"/>
+                <a:ea typeface="微軟正黑體" pitchFamily="34" charset="-120"/>
+              </a:rPr>
+              <a:t>我</a:t>
+            </a:r>
+            <a:r>
               <a:rPr lang="zh-TW" altLang="en-US" sz="5400" b="1" dirty="0">
                 <a:latin typeface="微軟正黑體" pitchFamily="34" charset="-120"/>
                 <a:ea typeface="微軟正黑體" pitchFamily="34" charset="-120"/>
               </a:rPr>
-              <a:t>你我獻上頌讚</a:t>
+              <a:t>獻上頌讚</a:t>
             </a:r>
           </a:p>
         </p:txBody>
@@ -3659,11 +3760,13 @@
         </p:nvSpPr>
         <p:spPr/>
         <p:txBody>
-          <a:bodyPr/>
-          <a:lstStyle/>
-          <a:p>
-            <a:r>
-              <a:rPr lang="zh-TW" altLang="en-US" b="1" dirty="0">
+          <a:bodyPr>
+            <a:normAutofit/>
+          </a:bodyPr>
+          <a:lstStyle/>
+          <a:p>
+            <a:r>
+              <a:rPr lang="zh-TW" altLang="en-US" sz="4800" b="1" dirty="0">
                 <a:latin typeface="微軟正黑體" pitchFamily="34" charset="-120"/>
                 <a:ea typeface="微軟正黑體" pitchFamily="34" charset="-120"/>
               </a:rPr>
@@ -3684,7 +3787,7 @@
         </p:nvSpPr>
         <p:spPr>
           <a:xfrm>
-            <a:off x="0" y="1600200"/>
+            <a:off x="1524000" y="1600201"/>
             <a:ext cx="9144000" cy="4525963"/>
           </a:xfrm>
         </p:spPr>
@@ -3698,20 +3801,41 @@
               <a:buNone/>
             </a:pPr>
             <a:r>
+              <a:rPr lang="zh-TW" altLang="en-US" sz="5400" b="1" dirty="0" smtClean="0">
+                <a:latin typeface="微軟正黑體" pitchFamily="34" charset="-120"/>
+                <a:ea typeface="微軟正黑體" pitchFamily="34" charset="-120"/>
+              </a:rPr>
+              <a:t>為</a:t>
+            </a:r>
+            <a:r>
+              <a:rPr lang="zh-CN" altLang="en-US" sz="5400" b="1" dirty="0">
+                <a:latin typeface="微軟正黑體" pitchFamily="34" charset="-120"/>
+                <a:ea typeface="微軟正黑體" pitchFamily="34" charset="-120"/>
+              </a:rPr>
+              <a:t>袮</a:t>
+            </a:r>
+            <a:r>
+              <a:rPr lang="zh-TW" altLang="en-US" sz="5400" b="1" dirty="0" smtClean="0">
+                <a:latin typeface="微軟正黑體" pitchFamily="34" charset="-120"/>
+                <a:ea typeface="微軟正黑體" pitchFamily="34" charset="-120"/>
+              </a:rPr>
+              <a:t>我</a:t>
+            </a:r>
+            <a:r>
               <a:rPr lang="zh-TW" altLang="en-US" sz="5400" b="1" dirty="0">
                 <a:latin typeface="微軟正黑體" pitchFamily="34" charset="-120"/>
                 <a:ea typeface="微軟正黑體" pitchFamily="34" charset="-120"/>
               </a:rPr>
-              <a:t>為你我獻作活</a:t>
-            </a:r>
-            <a:r>
-              <a:rPr lang="zh-TW" altLang="en-US" sz="5400" b="1" dirty="0" smtClean="0">
+              <a:t>獻作活</a:t>
+            </a:r>
+            <a:r>
+              <a:rPr lang="zh-TW" altLang="en-US" sz="5400" b="1" dirty="0">
                 <a:latin typeface="微軟正黑體" pitchFamily="34" charset="-120"/>
                 <a:ea typeface="微軟正黑體" pitchFamily="34" charset="-120"/>
               </a:rPr>
               <a:t>祭</a:t>
             </a:r>
-            <a:endParaRPr lang="en-US" altLang="zh-TW" sz="5400" b="1" dirty="0" smtClean="0">
+            <a:endParaRPr lang="en-US" altLang="zh-TW" sz="5400" b="1" dirty="0">
               <a:latin typeface="微軟正黑體" pitchFamily="34" charset="-120"/>
               <a:ea typeface="微軟正黑體" pitchFamily="34" charset="-120"/>
             </a:endParaRPr>
@@ -3721,7 +3845,7 @@
               <a:buNone/>
             </a:pPr>
             <a:r>
-              <a:rPr lang="zh-TW" altLang="en-US" sz="5400" b="1" dirty="0" smtClean="0">
+              <a:rPr lang="zh-TW" altLang="en-US" sz="5400" b="1" dirty="0">
                 <a:latin typeface="微軟正黑體" pitchFamily="34" charset="-120"/>
                 <a:ea typeface="微軟正黑體" pitchFamily="34" charset="-120"/>
               </a:rPr>
@@ -3746,7 +3870,7 @@
 </file>
 
 <file path=ppt/theme/theme1.xml><?xml version="1.0" encoding="utf-8"?>
-<a:theme xmlns:a="http://schemas.openxmlformats.org/drawingml/2006/main" name="Office Theme">
+<a:theme xmlns:a="http://schemas.openxmlformats.org/drawingml/2006/main" name="Theme1">
   <a:themeElements>
     <a:clrScheme name="Office">
       <a:dk1>
@@ -3820,7 +3944,6 @@
         <a:font script="Mong" typeface="Mongolian Baiti"/>
         <a:font script="Viet" typeface="Times New Roman"/>
         <a:font script="Uigh" typeface="Microsoft Uighur"/>
-        <a:font script="Geor" typeface="Sylfaen"/>
       </a:majorFont>
       <a:minorFont>
         <a:latin typeface="Calibri"/>
@@ -3855,7 +3978,6 @@
         <a:font script="Mong" typeface="Mongolian Baiti"/>
         <a:font script="Viet" typeface="Arial"/>
         <a:font script="Uigh" typeface="Microsoft Uighur"/>
-        <a:font script="Geor" typeface="Sylfaen"/>
       </a:minorFont>
     </a:fontScheme>
     <a:fmtScheme name="Office">
@@ -4027,5 +4149,10 @@
   </a:themeElements>
   <a:objectDefaults/>
   <a:extraClrSchemeLst/>
+  <a:extLst>
+    <a:ext uri="{05A4C25C-085E-4340-85A3-A5531E510DB2}">
+      <thm15:themeFamily xmlns:thm15="http://schemas.microsoft.com/office/thememl/2012/main" name="Theme1" id="{AFC7C034-021A-479F-A5B0-F4AE2AC2A6F8}" vid="{E4B01A5C-7C0B-4AB8-8973-047186F18E30}"/>
+    </a:ext>
+  </a:extLst>
 </a:theme>
 </file>
--- a/獻給我天上的主.pptx
+++ b/獻給我天上的主.pptx
@@ -5,10 +5,14 @@
     <p:sldMasterId id="2147483684" r:id="rId1"/>
   </p:sldMasterIdLst>
   <p:sldIdLst>
-    <p:sldId id="256" r:id="rId2"/>
-    <p:sldId id="257" r:id="rId3"/>
-    <p:sldId id="258" r:id="rId4"/>
-    <p:sldId id="259" r:id="rId5"/>
+    <p:sldId id="260" r:id="rId2"/>
+    <p:sldId id="261" r:id="rId3"/>
+    <p:sldId id="262" r:id="rId4"/>
+    <p:sldId id="263" r:id="rId5"/>
+    <p:sldId id="264" r:id="rId6"/>
+    <p:sldId id="265" r:id="rId7"/>
+    <p:sldId id="266" r:id="rId8"/>
+    <p:sldId id="267" r:id="rId9"/>
   </p:sldIdLst>
   <p:sldSz cx="12192000" cy="6858000"/>
   <p:notesSz cx="6858000" cy="9144000"/>
@@ -308,7 +312,7 @@
             <a:fld id="{77D5D620-2247-4098-B18A-D1A601B2D052}" type="datetimeFigureOut">
               <a:rPr lang="zh-TW" altLang="en-US" smtClean="0"/>
               <a:pPr/>
-              <a:t>2020/3/7</a:t>
+              <a:t>2023/10/23</a:t>
             </a:fld>
             <a:endParaRPr lang="zh-TW" altLang="en-US"/>
           </a:p>
@@ -480,7 +484,7 @@
             <a:fld id="{77D5D620-2247-4098-B18A-D1A601B2D052}" type="datetimeFigureOut">
               <a:rPr lang="zh-TW" altLang="en-US" smtClean="0"/>
               <a:pPr/>
-              <a:t>2020/3/7</a:t>
+              <a:t>2023/10/23</a:t>
             </a:fld>
             <a:endParaRPr lang="zh-TW" altLang="en-US"/>
           </a:p>
@@ -662,7 +666,7 @@
             <a:fld id="{77D5D620-2247-4098-B18A-D1A601B2D052}" type="datetimeFigureOut">
               <a:rPr lang="zh-TW" altLang="en-US" smtClean="0"/>
               <a:pPr/>
-              <a:t>2020/3/7</a:t>
+              <a:t>2023/10/23</a:t>
             </a:fld>
             <a:endParaRPr lang="zh-TW" altLang="en-US"/>
           </a:p>
@@ -834,7 +838,7 @@
             <a:fld id="{77D5D620-2247-4098-B18A-D1A601B2D052}" type="datetimeFigureOut">
               <a:rPr lang="zh-TW" altLang="en-US" smtClean="0"/>
               <a:pPr/>
-              <a:t>2020/3/7</a:t>
+              <a:t>2023/10/23</a:t>
             </a:fld>
             <a:endParaRPr lang="zh-TW" altLang="en-US"/>
           </a:p>
@@ -1082,7 +1086,7 @@
             <a:fld id="{77D5D620-2247-4098-B18A-D1A601B2D052}" type="datetimeFigureOut">
               <a:rPr lang="zh-TW" altLang="en-US" smtClean="0"/>
               <a:pPr/>
-              <a:t>2020/3/7</a:t>
+              <a:t>2023/10/23</a:t>
             </a:fld>
             <a:endParaRPr lang="zh-TW" altLang="en-US"/>
           </a:p>
@@ -1372,7 +1376,7 @@
             <a:fld id="{77D5D620-2247-4098-B18A-D1A601B2D052}" type="datetimeFigureOut">
               <a:rPr lang="zh-TW" altLang="en-US" smtClean="0"/>
               <a:pPr/>
-              <a:t>2020/3/7</a:t>
+              <a:t>2023/10/23</a:t>
             </a:fld>
             <a:endParaRPr lang="zh-TW" altLang="en-US"/>
           </a:p>
@@ -1796,7 +1800,7 @@
             <a:fld id="{77D5D620-2247-4098-B18A-D1A601B2D052}" type="datetimeFigureOut">
               <a:rPr lang="zh-TW" altLang="en-US" smtClean="0"/>
               <a:pPr/>
-              <a:t>2020/3/7</a:t>
+              <a:t>2023/10/23</a:t>
             </a:fld>
             <a:endParaRPr lang="zh-TW" altLang="en-US"/>
           </a:p>
@@ -1916,7 +1920,7 @@
             <a:fld id="{77D5D620-2247-4098-B18A-D1A601B2D052}" type="datetimeFigureOut">
               <a:rPr lang="zh-TW" altLang="en-US" smtClean="0"/>
               <a:pPr/>
-              <a:t>2020/3/7</a:t>
+              <a:t>2023/10/23</a:t>
             </a:fld>
             <a:endParaRPr lang="zh-TW" altLang="en-US"/>
           </a:p>
@@ -2013,7 +2017,7 @@
             <a:fld id="{77D5D620-2247-4098-B18A-D1A601B2D052}" type="datetimeFigureOut">
               <a:rPr lang="zh-TW" altLang="en-US" smtClean="0"/>
               <a:pPr/>
-              <a:t>2020/3/7</a:t>
+              <a:t>2023/10/23</a:t>
             </a:fld>
             <a:endParaRPr lang="zh-TW" altLang="en-US"/>
           </a:p>
@@ -2292,7 +2296,7 @@
             <a:fld id="{77D5D620-2247-4098-B18A-D1A601B2D052}" type="datetimeFigureOut">
               <a:rPr lang="zh-TW" altLang="en-US" smtClean="0"/>
               <a:pPr/>
-              <a:t>2020/3/7</a:t>
+              <a:t>2023/10/23</a:t>
             </a:fld>
             <a:endParaRPr lang="zh-TW" altLang="en-US"/>
           </a:p>
@@ -2551,7 +2555,7 @@
             <a:fld id="{77D5D620-2247-4098-B18A-D1A601B2D052}" type="datetimeFigureOut">
               <a:rPr lang="zh-TW" altLang="en-US" smtClean="0"/>
               <a:pPr/>
-              <a:t>2020/3/7</a:t>
+              <a:t>2023/10/23</a:t>
             </a:fld>
             <a:endParaRPr lang="zh-TW" altLang="en-US"/>
           </a:p>
@@ -2771,7 +2775,7 @@
             <a:fld id="{77D5D620-2247-4098-B18A-D1A601B2D052}" type="datetimeFigureOut">
               <a:rPr lang="zh-TW" altLang="en-US" smtClean="0"/>
               <a:pPr/>
-              <a:t>2020/3/7</a:t>
+              <a:t>2023/10/23</a:t>
             </a:fld>
             <a:endParaRPr lang="zh-TW" altLang="en-US"/>
           </a:p>
@@ -3167,165 +3171,61 @@
             <p:ph type="title"/>
           </p:nvPr>
         </p:nvSpPr>
-        <p:spPr/>
+        <p:spPr>
+          <a:xfrm>
+            <a:off x="0" y="2660915"/>
+            <a:ext cx="12192000" cy="1143000"/>
+          </a:xfrm>
+        </p:spPr>
         <p:txBody>
           <a:bodyPr>
-            <a:normAutofit/>
+            <a:noAutofit/>
           </a:bodyPr>
           <a:lstStyle/>
           <a:p>
             <a:r>
-              <a:rPr lang="zh-TW" altLang="en-US" sz="4800" b="1" dirty="0">
+              <a:rPr lang="zh-TW" altLang="en-US" sz="7200" b="1" i="1" dirty="0" smtClean="0">
+                <a:solidFill>
+                  <a:srgbClr val="660033"/>
+                </a:solidFill>
+                <a:effectLst>
+                  <a:outerShdw blurRad="38100" dist="38100" dir="2700000" algn="tl">
+                    <a:srgbClr val="000000">
+                      <a:alpha val="43137"/>
+                    </a:srgbClr>
+                  </a:outerShdw>
+                </a:effectLst>
                 <a:latin typeface="微軟正黑體" pitchFamily="34" charset="-120"/>
                 <a:ea typeface="微軟正黑體" pitchFamily="34" charset="-120"/>
               </a:rPr>
-              <a:t>獻給我天上的主</a:t>
-            </a:r>
-          </a:p>
-        </p:txBody>
-      </p:sp>
-      <p:sp>
-        <p:nvSpPr>
-          <p:cNvPr id="5" name="內容版面配置區 4"/>
-          <p:cNvSpPr>
-            <a:spLocks noGrp="1"/>
-          </p:cNvSpPr>
-          <p:nvPr>
-            <p:ph idx="1"/>
-          </p:nvPr>
-        </p:nvSpPr>
-        <p:spPr/>
-        <p:txBody>
-          <a:bodyPr>
-            <a:normAutofit/>
-          </a:bodyPr>
-          <a:lstStyle/>
-          <a:p>
-            <a:pPr algn="ctr">
-              <a:buNone/>
-            </a:pPr>
-            <a:r>
-              <a:rPr lang="zh-TW" altLang="en-US" sz="5400" b="1" dirty="0">
+              <a:t>獻</a:t>
+            </a:r>
+            <a:r>
+              <a:rPr lang="zh-TW" altLang="en-US" sz="7200" b="1" i="1" dirty="0">
+                <a:solidFill>
+                  <a:srgbClr val="660033"/>
+                </a:solidFill>
+                <a:effectLst>
+                  <a:outerShdw blurRad="38100" dist="38100" dir="2700000" algn="tl">
+                    <a:srgbClr val="000000">
+                      <a:alpha val="43137"/>
+                    </a:srgbClr>
+                  </a:outerShdw>
+                </a:effectLst>
                 <a:latin typeface="微軟正黑體" pitchFamily="34" charset="-120"/>
                 <a:ea typeface="微軟正黑體" pitchFamily="34" charset="-120"/>
               </a:rPr>
-              <a:t>在我心中有千百萬</a:t>
-            </a:r>
-            <a:r>
-              <a:rPr lang="zh-TW" altLang="en-US" sz="5400" b="1" dirty="0">
-                <a:latin typeface="微軟正黑體" pitchFamily="34" charset="-120"/>
-                <a:ea typeface="微軟正黑體" pitchFamily="34" charset="-120"/>
-              </a:rPr>
-              <a:t>心聲</a:t>
-            </a:r>
-            <a:endParaRPr lang="en-US" altLang="zh-TW" sz="5400" b="1" dirty="0">
-              <a:latin typeface="微軟正黑體" pitchFamily="34" charset="-120"/>
-              <a:ea typeface="微軟正黑體" pitchFamily="34" charset="-120"/>
-            </a:endParaRPr>
-          </a:p>
-          <a:p>
-            <a:pPr algn="ctr">
-              <a:buNone/>
-            </a:pPr>
-            <a:r>
-              <a:rPr lang="zh-TW" altLang="en-US" sz="5400" b="1" dirty="0">
-                <a:latin typeface="微軟正黑體" pitchFamily="34" charset="-120"/>
-                <a:ea typeface="微軟正黑體" pitchFamily="34" charset="-120"/>
-              </a:rPr>
-              <a:t>來</a:t>
-            </a:r>
-            <a:r>
-              <a:rPr lang="zh-TW" altLang="en-US" sz="5400" b="1" dirty="0">
-                <a:latin typeface="微軟正黑體" pitchFamily="34" charset="-120"/>
-                <a:ea typeface="微軟正黑體" pitchFamily="34" charset="-120"/>
-              </a:rPr>
-              <a:t>呈獻給我天上的</a:t>
-            </a:r>
-            <a:r>
-              <a:rPr lang="zh-TW" altLang="en-US" sz="5400" b="1" dirty="0">
-                <a:latin typeface="微軟正黑體" pitchFamily="34" charset="-120"/>
-                <a:ea typeface="微軟正黑體" pitchFamily="34" charset="-120"/>
-              </a:rPr>
-              <a:t>主</a:t>
-            </a:r>
-            <a:endParaRPr lang="en-US" altLang="zh-TW" sz="5400" b="1" dirty="0">
-              <a:latin typeface="微軟正黑體" pitchFamily="34" charset="-120"/>
-              <a:ea typeface="微軟正黑體" pitchFamily="34" charset="-120"/>
-            </a:endParaRPr>
-          </a:p>
-          <a:p>
-            <a:pPr algn="ctr">
-              <a:buNone/>
-            </a:pPr>
-            <a:r>
-              <a:rPr lang="zh-TW" altLang="en-US" sz="5400" b="1" dirty="0">
-                <a:latin typeface="微軟正黑體" pitchFamily="34" charset="-120"/>
-                <a:ea typeface="微軟正黑體" pitchFamily="34" charset="-120"/>
-              </a:rPr>
-              <a:t>願</a:t>
-            </a:r>
-            <a:r>
-              <a:rPr lang="zh-TW" altLang="en-US" sz="5400" b="1" dirty="0">
-                <a:latin typeface="微軟正黑體" pitchFamily="34" charset="-120"/>
-                <a:ea typeface="微軟正黑體" pitchFamily="34" charset="-120"/>
-              </a:rPr>
-              <a:t>讚美崇揚都一一歸</a:t>
-            </a:r>
-            <a:r>
-              <a:rPr lang="zh-TW" altLang="en-US" sz="5400" b="1" dirty="0" smtClean="0">
-                <a:latin typeface="微軟正黑體" pitchFamily="34" charset="-120"/>
-                <a:ea typeface="微軟正黑體" pitchFamily="34" charset="-120"/>
-              </a:rPr>
-              <a:t>給</a:t>
-            </a:r>
-            <a:r>
-              <a:rPr lang="zh-CN" altLang="en-US" sz="5400" b="1" dirty="0" smtClean="0">
-                <a:latin typeface="微軟正黑體" pitchFamily="34" charset="-120"/>
-                <a:ea typeface="微軟正黑體" pitchFamily="34" charset="-120"/>
-              </a:rPr>
-              <a:t>袮</a:t>
-            </a:r>
-            <a:endParaRPr lang="en-US" altLang="zh-TW" sz="5400" b="1" dirty="0">
-              <a:latin typeface="微軟正黑體" pitchFamily="34" charset="-120"/>
-              <a:ea typeface="微軟正黑體" pitchFamily="34" charset="-120"/>
-            </a:endParaRPr>
-          </a:p>
-          <a:p>
-            <a:pPr algn="ctr">
-              <a:buNone/>
-            </a:pPr>
-            <a:r>
-              <a:rPr lang="zh-TW" altLang="en-US" sz="5400" b="1" dirty="0" smtClean="0">
-                <a:latin typeface="微軟正黑體" pitchFamily="34" charset="-120"/>
-                <a:ea typeface="微軟正黑體" pitchFamily="34" charset="-120"/>
-              </a:rPr>
-              <a:t>主</a:t>
-            </a:r>
-            <a:r>
-              <a:rPr lang="zh-CN" altLang="en-US" sz="5400" b="1" dirty="0">
-                <a:latin typeface="微軟正黑體" pitchFamily="34" charset="-120"/>
-                <a:ea typeface="微軟正黑體" pitchFamily="34" charset="-120"/>
-              </a:rPr>
-              <a:t>袮</a:t>
-            </a:r>
-            <a:r>
-              <a:rPr lang="zh-TW" altLang="en-US" sz="5400" b="1" dirty="0" smtClean="0">
-                <a:latin typeface="微軟正黑體" pitchFamily="34" charset="-120"/>
-                <a:ea typeface="微軟正黑體" pitchFamily="34" charset="-120"/>
-              </a:rPr>
-              <a:t>是</a:t>
-            </a:r>
-            <a:r>
-              <a:rPr lang="zh-TW" altLang="en-US" sz="5400" b="1" dirty="0">
-                <a:latin typeface="微軟正黑體" pitchFamily="34" charset="-120"/>
-                <a:ea typeface="微軟正黑體" pitchFamily="34" charset="-120"/>
-              </a:rPr>
-              <a:t>偉大完美</a:t>
+              <a:t>給我天上的主</a:t>
             </a:r>
           </a:p>
         </p:txBody>
       </p:sp>
     </p:spTree>
+    <p:extLst>
+      <p:ext uri="{BB962C8B-B14F-4D97-AF65-F5344CB8AC3E}">
+        <p14:creationId xmlns:p14="http://schemas.microsoft.com/office/powerpoint/2010/main" val="3275567719"/>
+      </p:ext>
+    </p:extLst>
   </p:cSld>
   <p:clrMapOvr>
     <a:masterClrMapping/>
@@ -3352,66 +3252,53 @@
       </p:grpSpPr>
       <p:sp>
         <p:nvSpPr>
-          <p:cNvPr id="4" name="標題 3"/>
-          <p:cNvSpPr>
-            <a:spLocks noGrp="1"/>
-          </p:cNvSpPr>
-          <p:nvPr>
-            <p:ph type="title"/>
-          </p:nvPr>
-        </p:nvSpPr>
-        <p:spPr/>
-        <p:txBody>
-          <a:bodyPr>
+          <p:cNvPr id="5" name="內容版面配置區 4"/>
+          <p:cNvSpPr>
+            <a:spLocks noGrp="1"/>
+          </p:cNvSpPr>
+          <p:nvPr>
+            <p:ph idx="1"/>
+          </p:nvPr>
+        </p:nvSpPr>
+        <p:spPr>
+          <a:xfrm>
+            <a:off x="0" y="2084851"/>
+            <a:ext cx="12192000" cy="2404863"/>
+          </a:xfrm>
+        </p:spPr>
+        <p:txBody>
+          <a:bodyPr anchor="ctr">
             <a:normAutofit/>
           </a:bodyPr>
           <a:lstStyle/>
           <a:p>
-            <a:r>
-              <a:rPr lang="zh-TW" altLang="en-US" sz="4800" b="1" dirty="0">
+            <a:pPr algn="ctr">
+              <a:buNone/>
+            </a:pPr>
+            <a:r>
+              <a:rPr lang="zh-TW" altLang="en-US" sz="6400" b="1" dirty="0" smtClean="0">
+                <a:solidFill>
+                  <a:srgbClr val="660033"/>
+                </a:solidFill>
                 <a:latin typeface="微軟正黑體" pitchFamily="34" charset="-120"/>
                 <a:ea typeface="微軟正黑體" pitchFamily="34" charset="-120"/>
               </a:rPr>
-              <a:t>獻給我天上的主</a:t>
-            </a:r>
-          </a:p>
-        </p:txBody>
-      </p:sp>
-      <p:sp>
-        <p:nvSpPr>
-          <p:cNvPr id="5" name="內容版面配置區 4"/>
-          <p:cNvSpPr>
-            <a:spLocks noGrp="1"/>
-          </p:cNvSpPr>
-          <p:nvPr>
-            <p:ph idx="1"/>
-          </p:nvPr>
-        </p:nvSpPr>
-        <p:spPr/>
-        <p:txBody>
-          <a:bodyPr>
-            <a:normAutofit/>
-          </a:bodyPr>
-          <a:lstStyle/>
-          <a:p>
-            <a:pPr algn="ctr">
-              <a:buNone/>
-            </a:pPr>
-            <a:r>
-              <a:rPr lang="zh-TW" altLang="en-US" sz="5400" b="1" dirty="0">
+              <a:t>在</a:t>
+            </a:r>
+            <a:r>
+              <a:rPr lang="zh-TW" altLang="en-US" sz="6400" b="1" dirty="0">
+                <a:solidFill>
+                  <a:srgbClr val="660033"/>
+                </a:solidFill>
                 <a:latin typeface="微軟正黑體" pitchFamily="34" charset="-120"/>
                 <a:ea typeface="微軟正黑體" pitchFamily="34" charset="-120"/>
               </a:rPr>
-              <a:t>在我心中有數不盡</a:t>
-            </a:r>
-            <a:r>
-              <a:rPr lang="zh-TW" altLang="en-US" sz="5400" b="1" dirty="0">
-                <a:latin typeface="微軟正黑體" pitchFamily="34" charset="-120"/>
-                <a:ea typeface="微軟正黑體" pitchFamily="34" charset="-120"/>
-              </a:rPr>
-              <a:t>感恩</a:t>
-            </a:r>
-            <a:endParaRPr lang="en-US" altLang="zh-TW" sz="5400" b="1" dirty="0">
+              <a:t>我心中有千百萬心聲</a:t>
+            </a:r>
+            <a:endParaRPr lang="en-US" altLang="zh-TW" sz="6400" b="1" dirty="0">
+              <a:solidFill>
+                <a:srgbClr val="660033"/>
+              </a:solidFill>
               <a:latin typeface="微軟正黑體" pitchFamily="34" charset="-120"/>
               <a:ea typeface="微軟正黑體" pitchFamily="34" charset="-120"/>
             </a:endParaRPr>
@@ -3421,104 +3308,113 @@
               <a:buNone/>
             </a:pPr>
             <a:r>
-              <a:rPr lang="zh-TW" altLang="en-US" sz="5400" b="1" dirty="0">
+              <a:rPr lang="zh-TW" altLang="en-US" sz="6400" b="1" dirty="0">
+                <a:solidFill>
+                  <a:srgbClr val="660033"/>
+                </a:solidFill>
                 <a:latin typeface="微軟正黑體" pitchFamily="34" charset="-120"/>
                 <a:ea typeface="微軟正黑體" pitchFamily="34" charset="-120"/>
               </a:rPr>
-              <a:t>來</a:t>
-            </a:r>
-            <a:r>
-              <a:rPr lang="zh-TW" altLang="en-US" sz="5400" b="1" dirty="0">
-                <a:latin typeface="微軟正黑體" pitchFamily="34" charset="-120"/>
-                <a:ea typeface="微軟正黑體" pitchFamily="34" charset="-120"/>
-              </a:rPr>
-              <a:t>呈獻給我天上恩</a:t>
-            </a:r>
-            <a:r>
-              <a:rPr lang="zh-TW" altLang="en-US" sz="5400" b="1" dirty="0">
-                <a:latin typeface="微軟正黑體" pitchFamily="34" charset="-120"/>
-                <a:ea typeface="微軟正黑體" pitchFamily="34" charset="-120"/>
-              </a:rPr>
-              <a:t>主</a:t>
-            </a:r>
-            <a:endParaRPr lang="en-US" altLang="zh-TW" sz="5400" b="1" dirty="0">
+              <a:t>來呈獻給我天上的主</a:t>
+            </a:r>
+            <a:endParaRPr lang="en-US" altLang="zh-TW" sz="6400" b="1" dirty="0">
+              <a:solidFill>
+                <a:srgbClr val="660033"/>
+              </a:solidFill>
               <a:latin typeface="微軟正黑體" pitchFamily="34" charset="-120"/>
               <a:ea typeface="微軟正黑體" pitchFamily="34" charset="-120"/>
             </a:endParaRPr>
           </a:p>
-          <a:p>
-            <a:pPr algn="ctr">
-              <a:buNone/>
-            </a:pPr>
-            <a:r>
-              <a:rPr lang="zh-TW" altLang="en-US" sz="5400" b="1" dirty="0">
-                <a:latin typeface="微軟正黑體" pitchFamily="34" charset="-120"/>
-                <a:ea typeface="微軟正黑體" pitchFamily="34" charset="-120"/>
-              </a:rPr>
-              <a:t>願</a:t>
-            </a:r>
-            <a:r>
-              <a:rPr lang="zh-TW" altLang="en-US" sz="5400" b="1" dirty="0">
-                <a:latin typeface="微軟正黑體" pitchFamily="34" charset="-120"/>
-                <a:ea typeface="微軟正黑體" pitchFamily="34" charset="-120"/>
-              </a:rPr>
-              <a:t>見證傳揚主恩典多麼</a:t>
-            </a:r>
-            <a:r>
-              <a:rPr lang="zh-TW" altLang="en-US" sz="5400" b="1" dirty="0">
-                <a:latin typeface="微軟正黑體" pitchFamily="34" charset="-120"/>
-                <a:ea typeface="微軟正黑體" pitchFamily="34" charset="-120"/>
-              </a:rPr>
-              <a:t>美</a:t>
-            </a:r>
-            <a:endParaRPr lang="en-US" altLang="zh-TW" sz="5400" b="1" dirty="0">
-              <a:latin typeface="微軟正黑體" pitchFamily="34" charset="-120"/>
-              <a:ea typeface="微軟正黑體" pitchFamily="34" charset="-120"/>
+        </p:txBody>
+      </p:sp>
+      <p:sp>
+        <p:nvSpPr>
+          <p:cNvPr id="3" name="TextBox 2"/>
+          <p:cNvSpPr txBox="1"/>
+          <p:nvPr/>
+        </p:nvSpPr>
+        <p:spPr>
+          <a:xfrm>
+            <a:off x="0" y="5157193"/>
+            <a:ext cx="12192000" cy="584775"/>
+          </a:xfrm>
+          <a:prstGeom prst="rect">
+            <a:avLst/>
+          </a:prstGeom>
+          <a:noFill/>
+        </p:spPr>
+        <p:txBody>
+          <a:bodyPr wrap="square" rtlCol="0">
+            <a:spAutoFit/>
+          </a:bodyPr>
+          <a:lstStyle/>
+          <a:p>
+            <a:pPr algn="ctr"/>
+            <a:r>
+              <a:rPr lang="en-US" sz="3200" b="1" dirty="0">
+                <a:solidFill>
+                  <a:srgbClr val="660033"/>
+                </a:solidFill>
+                <a:latin typeface="Microsoft JhengHei" panose="020B0604030504040204" pitchFamily="34" charset="-120"/>
+                <a:ea typeface="Microsoft JhengHei" panose="020B0604030504040204" pitchFamily="34" charset="-120"/>
+              </a:rPr>
+              <a:t>( </a:t>
+            </a:r>
+            <a:r>
+              <a:rPr lang="zh-CN" altLang="en-US" sz="3200" b="1" dirty="0" smtClean="0">
+                <a:solidFill>
+                  <a:srgbClr val="660033"/>
+                </a:solidFill>
+                <a:latin typeface="Microsoft JhengHei" panose="020B0604030504040204" pitchFamily="34" charset="-120"/>
+                <a:ea typeface="Microsoft JhengHei" panose="020B0604030504040204" pitchFamily="34" charset="-120"/>
+              </a:rPr>
+              <a:t>正</a:t>
+            </a:r>
+            <a:r>
+              <a:rPr lang="zh-CN" altLang="en-US" sz="3200" b="1" dirty="0">
+                <a:solidFill>
+                  <a:srgbClr val="660033"/>
+                </a:solidFill>
+                <a:latin typeface="Microsoft JhengHei" panose="020B0604030504040204" pitchFamily="34" charset="-120"/>
+                <a:ea typeface="Microsoft JhengHei" panose="020B0604030504040204" pitchFamily="34" charset="-120"/>
+              </a:rPr>
+              <a:t>歌</a:t>
+            </a:r>
+            <a:r>
+              <a:rPr lang="en-US" sz="3200" b="1" dirty="0" smtClean="0">
+                <a:solidFill>
+                  <a:srgbClr val="660033"/>
+                </a:solidFill>
+                <a:latin typeface="Microsoft JhengHei" panose="020B0604030504040204" pitchFamily="34" charset="-120"/>
+                <a:ea typeface="Microsoft JhengHei" panose="020B0604030504040204" pitchFamily="34" charset="-120"/>
+              </a:rPr>
+              <a:t> </a:t>
+            </a:r>
+            <a:r>
+              <a:rPr lang="en-US" sz="3200" b="1" dirty="0">
+                <a:solidFill>
+                  <a:srgbClr val="660033"/>
+                </a:solidFill>
+                <a:latin typeface="Microsoft JhengHei" panose="020B0604030504040204" pitchFamily="34" charset="-120"/>
+                <a:ea typeface="Microsoft JhengHei" panose="020B0604030504040204" pitchFamily="34" charset="-120"/>
+              </a:rPr>
+              <a:t>)</a:t>
+            </a:r>
+            <a:endParaRPr lang="vi-VN" sz="3200" b="1" dirty="0">
+              <a:solidFill>
+                <a:srgbClr val="660033"/>
+              </a:solidFill>
+              <a:ea typeface="Microsoft JhengHei" panose="020B0604030504040204" pitchFamily="34" charset="-120"/>
             </a:endParaRPr>
           </a:p>
-          <a:p>
-            <a:pPr algn="ctr">
-              <a:buNone/>
-            </a:pPr>
-            <a:r>
-              <a:rPr lang="zh-TW" altLang="en-US" sz="5400" b="1" dirty="0">
-                <a:latin typeface="微軟正黑體" pitchFamily="34" charset="-120"/>
-                <a:ea typeface="微軟正黑體" pitchFamily="34" charset="-120"/>
-              </a:rPr>
-              <a:t>感</a:t>
-            </a:r>
-            <a:r>
-              <a:rPr lang="zh-TW" altLang="en-US" sz="5400" b="1" dirty="0" smtClean="0">
-                <a:latin typeface="微軟正黑體" pitchFamily="34" charset="-120"/>
-                <a:ea typeface="微軟正黑體" pitchFamily="34" charset="-120"/>
-              </a:rPr>
-              <a:t>激</a:t>
-            </a:r>
-            <a:r>
-              <a:rPr lang="zh-CN" altLang="en-US" sz="5400" b="1" dirty="0">
-                <a:latin typeface="微軟正黑體" pitchFamily="34" charset="-120"/>
-                <a:ea typeface="微軟正黑體" pitchFamily="34" charset="-120"/>
-              </a:rPr>
-              <a:t>袮</a:t>
-            </a:r>
-            <a:r>
-              <a:rPr lang="zh-TW" altLang="en-US" sz="5400" b="1" dirty="0" smtClean="0">
-                <a:latin typeface="微軟正黑體" pitchFamily="34" charset="-120"/>
-                <a:ea typeface="微軟正黑體" pitchFamily="34" charset="-120"/>
-              </a:rPr>
-              <a:t>常</a:t>
-            </a:r>
-            <a:r>
-              <a:rPr lang="zh-TW" altLang="en-US" sz="5400" b="1" dirty="0">
-                <a:latin typeface="微軟正黑體" pitchFamily="34" charset="-120"/>
-                <a:ea typeface="微軟正黑體" pitchFamily="34" charset="-120"/>
-              </a:rPr>
-              <a:t>顧念扶持</a:t>
-            </a:r>
-          </a:p>
         </p:txBody>
       </p:sp>
     </p:spTree>
+    <p:extLst>
+      <p:ext uri="{BB962C8B-B14F-4D97-AF65-F5344CB8AC3E}">
+        <p14:creationId xmlns:p14="http://schemas.microsoft.com/office/powerpoint/2010/main" val="4096427504"/>
+      </p:ext>
+    </p:extLst>
   </p:cSld>
   <p:clrMapOvr>
     <a:masterClrMapping/>
@@ -3545,78 +3441,53 @@
       </p:grpSpPr>
       <p:sp>
         <p:nvSpPr>
-          <p:cNvPr id="4" name="標題 3"/>
-          <p:cNvSpPr>
-            <a:spLocks noGrp="1"/>
-          </p:cNvSpPr>
-          <p:nvPr>
-            <p:ph type="title"/>
-          </p:nvPr>
-        </p:nvSpPr>
-        <p:spPr/>
-        <p:txBody>
-          <a:bodyPr>
+          <p:cNvPr id="5" name="內容版面配置區 4"/>
+          <p:cNvSpPr>
+            <a:spLocks noGrp="1"/>
+          </p:cNvSpPr>
+          <p:nvPr>
+            <p:ph idx="1"/>
+          </p:nvPr>
+        </p:nvSpPr>
+        <p:spPr>
+          <a:xfrm>
+            <a:off x="0" y="2084851"/>
+            <a:ext cx="12192000" cy="2404863"/>
+          </a:xfrm>
+        </p:spPr>
+        <p:txBody>
+          <a:bodyPr anchor="ctr">
             <a:normAutofit/>
           </a:bodyPr>
           <a:lstStyle/>
           <a:p>
-            <a:r>
-              <a:rPr lang="zh-TW" altLang="en-US" sz="4800" b="1" dirty="0">
+            <a:pPr algn="ctr">
+              <a:buNone/>
+            </a:pPr>
+            <a:r>
+              <a:rPr lang="zh-TW" altLang="en-US" sz="6400" b="1" dirty="0">
+                <a:solidFill>
+                  <a:srgbClr val="660033"/>
+                </a:solidFill>
                 <a:latin typeface="微軟正黑體" pitchFamily="34" charset="-120"/>
                 <a:ea typeface="微軟正黑體" pitchFamily="34" charset="-120"/>
               </a:rPr>
-              <a:t>獻給我天上的主</a:t>
-            </a:r>
-          </a:p>
-        </p:txBody>
-      </p:sp>
-      <p:sp>
-        <p:nvSpPr>
-          <p:cNvPr id="5" name="內容版面配置區 4"/>
-          <p:cNvSpPr>
-            <a:spLocks noGrp="1"/>
-          </p:cNvSpPr>
-          <p:nvPr>
-            <p:ph idx="1"/>
-          </p:nvPr>
-        </p:nvSpPr>
-        <p:spPr>
-          <a:xfrm>
-            <a:off x="1524000" y="1600201"/>
-            <a:ext cx="9144000" cy="4525963"/>
-          </a:xfrm>
-        </p:spPr>
-        <p:txBody>
-          <a:bodyPr>
-            <a:normAutofit/>
-          </a:bodyPr>
-          <a:lstStyle/>
-          <a:p>
-            <a:pPr algn="ctr">
-              <a:buNone/>
-            </a:pPr>
-            <a:r>
-              <a:rPr lang="zh-TW" altLang="en-US" sz="5400" b="1" dirty="0">
+              <a:t>願讚美崇揚都一一歸給</a:t>
+            </a:r>
+            <a:r>
+              <a:rPr lang="zh-CN" altLang="en-US" sz="6400" b="1" dirty="0">
+                <a:solidFill>
+                  <a:srgbClr val="660033"/>
+                </a:solidFill>
                 <a:latin typeface="微軟正黑體" pitchFamily="34" charset="-120"/>
                 <a:ea typeface="微軟正黑體" pitchFamily="34" charset="-120"/>
               </a:rPr>
-              <a:t>齊真心呈獻讚美</a:t>
-            </a:r>
-            <a:r>
-              <a:rPr lang="zh-TW" altLang="en-US" sz="5400" b="1" dirty="0" smtClean="0">
-                <a:latin typeface="微軟正黑體" pitchFamily="34" charset="-120"/>
-                <a:ea typeface="微軟正黑體" pitchFamily="34" charset="-120"/>
-              </a:rPr>
-              <a:t>給</a:t>
-            </a:r>
-            <a:r>
-              <a:rPr lang="zh-CN" altLang="en-US" sz="5400" b="1" dirty="0">
-                <a:latin typeface="微軟正黑體" pitchFamily="34" charset="-120"/>
-                <a:ea typeface="微軟正黑體" pitchFamily="34" charset="-120"/>
-              </a:rPr>
-              <a:t>袮</a:t>
-            </a:r>
-            <a:endParaRPr lang="en-US" altLang="zh-TW" sz="5400" b="1" dirty="0">
+              <a:t>祢</a:t>
+            </a:r>
+            <a:endParaRPr lang="en-US" altLang="zh-TW" sz="6400" b="1" dirty="0">
+              <a:solidFill>
+                <a:srgbClr val="660033"/>
+              </a:solidFill>
               <a:latin typeface="微軟正黑體" pitchFamily="34" charset="-120"/>
               <a:ea typeface="微軟正黑體" pitchFamily="34" charset="-120"/>
             </a:endParaRPr>
@@ -3626,104 +3497,126 @@
               <a:buNone/>
             </a:pPr>
             <a:r>
-              <a:rPr lang="zh-TW" altLang="en-US" sz="5400" b="1" dirty="0">
+              <a:rPr lang="zh-TW" altLang="en-US" sz="6400" b="1" dirty="0">
+                <a:solidFill>
+                  <a:srgbClr val="660033"/>
+                </a:solidFill>
                 <a:latin typeface="微軟正黑體" pitchFamily="34" charset="-120"/>
                 <a:ea typeface="微軟正黑體" pitchFamily="34" charset="-120"/>
               </a:rPr>
-              <a:t>盡</a:t>
-            </a:r>
-            <a:r>
-              <a:rPr lang="zh-TW" altLang="en-US" sz="5400" b="1" dirty="0">
+              <a:t>主</a:t>
+            </a:r>
+            <a:r>
+              <a:rPr lang="zh-CN" altLang="en-US" sz="6400" b="1" dirty="0">
+                <a:solidFill>
+                  <a:srgbClr val="660033"/>
+                </a:solidFill>
                 <a:latin typeface="微軟正黑體" pitchFamily="34" charset="-120"/>
                 <a:ea typeface="微軟正黑體" pitchFamily="34" charset="-120"/>
               </a:rPr>
-              <a:t>我心意頌唱每篇的</a:t>
-            </a:r>
-            <a:r>
-              <a:rPr lang="zh-TW" altLang="en-US" sz="5400" b="1" dirty="0">
+              <a:t>祢</a:t>
+            </a:r>
+            <a:r>
+              <a:rPr lang="zh-TW" altLang="en-US" sz="6400" b="1" dirty="0">
+                <a:solidFill>
+                  <a:srgbClr val="660033"/>
+                </a:solidFill>
                 <a:latin typeface="微軟正黑體" pitchFamily="34" charset="-120"/>
                 <a:ea typeface="微軟正黑體" pitchFamily="34" charset="-120"/>
               </a:rPr>
-              <a:t>詩句</a:t>
-            </a:r>
-            <a:endParaRPr lang="en-US" altLang="zh-TW" sz="5400" b="1" dirty="0">
-              <a:latin typeface="微軟正黑體" pitchFamily="34" charset="-120"/>
-              <a:ea typeface="微軟正黑體" pitchFamily="34" charset="-120"/>
+              <a:t>是偉大完美</a:t>
+            </a:r>
+          </a:p>
+        </p:txBody>
+      </p:sp>
+      <p:sp>
+        <p:nvSpPr>
+          <p:cNvPr id="3" name="TextBox 2"/>
+          <p:cNvSpPr txBox="1"/>
+          <p:nvPr/>
+        </p:nvSpPr>
+        <p:spPr>
+          <a:xfrm>
+            <a:off x="0" y="5157193"/>
+            <a:ext cx="12192000" cy="584775"/>
+          </a:xfrm>
+          <a:prstGeom prst="rect">
+            <a:avLst/>
+          </a:prstGeom>
+          <a:noFill/>
+        </p:spPr>
+        <p:txBody>
+          <a:bodyPr wrap="square" rtlCol="0">
+            <a:spAutoFit/>
+          </a:bodyPr>
+          <a:lstStyle/>
+          <a:p>
+            <a:pPr algn="ctr"/>
+            <a:r>
+              <a:rPr lang="en-US" sz="3200" b="1" dirty="0">
+                <a:solidFill>
+                  <a:srgbClr val="660033"/>
+                </a:solidFill>
+                <a:latin typeface="Microsoft JhengHei" panose="020B0604030504040204" pitchFamily="34" charset="-120"/>
+                <a:ea typeface="Microsoft JhengHei" panose="020B0604030504040204" pitchFamily="34" charset="-120"/>
+              </a:rPr>
+              <a:t>( </a:t>
+            </a:r>
+            <a:r>
+              <a:rPr lang="zh-CN" altLang="en-US" sz="3200" b="1" dirty="0" smtClean="0">
+                <a:solidFill>
+                  <a:srgbClr val="660033"/>
+                </a:solidFill>
+                <a:latin typeface="Microsoft JhengHei" panose="020B0604030504040204" pitchFamily="34" charset="-120"/>
+                <a:ea typeface="Microsoft JhengHei" panose="020B0604030504040204" pitchFamily="34" charset="-120"/>
+              </a:rPr>
+              <a:t>正</a:t>
+            </a:r>
+            <a:r>
+              <a:rPr lang="zh-CN" altLang="en-US" sz="3200" b="1" dirty="0">
+                <a:solidFill>
+                  <a:srgbClr val="660033"/>
+                </a:solidFill>
+                <a:latin typeface="Microsoft JhengHei" panose="020B0604030504040204" pitchFamily="34" charset="-120"/>
+                <a:ea typeface="Microsoft JhengHei" panose="020B0604030504040204" pitchFamily="34" charset="-120"/>
+              </a:rPr>
+              <a:t>歌</a:t>
+            </a:r>
+            <a:r>
+              <a:rPr lang="en-US" sz="3200" b="1" dirty="0" smtClean="0">
+                <a:solidFill>
+                  <a:srgbClr val="660033"/>
+                </a:solidFill>
+                <a:latin typeface="Microsoft JhengHei" panose="020B0604030504040204" pitchFamily="34" charset="-120"/>
+                <a:ea typeface="Microsoft JhengHei" panose="020B0604030504040204" pitchFamily="34" charset="-120"/>
+              </a:rPr>
+              <a:t> </a:t>
+            </a:r>
+            <a:r>
+              <a:rPr lang="en-US" sz="3200" b="1" dirty="0">
+                <a:solidFill>
+                  <a:srgbClr val="660033"/>
+                </a:solidFill>
+                <a:latin typeface="Microsoft JhengHei" panose="020B0604030504040204" pitchFamily="34" charset="-120"/>
+                <a:ea typeface="Microsoft JhengHei" panose="020B0604030504040204" pitchFamily="34" charset="-120"/>
+              </a:rPr>
+              <a:t>)</a:t>
+            </a:r>
+            <a:endParaRPr lang="vi-VN" sz="3200" b="1" dirty="0">
+              <a:solidFill>
+                <a:srgbClr val="660033"/>
+              </a:solidFill>
+              <a:ea typeface="Microsoft JhengHei" panose="020B0604030504040204" pitchFamily="34" charset="-120"/>
             </a:endParaRPr>
           </a:p>
-          <a:p>
-            <a:pPr algn="ctr">
-              <a:buNone/>
-            </a:pPr>
-            <a:r>
-              <a:rPr lang="zh-TW" altLang="en-US" sz="5400" b="1" dirty="0">
-                <a:latin typeface="微軟正黑體" pitchFamily="34" charset="-120"/>
-                <a:ea typeface="微軟正黑體" pitchFamily="34" charset="-120"/>
-              </a:rPr>
-              <a:t>齊</a:t>
-            </a:r>
-            <a:r>
-              <a:rPr lang="zh-TW" altLang="en-US" sz="5400" b="1" dirty="0">
-                <a:latin typeface="微軟正黑體" pitchFamily="34" charset="-120"/>
-                <a:ea typeface="微軟正黑體" pitchFamily="34" charset="-120"/>
-              </a:rPr>
-              <a:t>舉手呈獻敬拜永遠歸</a:t>
-            </a:r>
-            <a:r>
-              <a:rPr lang="zh-TW" altLang="en-US" sz="5400" b="1" dirty="0" smtClean="0">
-                <a:latin typeface="微軟正黑體" pitchFamily="34" charset="-120"/>
-                <a:ea typeface="微軟正黑體" pitchFamily="34" charset="-120"/>
-              </a:rPr>
-              <a:t>給</a:t>
-            </a:r>
-            <a:r>
-              <a:rPr lang="zh-CN" altLang="en-US" sz="5400" b="1" dirty="0">
-                <a:latin typeface="微軟正黑體" pitchFamily="34" charset="-120"/>
-                <a:ea typeface="微軟正黑體" pitchFamily="34" charset="-120"/>
-              </a:rPr>
-              <a:t>袮</a:t>
-            </a:r>
-            <a:endParaRPr lang="en-US" altLang="zh-TW" sz="5400" b="1" dirty="0">
-              <a:latin typeface="微軟正黑體" pitchFamily="34" charset="-120"/>
-              <a:ea typeface="微軟正黑體" pitchFamily="34" charset="-120"/>
-            </a:endParaRPr>
-          </a:p>
-          <a:p>
-            <a:pPr algn="ctr">
-              <a:buNone/>
-            </a:pPr>
-            <a:r>
-              <a:rPr lang="zh-TW" altLang="en-US" sz="5400" b="1" dirty="0" smtClean="0">
-                <a:latin typeface="微軟正黑體" pitchFamily="34" charset="-120"/>
-                <a:ea typeface="微軟正黑體" pitchFamily="34" charset="-120"/>
-              </a:rPr>
-              <a:t>為</a:t>
-            </a:r>
-            <a:r>
-              <a:rPr lang="zh-CN" altLang="en-US" sz="5400" b="1" dirty="0">
-                <a:latin typeface="微軟正黑體" pitchFamily="34" charset="-120"/>
-                <a:ea typeface="微軟正黑體" pitchFamily="34" charset="-120"/>
-              </a:rPr>
-              <a:t>袮</a:t>
-            </a:r>
-            <a:r>
-              <a:rPr lang="zh-TW" altLang="en-US" sz="5400" b="1" dirty="0" smtClean="0">
-                <a:latin typeface="微軟正黑體" pitchFamily="34" charset="-120"/>
-                <a:ea typeface="微軟正黑體" pitchFamily="34" charset="-120"/>
-              </a:rPr>
-              <a:t>我</a:t>
-            </a:r>
-            <a:r>
-              <a:rPr lang="zh-TW" altLang="en-US" sz="5400" b="1" dirty="0">
-                <a:latin typeface="微軟正黑體" pitchFamily="34" charset="-120"/>
-                <a:ea typeface="微軟正黑體" pitchFamily="34" charset="-120"/>
-              </a:rPr>
-              <a:t>獻上頌讚</a:t>
-            </a:r>
-          </a:p>
         </p:txBody>
       </p:sp>
     </p:spTree>
+    <p:extLst>
+      <p:ext uri="{BB962C8B-B14F-4D97-AF65-F5344CB8AC3E}">
+        <p14:creationId xmlns:p14="http://schemas.microsoft.com/office/powerpoint/2010/main" val="3984991528"/>
+      </p:ext>
+    </p:extLst>
   </p:cSld>
   <p:clrMapOvr>
     <a:masterClrMapping/>
@@ -3750,92 +3643,43 @@
       </p:grpSpPr>
       <p:sp>
         <p:nvSpPr>
-          <p:cNvPr id="4" name="標題 3"/>
-          <p:cNvSpPr>
-            <a:spLocks noGrp="1"/>
-          </p:cNvSpPr>
-          <p:nvPr>
-            <p:ph type="title"/>
-          </p:nvPr>
-        </p:nvSpPr>
-        <p:spPr/>
-        <p:txBody>
-          <a:bodyPr>
+          <p:cNvPr id="5" name="內容版面配置區 4"/>
+          <p:cNvSpPr>
+            <a:spLocks noGrp="1"/>
+          </p:cNvSpPr>
+          <p:nvPr>
+            <p:ph idx="1"/>
+          </p:nvPr>
+        </p:nvSpPr>
+        <p:spPr>
+          <a:xfrm>
+            <a:off x="0" y="2084851"/>
+            <a:ext cx="12192000" cy="2404863"/>
+          </a:xfrm>
+        </p:spPr>
+        <p:txBody>
+          <a:bodyPr anchor="ctr">
             <a:normAutofit/>
           </a:bodyPr>
           <a:lstStyle/>
           <a:p>
-            <a:r>
-              <a:rPr lang="zh-TW" altLang="en-US" sz="4800" b="1" dirty="0">
+            <a:pPr algn="ctr">
+              <a:buNone/>
+            </a:pPr>
+            <a:r>
+              <a:rPr lang="zh-TW" altLang="en-US" sz="6400" b="1" dirty="0">
+                <a:solidFill>
+                  <a:srgbClr val="660033"/>
+                </a:solidFill>
                 <a:latin typeface="微軟正黑體" pitchFamily="34" charset="-120"/>
                 <a:ea typeface="微軟正黑體" pitchFamily="34" charset="-120"/>
               </a:rPr>
-              <a:t>獻給我天上的主</a:t>
-            </a:r>
-          </a:p>
-        </p:txBody>
-      </p:sp>
-      <p:sp>
-        <p:nvSpPr>
-          <p:cNvPr id="5" name="內容版面配置區 4"/>
-          <p:cNvSpPr>
-            <a:spLocks noGrp="1"/>
-          </p:cNvSpPr>
-          <p:nvPr>
-            <p:ph idx="1"/>
-          </p:nvPr>
-        </p:nvSpPr>
-        <p:spPr>
-          <a:xfrm>
-            <a:off x="1524000" y="1600201"/>
-            <a:ext cx="9144000" cy="4525963"/>
-          </a:xfrm>
-        </p:spPr>
-        <p:txBody>
-          <a:bodyPr>
-            <a:normAutofit/>
-          </a:bodyPr>
-          <a:lstStyle/>
-          <a:p>
-            <a:pPr algn="ctr">
-              <a:buNone/>
-            </a:pPr>
-            <a:r>
-              <a:rPr lang="zh-TW" altLang="en-US" sz="5400" b="1" dirty="0" smtClean="0">
-                <a:latin typeface="微軟正黑體" pitchFamily="34" charset="-120"/>
-                <a:ea typeface="微軟正黑體" pitchFamily="34" charset="-120"/>
-              </a:rPr>
-              <a:t>為</a:t>
-            </a:r>
-            <a:r>
-              <a:rPr lang="zh-CN" altLang="en-US" sz="5400" b="1" dirty="0">
-                <a:latin typeface="微軟正黑體" pitchFamily="34" charset="-120"/>
-                <a:ea typeface="微軟正黑體" pitchFamily="34" charset="-120"/>
-              </a:rPr>
-              <a:t>袮</a:t>
-            </a:r>
-            <a:r>
-              <a:rPr lang="zh-TW" altLang="en-US" sz="5400" b="1" dirty="0" smtClean="0">
-                <a:latin typeface="微軟正黑體" pitchFamily="34" charset="-120"/>
-                <a:ea typeface="微軟正黑體" pitchFamily="34" charset="-120"/>
-              </a:rPr>
-              <a:t>我</a:t>
-            </a:r>
-            <a:r>
-              <a:rPr lang="zh-TW" altLang="en-US" sz="5400" b="1" dirty="0">
-                <a:latin typeface="微軟正黑體" pitchFamily="34" charset="-120"/>
-                <a:ea typeface="微軟正黑體" pitchFamily="34" charset="-120"/>
-              </a:rPr>
-              <a:t>獻作活</a:t>
-            </a:r>
-            <a:r>
-              <a:rPr lang="zh-TW" altLang="en-US" sz="5400" b="1" dirty="0">
-                <a:latin typeface="微軟正黑體" pitchFamily="34" charset="-120"/>
-                <a:ea typeface="微軟正黑體" pitchFamily="34" charset="-120"/>
-              </a:rPr>
-              <a:t>祭</a:t>
-            </a:r>
-            <a:endParaRPr lang="en-US" altLang="zh-TW" sz="5400" b="1" dirty="0">
+              <a:t>在我心中有數不盡感恩</a:t>
+            </a:r>
+            <a:endParaRPr lang="en-US" altLang="zh-TW" sz="6400" b="1" dirty="0">
+              <a:solidFill>
+                <a:srgbClr val="660033"/>
+              </a:solidFill>
               <a:latin typeface="微軟正黑體" pitchFamily="34" charset="-120"/>
               <a:ea typeface="微軟正黑體" pitchFamily="34" charset="-120"/>
             </a:endParaRPr>
@@ -3845,23 +3689,851 @@
               <a:buNone/>
             </a:pPr>
             <a:r>
-              <a:rPr lang="zh-TW" altLang="en-US" sz="5400" b="1" dirty="0">
+              <a:rPr lang="zh-TW" altLang="en-US" sz="6400" b="1" dirty="0">
+                <a:solidFill>
+                  <a:srgbClr val="660033"/>
+                </a:solidFill>
                 <a:latin typeface="微軟正黑體" pitchFamily="34" charset="-120"/>
                 <a:ea typeface="微軟正黑體" pitchFamily="34" charset="-120"/>
               </a:rPr>
-              <a:t>讓</a:t>
-            </a:r>
-            <a:r>
-              <a:rPr lang="zh-TW" altLang="en-US" sz="5400" b="1" dirty="0">
+              <a:t>來呈獻給我天上恩主</a:t>
+            </a:r>
+            <a:endParaRPr lang="en-US" altLang="zh-TW" sz="6400" b="1" dirty="0">
+              <a:solidFill>
+                <a:srgbClr val="660033"/>
+              </a:solidFill>
+              <a:latin typeface="微軟正黑體" pitchFamily="34" charset="-120"/>
+              <a:ea typeface="微軟正黑體" pitchFamily="34" charset="-120"/>
+            </a:endParaRPr>
+          </a:p>
+        </p:txBody>
+      </p:sp>
+      <p:sp>
+        <p:nvSpPr>
+          <p:cNvPr id="3" name="TextBox 2"/>
+          <p:cNvSpPr txBox="1"/>
+          <p:nvPr/>
+        </p:nvSpPr>
+        <p:spPr>
+          <a:xfrm>
+            <a:off x="0" y="5157193"/>
+            <a:ext cx="12192000" cy="584775"/>
+          </a:xfrm>
+          <a:prstGeom prst="rect">
+            <a:avLst/>
+          </a:prstGeom>
+          <a:noFill/>
+        </p:spPr>
+        <p:txBody>
+          <a:bodyPr wrap="square" rtlCol="0">
+            <a:spAutoFit/>
+          </a:bodyPr>
+          <a:lstStyle/>
+          <a:p>
+            <a:pPr algn="ctr"/>
+            <a:r>
+              <a:rPr lang="en-US" sz="3200" b="1" dirty="0">
+                <a:solidFill>
+                  <a:srgbClr val="660033"/>
+                </a:solidFill>
+                <a:latin typeface="Microsoft JhengHei" panose="020B0604030504040204" pitchFamily="34" charset="-120"/>
+                <a:ea typeface="Microsoft JhengHei" panose="020B0604030504040204" pitchFamily="34" charset="-120"/>
+              </a:rPr>
+              <a:t>( </a:t>
+            </a:r>
+            <a:r>
+              <a:rPr lang="zh-CN" altLang="en-US" sz="3200" b="1" dirty="0" smtClean="0">
+                <a:solidFill>
+                  <a:srgbClr val="660033"/>
+                </a:solidFill>
+                <a:latin typeface="Microsoft JhengHei" panose="020B0604030504040204" pitchFamily="34" charset="-120"/>
+                <a:ea typeface="Microsoft JhengHei" panose="020B0604030504040204" pitchFamily="34" charset="-120"/>
+              </a:rPr>
+              <a:t>正</a:t>
+            </a:r>
+            <a:r>
+              <a:rPr lang="zh-CN" altLang="en-US" sz="3200" b="1" dirty="0">
+                <a:solidFill>
+                  <a:srgbClr val="660033"/>
+                </a:solidFill>
+                <a:latin typeface="Microsoft JhengHei" panose="020B0604030504040204" pitchFamily="34" charset="-120"/>
+                <a:ea typeface="Microsoft JhengHei" panose="020B0604030504040204" pitchFamily="34" charset="-120"/>
+              </a:rPr>
+              <a:t>歌</a:t>
+            </a:r>
+            <a:r>
+              <a:rPr lang="en-US" sz="3200" b="1" dirty="0" smtClean="0">
+                <a:solidFill>
+                  <a:srgbClr val="660033"/>
+                </a:solidFill>
+                <a:latin typeface="Microsoft JhengHei" panose="020B0604030504040204" pitchFamily="34" charset="-120"/>
+                <a:ea typeface="Microsoft JhengHei" panose="020B0604030504040204" pitchFamily="34" charset="-120"/>
+              </a:rPr>
+              <a:t> </a:t>
+            </a:r>
+            <a:r>
+              <a:rPr lang="en-US" sz="3200" b="1" dirty="0">
+                <a:solidFill>
+                  <a:srgbClr val="660033"/>
+                </a:solidFill>
+                <a:latin typeface="Microsoft JhengHei" panose="020B0604030504040204" pitchFamily="34" charset="-120"/>
+                <a:ea typeface="Microsoft JhengHei" panose="020B0604030504040204" pitchFamily="34" charset="-120"/>
+              </a:rPr>
+              <a:t>)</a:t>
+            </a:r>
+            <a:endParaRPr lang="vi-VN" sz="3200" b="1" dirty="0">
+              <a:solidFill>
+                <a:srgbClr val="660033"/>
+              </a:solidFill>
+              <a:ea typeface="Microsoft JhengHei" panose="020B0604030504040204" pitchFamily="34" charset="-120"/>
+            </a:endParaRPr>
+          </a:p>
+        </p:txBody>
+      </p:sp>
+    </p:spTree>
+    <p:extLst>
+      <p:ext uri="{BB962C8B-B14F-4D97-AF65-F5344CB8AC3E}">
+        <p14:creationId xmlns:p14="http://schemas.microsoft.com/office/powerpoint/2010/main" val="1494163047"/>
+      </p:ext>
+    </p:extLst>
+  </p:cSld>
+  <p:clrMapOvr>
+    <a:masterClrMapping/>
+  </p:clrMapOvr>
+</p:sld>
+</file>
+
+<file path=ppt/slides/slide5.xml><?xml version="1.0" encoding="utf-8"?>
+<p:sld xmlns:a="http://schemas.openxmlformats.org/drawingml/2006/main" xmlns:r="http://schemas.openxmlformats.org/officeDocument/2006/relationships" xmlns:p="http://schemas.openxmlformats.org/presentationml/2006/main">
+  <p:cSld>
+    <p:spTree>
+      <p:nvGrpSpPr>
+        <p:cNvPr id="1" name=""/>
+        <p:cNvGrpSpPr/>
+        <p:nvPr/>
+      </p:nvGrpSpPr>
+      <p:grpSpPr>
+        <a:xfrm>
+          <a:off x="0" y="0"/>
+          <a:ext cx="0" cy="0"/>
+          <a:chOff x="0" y="0"/>
+          <a:chExt cx="0" cy="0"/>
+        </a:xfrm>
+      </p:grpSpPr>
+      <p:sp>
+        <p:nvSpPr>
+          <p:cNvPr id="5" name="內容版面配置區 4"/>
+          <p:cNvSpPr>
+            <a:spLocks noGrp="1"/>
+          </p:cNvSpPr>
+          <p:nvPr>
+            <p:ph idx="1"/>
+          </p:nvPr>
+        </p:nvSpPr>
+        <p:spPr>
+          <a:xfrm>
+            <a:off x="0" y="2084851"/>
+            <a:ext cx="12192000" cy="2404863"/>
+          </a:xfrm>
+        </p:spPr>
+        <p:txBody>
+          <a:bodyPr anchor="ctr">
+            <a:normAutofit/>
+          </a:bodyPr>
+          <a:lstStyle/>
+          <a:p>
+            <a:pPr algn="ctr">
+              <a:buNone/>
+            </a:pPr>
+            <a:r>
+              <a:rPr lang="zh-TW" altLang="en-US" sz="6400" b="1" dirty="0">
+                <a:solidFill>
+                  <a:srgbClr val="660033"/>
+                </a:solidFill>
                 <a:latin typeface="微軟正黑體" pitchFamily="34" charset="-120"/>
                 <a:ea typeface="微軟正黑體" pitchFamily="34" charset="-120"/>
               </a:rPr>
-              <a:t>我永化作活祭</a:t>
-            </a:r>
+              <a:t>願見證傳揚主恩典多麼美</a:t>
+            </a:r>
+            <a:endParaRPr lang="en-US" altLang="zh-TW" sz="6400" b="1" dirty="0">
+              <a:solidFill>
+                <a:srgbClr val="660033"/>
+              </a:solidFill>
+              <a:latin typeface="微軟正黑體" pitchFamily="34" charset="-120"/>
+              <a:ea typeface="微軟正黑體" pitchFamily="34" charset="-120"/>
+            </a:endParaRPr>
+          </a:p>
+          <a:p>
+            <a:pPr algn="ctr">
+              <a:buNone/>
+            </a:pPr>
+            <a:r>
+              <a:rPr lang="zh-TW" altLang="en-US" sz="6400" b="1" dirty="0">
+                <a:solidFill>
+                  <a:srgbClr val="660033"/>
+                </a:solidFill>
+                <a:latin typeface="微軟正黑體" pitchFamily="34" charset="-120"/>
+                <a:ea typeface="微軟正黑體" pitchFamily="34" charset="-120"/>
+              </a:rPr>
+              <a:t>感激</a:t>
+            </a:r>
+            <a:r>
+              <a:rPr lang="zh-CN" altLang="en-US" sz="6400" b="1" dirty="0">
+                <a:solidFill>
+                  <a:srgbClr val="660033"/>
+                </a:solidFill>
+                <a:latin typeface="微軟正黑體" pitchFamily="34" charset="-120"/>
+                <a:ea typeface="微軟正黑體" pitchFamily="34" charset="-120"/>
+              </a:rPr>
+              <a:t>祢</a:t>
+            </a:r>
+            <a:r>
+              <a:rPr lang="zh-TW" altLang="en-US" sz="6400" b="1" dirty="0">
+                <a:solidFill>
+                  <a:srgbClr val="660033"/>
+                </a:solidFill>
+                <a:latin typeface="微軟正黑體" pitchFamily="34" charset="-120"/>
+                <a:ea typeface="微軟正黑體" pitchFamily="34" charset="-120"/>
+              </a:rPr>
+              <a:t>常顧念扶持</a:t>
+            </a:r>
+          </a:p>
+        </p:txBody>
+      </p:sp>
+      <p:sp>
+        <p:nvSpPr>
+          <p:cNvPr id="3" name="TextBox 2"/>
+          <p:cNvSpPr txBox="1"/>
+          <p:nvPr/>
+        </p:nvSpPr>
+        <p:spPr>
+          <a:xfrm>
+            <a:off x="0" y="5157193"/>
+            <a:ext cx="12192000" cy="584775"/>
+          </a:xfrm>
+          <a:prstGeom prst="rect">
+            <a:avLst/>
+          </a:prstGeom>
+          <a:noFill/>
+        </p:spPr>
+        <p:txBody>
+          <a:bodyPr wrap="square" rtlCol="0">
+            <a:spAutoFit/>
+          </a:bodyPr>
+          <a:lstStyle/>
+          <a:p>
+            <a:pPr algn="ctr"/>
+            <a:r>
+              <a:rPr lang="en-US" sz="3200" b="1" dirty="0">
+                <a:solidFill>
+                  <a:srgbClr val="660033"/>
+                </a:solidFill>
+                <a:latin typeface="Microsoft JhengHei" panose="020B0604030504040204" pitchFamily="34" charset="-120"/>
+                <a:ea typeface="Microsoft JhengHei" panose="020B0604030504040204" pitchFamily="34" charset="-120"/>
+              </a:rPr>
+              <a:t>( </a:t>
+            </a:r>
+            <a:r>
+              <a:rPr lang="zh-CN" altLang="en-US" sz="3200" b="1" dirty="0" smtClean="0">
+                <a:solidFill>
+                  <a:srgbClr val="660033"/>
+                </a:solidFill>
+                <a:latin typeface="Microsoft JhengHei" panose="020B0604030504040204" pitchFamily="34" charset="-120"/>
+                <a:ea typeface="Microsoft JhengHei" panose="020B0604030504040204" pitchFamily="34" charset="-120"/>
+              </a:rPr>
+              <a:t>正</a:t>
+            </a:r>
+            <a:r>
+              <a:rPr lang="zh-CN" altLang="en-US" sz="3200" b="1" dirty="0">
+                <a:solidFill>
+                  <a:srgbClr val="660033"/>
+                </a:solidFill>
+                <a:latin typeface="Microsoft JhengHei" panose="020B0604030504040204" pitchFamily="34" charset="-120"/>
+                <a:ea typeface="Microsoft JhengHei" panose="020B0604030504040204" pitchFamily="34" charset="-120"/>
+              </a:rPr>
+              <a:t>歌</a:t>
+            </a:r>
+            <a:r>
+              <a:rPr lang="en-US" sz="3200" b="1" dirty="0" smtClean="0">
+                <a:solidFill>
+                  <a:srgbClr val="660033"/>
+                </a:solidFill>
+                <a:latin typeface="Microsoft JhengHei" panose="020B0604030504040204" pitchFamily="34" charset="-120"/>
+                <a:ea typeface="Microsoft JhengHei" panose="020B0604030504040204" pitchFamily="34" charset="-120"/>
+              </a:rPr>
+              <a:t> </a:t>
+            </a:r>
+            <a:r>
+              <a:rPr lang="en-US" sz="3200" b="1" dirty="0">
+                <a:solidFill>
+                  <a:srgbClr val="660033"/>
+                </a:solidFill>
+                <a:latin typeface="Microsoft JhengHei" panose="020B0604030504040204" pitchFamily="34" charset="-120"/>
+                <a:ea typeface="Microsoft JhengHei" panose="020B0604030504040204" pitchFamily="34" charset="-120"/>
+              </a:rPr>
+              <a:t>)</a:t>
+            </a:r>
+            <a:endParaRPr lang="vi-VN" sz="3200" b="1" dirty="0">
+              <a:solidFill>
+                <a:srgbClr val="660033"/>
+              </a:solidFill>
+              <a:ea typeface="Microsoft JhengHei" panose="020B0604030504040204" pitchFamily="34" charset="-120"/>
+            </a:endParaRPr>
           </a:p>
         </p:txBody>
       </p:sp>
     </p:spTree>
+    <p:extLst>
+      <p:ext uri="{BB962C8B-B14F-4D97-AF65-F5344CB8AC3E}">
+        <p14:creationId xmlns:p14="http://schemas.microsoft.com/office/powerpoint/2010/main" val="2396768134"/>
+      </p:ext>
+    </p:extLst>
+  </p:cSld>
+  <p:clrMapOvr>
+    <a:masterClrMapping/>
+  </p:clrMapOvr>
+</p:sld>
+</file>
+
+<file path=ppt/slides/slide6.xml><?xml version="1.0" encoding="utf-8"?>
+<p:sld xmlns:a="http://schemas.openxmlformats.org/drawingml/2006/main" xmlns:r="http://schemas.openxmlformats.org/officeDocument/2006/relationships" xmlns:p="http://schemas.openxmlformats.org/presentationml/2006/main">
+  <p:cSld>
+    <p:spTree>
+      <p:nvGrpSpPr>
+        <p:cNvPr id="1" name=""/>
+        <p:cNvGrpSpPr/>
+        <p:nvPr/>
+      </p:nvGrpSpPr>
+      <p:grpSpPr>
+        <a:xfrm>
+          <a:off x="0" y="0"/>
+          <a:ext cx="0" cy="0"/>
+          <a:chOff x="0" y="0"/>
+          <a:chExt cx="0" cy="0"/>
+        </a:xfrm>
+      </p:grpSpPr>
+      <p:sp>
+        <p:nvSpPr>
+          <p:cNvPr id="5" name="內容版面配置區 4"/>
+          <p:cNvSpPr>
+            <a:spLocks noGrp="1"/>
+          </p:cNvSpPr>
+          <p:nvPr>
+            <p:ph idx="1"/>
+          </p:nvPr>
+        </p:nvSpPr>
+        <p:spPr>
+          <a:xfrm>
+            <a:off x="0" y="2084851"/>
+            <a:ext cx="12192000" cy="2404863"/>
+          </a:xfrm>
+        </p:spPr>
+        <p:txBody>
+          <a:bodyPr anchor="ctr">
+            <a:normAutofit/>
+          </a:bodyPr>
+          <a:lstStyle/>
+          <a:p>
+            <a:pPr algn="ctr">
+              <a:buNone/>
+            </a:pPr>
+            <a:r>
+              <a:rPr lang="zh-TW" altLang="en-US" sz="6400" b="1" dirty="0">
+                <a:solidFill>
+                  <a:srgbClr val="660033"/>
+                </a:solidFill>
+                <a:latin typeface="微軟正黑體" pitchFamily="34" charset="-120"/>
+                <a:ea typeface="微軟正黑體" pitchFamily="34" charset="-120"/>
+              </a:rPr>
+              <a:t>齊真心呈獻讚美給</a:t>
+            </a:r>
+            <a:r>
+              <a:rPr lang="zh-CN" altLang="en-US" sz="6400" b="1" dirty="0">
+                <a:solidFill>
+                  <a:srgbClr val="660033"/>
+                </a:solidFill>
+                <a:latin typeface="微軟正黑體" pitchFamily="34" charset="-120"/>
+                <a:ea typeface="微軟正黑體" pitchFamily="34" charset="-120"/>
+              </a:rPr>
+              <a:t>祢</a:t>
+            </a:r>
+            <a:endParaRPr lang="en-US" altLang="zh-TW" sz="6400" b="1" dirty="0">
+              <a:solidFill>
+                <a:srgbClr val="660033"/>
+              </a:solidFill>
+              <a:latin typeface="微軟正黑體" pitchFamily="34" charset="-120"/>
+              <a:ea typeface="微軟正黑體" pitchFamily="34" charset="-120"/>
+            </a:endParaRPr>
+          </a:p>
+          <a:p>
+            <a:pPr algn="ctr">
+              <a:buNone/>
+            </a:pPr>
+            <a:r>
+              <a:rPr lang="zh-TW" altLang="en-US" sz="6400" b="1" dirty="0">
+                <a:solidFill>
+                  <a:srgbClr val="660033"/>
+                </a:solidFill>
+                <a:latin typeface="微軟正黑體" pitchFamily="34" charset="-120"/>
+                <a:ea typeface="微軟正黑體" pitchFamily="34" charset="-120"/>
+              </a:rPr>
+              <a:t>盡我心意頌唱每篇的詩句</a:t>
+            </a:r>
+          </a:p>
+        </p:txBody>
+      </p:sp>
+      <p:sp>
+        <p:nvSpPr>
+          <p:cNvPr id="3" name="TextBox 2"/>
+          <p:cNvSpPr txBox="1"/>
+          <p:nvPr/>
+        </p:nvSpPr>
+        <p:spPr>
+          <a:xfrm>
+            <a:off x="0" y="5157193"/>
+            <a:ext cx="12192000" cy="584775"/>
+          </a:xfrm>
+          <a:prstGeom prst="rect">
+            <a:avLst/>
+          </a:prstGeom>
+          <a:noFill/>
+        </p:spPr>
+        <p:txBody>
+          <a:bodyPr wrap="square" rtlCol="0">
+            <a:spAutoFit/>
+          </a:bodyPr>
+          <a:lstStyle/>
+          <a:p>
+            <a:pPr algn="ctr"/>
+            <a:r>
+              <a:rPr lang="en-US" sz="3200" b="1" dirty="0">
+                <a:solidFill>
+                  <a:srgbClr val="660033"/>
+                </a:solidFill>
+                <a:latin typeface="Microsoft JhengHei" panose="020B0604030504040204" pitchFamily="34" charset="-120"/>
+                <a:ea typeface="Microsoft JhengHei" panose="020B0604030504040204" pitchFamily="34" charset="-120"/>
+              </a:rPr>
+              <a:t>( </a:t>
+            </a:r>
+            <a:r>
+              <a:rPr lang="zh-CN" altLang="en-US" sz="3200" b="1" dirty="0" smtClean="0">
+                <a:solidFill>
+                  <a:srgbClr val="660033"/>
+                </a:solidFill>
+                <a:latin typeface="Microsoft JhengHei" panose="020B0604030504040204" pitchFamily="34" charset="-120"/>
+                <a:ea typeface="Microsoft JhengHei" panose="020B0604030504040204" pitchFamily="34" charset="-120"/>
+              </a:rPr>
+              <a:t>副歌</a:t>
+            </a:r>
+            <a:r>
+              <a:rPr lang="en-US" sz="3200" b="1" dirty="0" smtClean="0">
+                <a:solidFill>
+                  <a:srgbClr val="660033"/>
+                </a:solidFill>
+                <a:latin typeface="Microsoft JhengHei" panose="020B0604030504040204" pitchFamily="34" charset="-120"/>
+                <a:ea typeface="Microsoft JhengHei" panose="020B0604030504040204" pitchFamily="34" charset="-120"/>
+              </a:rPr>
+              <a:t> </a:t>
+            </a:r>
+            <a:r>
+              <a:rPr lang="en-US" sz="3200" b="1" dirty="0">
+                <a:solidFill>
+                  <a:srgbClr val="660033"/>
+                </a:solidFill>
+                <a:latin typeface="Microsoft JhengHei" panose="020B0604030504040204" pitchFamily="34" charset="-120"/>
+                <a:ea typeface="Microsoft JhengHei" panose="020B0604030504040204" pitchFamily="34" charset="-120"/>
+              </a:rPr>
+              <a:t>)</a:t>
+            </a:r>
+            <a:endParaRPr lang="vi-VN" sz="3200" b="1" dirty="0">
+              <a:solidFill>
+                <a:srgbClr val="660033"/>
+              </a:solidFill>
+              <a:ea typeface="Microsoft JhengHei" panose="020B0604030504040204" pitchFamily="34" charset="-120"/>
+            </a:endParaRPr>
+          </a:p>
+        </p:txBody>
+      </p:sp>
+    </p:spTree>
+    <p:extLst>
+      <p:ext uri="{BB962C8B-B14F-4D97-AF65-F5344CB8AC3E}">
+        <p14:creationId xmlns:p14="http://schemas.microsoft.com/office/powerpoint/2010/main" val="845604774"/>
+      </p:ext>
+    </p:extLst>
+  </p:cSld>
+  <p:clrMapOvr>
+    <a:masterClrMapping/>
+  </p:clrMapOvr>
+</p:sld>
+</file>
+
+<file path=ppt/slides/slide7.xml><?xml version="1.0" encoding="utf-8"?>
+<p:sld xmlns:a="http://schemas.openxmlformats.org/drawingml/2006/main" xmlns:r="http://schemas.openxmlformats.org/officeDocument/2006/relationships" xmlns:p="http://schemas.openxmlformats.org/presentationml/2006/main">
+  <p:cSld>
+    <p:spTree>
+      <p:nvGrpSpPr>
+        <p:cNvPr id="1" name=""/>
+        <p:cNvGrpSpPr/>
+        <p:nvPr/>
+      </p:nvGrpSpPr>
+      <p:grpSpPr>
+        <a:xfrm>
+          <a:off x="0" y="0"/>
+          <a:ext cx="0" cy="0"/>
+          <a:chOff x="0" y="0"/>
+          <a:chExt cx="0" cy="0"/>
+        </a:xfrm>
+      </p:grpSpPr>
+      <p:sp>
+        <p:nvSpPr>
+          <p:cNvPr id="5" name="內容版面配置區 4"/>
+          <p:cNvSpPr>
+            <a:spLocks noGrp="1"/>
+          </p:cNvSpPr>
+          <p:nvPr>
+            <p:ph idx="1"/>
+          </p:nvPr>
+        </p:nvSpPr>
+        <p:spPr>
+          <a:xfrm>
+            <a:off x="0" y="2084851"/>
+            <a:ext cx="12192000" cy="2404863"/>
+          </a:xfrm>
+        </p:spPr>
+        <p:txBody>
+          <a:bodyPr anchor="ctr">
+            <a:normAutofit/>
+          </a:bodyPr>
+          <a:lstStyle/>
+          <a:p>
+            <a:pPr algn="ctr">
+              <a:buNone/>
+            </a:pPr>
+            <a:r>
+              <a:rPr lang="zh-TW" altLang="en-US" sz="6400" b="1" dirty="0">
+                <a:solidFill>
+                  <a:srgbClr val="660033"/>
+                </a:solidFill>
+                <a:latin typeface="微軟正黑體" pitchFamily="34" charset="-120"/>
+                <a:ea typeface="微軟正黑體" pitchFamily="34" charset="-120"/>
+              </a:rPr>
+              <a:t>齊舉手呈獻敬拜永遠歸給</a:t>
+            </a:r>
+            <a:r>
+              <a:rPr lang="zh-CN" altLang="en-US" sz="6400" b="1" dirty="0">
+                <a:solidFill>
+                  <a:srgbClr val="660033"/>
+                </a:solidFill>
+                <a:latin typeface="微軟正黑體" pitchFamily="34" charset="-120"/>
+                <a:ea typeface="微軟正黑體" pitchFamily="34" charset="-120"/>
+              </a:rPr>
+              <a:t>祢</a:t>
+            </a:r>
+            <a:endParaRPr lang="en-US" altLang="zh-TW" sz="6400" b="1" dirty="0">
+              <a:solidFill>
+                <a:srgbClr val="660033"/>
+              </a:solidFill>
+              <a:latin typeface="微軟正黑體" pitchFamily="34" charset="-120"/>
+              <a:ea typeface="微軟正黑體" pitchFamily="34" charset="-120"/>
+            </a:endParaRPr>
+          </a:p>
+          <a:p>
+            <a:pPr algn="ctr">
+              <a:buNone/>
+            </a:pPr>
+            <a:r>
+              <a:rPr lang="zh-TW" altLang="en-US" sz="6400" b="1" dirty="0">
+                <a:solidFill>
+                  <a:srgbClr val="660033"/>
+                </a:solidFill>
+                <a:latin typeface="微軟正黑體" pitchFamily="34" charset="-120"/>
+                <a:ea typeface="微軟正黑體" pitchFamily="34" charset="-120"/>
+              </a:rPr>
+              <a:t>為</a:t>
+            </a:r>
+            <a:r>
+              <a:rPr lang="zh-CN" altLang="en-US" sz="6400" b="1" dirty="0">
+                <a:solidFill>
+                  <a:srgbClr val="660033"/>
+                </a:solidFill>
+                <a:latin typeface="微軟正黑體" pitchFamily="34" charset="-120"/>
+                <a:ea typeface="微軟正黑體" pitchFamily="34" charset="-120"/>
+              </a:rPr>
+              <a:t>祢</a:t>
+            </a:r>
+            <a:r>
+              <a:rPr lang="zh-TW" altLang="en-US" sz="6400" b="1" dirty="0">
+                <a:solidFill>
+                  <a:srgbClr val="660033"/>
+                </a:solidFill>
+                <a:latin typeface="微軟正黑體" pitchFamily="34" charset="-120"/>
+                <a:ea typeface="微軟正黑體" pitchFamily="34" charset="-120"/>
+              </a:rPr>
+              <a:t>我獻上頌讚</a:t>
+            </a:r>
+          </a:p>
+        </p:txBody>
+      </p:sp>
+      <p:sp>
+        <p:nvSpPr>
+          <p:cNvPr id="3" name="TextBox 2"/>
+          <p:cNvSpPr txBox="1"/>
+          <p:nvPr/>
+        </p:nvSpPr>
+        <p:spPr>
+          <a:xfrm>
+            <a:off x="0" y="5157193"/>
+            <a:ext cx="12192000" cy="584775"/>
+          </a:xfrm>
+          <a:prstGeom prst="rect">
+            <a:avLst/>
+          </a:prstGeom>
+          <a:noFill/>
+        </p:spPr>
+        <p:txBody>
+          <a:bodyPr wrap="square" rtlCol="0">
+            <a:spAutoFit/>
+          </a:bodyPr>
+          <a:lstStyle/>
+          <a:p>
+            <a:pPr algn="ctr"/>
+            <a:r>
+              <a:rPr lang="en-US" sz="3200" b="1" dirty="0">
+                <a:solidFill>
+                  <a:srgbClr val="660033"/>
+                </a:solidFill>
+                <a:latin typeface="Microsoft JhengHei" panose="020B0604030504040204" pitchFamily="34" charset="-120"/>
+                <a:ea typeface="Microsoft JhengHei" panose="020B0604030504040204" pitchFamily="34" charset="-120"/>
+              </a:rPr>
+              <a:t>( </a:t>
+            </a:r>
+            <a:r>
+              <a:rPr lang="zh-CN" altLang="en-US" sz="3200" b="1" dirty="0" smtClean="0">
+                <a:solidFill>
+                  <a:srgbClr val="660033"/>
+                </a:solidFill>
+                <a:latin typeface="Microsoft JhengHei" panose="020B0604030504040204" pitchFamily="34" charset="-120"/>
+                <a:ea typeface="Microsoft JhengHei" panose="020B0604030504040204" pitchFamily="34" charset="-120"/>
+              </a:rPr>
+              <a:t>副歌</a:t>
+            </a:r>
+            <a:r>
+              <a:rPr lang="en-US" sz="3200" b="1" dirty="0" smtClean="0">
+                <a:solidFill>
+                  <a:srgbClr val="660033"/>
+                </a:solidFill>
+                <a:latin typeface="Microsoft JhengHei" panose="020B0604030504040204" pitchFamily="34" charset="-120"/>
+                <a:ea typeface="Microsoft JhengHei" panose="020B0604030504040204" pitchFamily="34" charset="-120"/>
+              </a:rPr>
+              <a:t> </a:t>
+            </a:r>
+            <a:r>
+              <a:rPr lang="en-US" sz="3200" b="1" dirty="0">
+                <a:solidFill>
+                  <a:srgbClr val="660033"/>
+                </a:solidFill>
+                <a:latin typeface="Microsoft JhengHei" panose="020B0604030504040204" pitchFamily="34" charset="-120"/>
+                <a:ea typeface="Microsoft JhengHei" panose="020B0604030504040204" pitchFamily="34" charset="-120"/>
+              </a:rPr>
+              <a:t>)</a:t>
+            </a:r>
+            <a:endParaRPr lang="vi-VN" sz="3200" b="1" dirty="0">
+              <a:solidFill>
+                <a:srgbClr val="660033"/>
+              </a:solidFill>
+              <a:ea typeface="Microsoft JhengHei" panose="020B0604030504040204" pitchFamily="34" charset="-120"/>
+            </a:endParaRPr>
+          </a:p>
+        </p:txBody>
+      </p:sp>
+    </p:spTree>
+    <p:extLst>
+      <p:ext uri="{BB962C8B-B14F-4D97-AF65-F5344CB8AC3E}">
+        <p14:creationId xmlns:p14="http://schemas.microsoft.com/office/powerpoint/2010/main" val="3123107414"/>
+      </p:ext>
+    </p:extLst>
+  </p:cSld>
+  <p:clrMapOvr>
+    <a:masterClrMapping/>
+  </p:clrMapOvr>
+</p:sld>
+</file>
+
+<file path=ppt/slides/slide8.xml><?xml version="1.0" encoding="utf-8"?>
+<p:sld xmlns:a="http://schemas.openxmlformats.org/drawingml/2006/main" xmlns:r="http://schemas.openxmlformats.org/officeDocument/2006/relationships" xmlns:p="http://schemas.openxmlformats.org/presentationml/2006/main">
+  <p:cSld>
+    <p:spTree>
+      <p:nvGrpSpPr>
+        <p:cNvPr id="1" name=""/>
+        <p:cNvGrpSpPr/>
+        <p:nvPr/>
+      </p:nvGrpSpPr>
+      <p:grpSpPr>
+        <a:xfrm>
+          <a:off x="0" y="0"/>
+          <a:ext cx="0" cy="0"/>
+          <a:chOff x="0" y="0"/>
+          <a:chExt cx="0" cy="0"/>
+        </a:xfrm>
+      </p:grpSpPr>
+      <p:sp>
+        <p:nvSpPr>
+          <p:cNvPr id="5" name="內容版面配置區 4"/>
+          <p:cNvSpPr>
+            <a:spLocks noGrp="1"/>
+          </p:cNvSpPr>
+          <p:nvPr>
+            <p:ph idx="1"/>
+          </p:nvPr>
+        </p:nvSpPr>
+        <p:spPr>
+          <a:xfrm>
+            <a:off x="0" y="2084851"/>
+            <a:ext cx="12192000" cy="2404863"/>
+          </a:xfrm>
+        </p:spPr>
+        <p:txBody>
+          <a:bodyPr anchor="ctr">
+            <a:normAutofit/>
+          </a:bodyPr>
+          <a:lstStyle/>
+          <a:p>
+            <a:pPr algn="ctr">
+              <a:buNone/>
+            </a:pPr>
+            <a:r>
+              <a:rPr lang="zh-TW" altLang="en-US" sz="6400" b="1" dirty="0">
+                <a:solidFill>
+                  <a:srgbClr val="660033"/>
+                </a:solidFill>
+                <a:latin typeface="微軟正黑體" pitchFamily="34" charset="-120"/>
+                <a:ea typeface="微軟正黑體" pitchFamily="34" charset="-120"/>
+              </a:rPr>
+              <a:t>為</a:t>
+            </a:r>
+            <a:r>
+              <a:rPr lang="zh-CN" altLang="en-US" sz="6400" b="1" dirty="0">
+                <a:solidFill>
+                  <a:srgbClr val="660033"/>
+                </a:solidFill>
+                <a:latin typeface="微軟正黑體" pitchFamily="34" charset="-120"/>
+                <a:ea typeface="微軟正黑體" pitchFamily="34" charset="-120"/>
+              </a:rPr>
+              <a:t>祢</a:t>
+            </a:r>
+            <a:r>
+              <a:rPr lang="zh-TW" altLang="en-US" sz="6400" b="1" dirty="0">
+                <a:solidFill>
+                  <a:srgbClr val="660033"/>
+                </a:solidFill>
+                <a:latin typeface="微軟正黑體" pitchFamily="34" charset="-120"/>
+                <a:ea typeface="微軟正黑體" pitchFamily="34" charset="-120"/>
+              </a:rPr>
+              <a:t>我獻作活祭</a:t>
+            </a:r>
+            <a:endParaRPr lang="en-US" altLang="zh-TW" sz="6400" b="1" dirty="0">
+              <a:solidFill>
+                <a:srgbClr val="660033"/>
+              </a:solidFill>
+              <a:latin typeface="微軟正黑體" pitchFamily="34" charset="-120"/>
+              <a:ea typeface="微軟正黑體" pitchFamily="34" charset="-120"/>
+            </a:endParaRPr>
+          </a:p>
+          <a:p>
+            <a:pPr algn="ctr">
+              <a:buNone/>
+            </a:pPr>
+            <a:r>
+              <a:rPr lang="zh-TW" altLang="en-US" sz="6400" b="1" dirty="0">
+                <a:solidFill>
+                  <a:srgbClr val="660033"/>
+                </a:solidFill>
+                <a:latin typeface="微軟正黑體" pitchFamily="34" charset="-120"/>
+                <a:ea typeface="微軟正黑體" pitchFamily="34" charset="-120"/>
+              </a:rPr>
+              <a:t>讓我永化作活祭</a:t>
+            </a:r>
+          </a:p>
+        </p:txBody>
+      </p:sp>
+      <p:sp>
+        <p:nvSpPr>
+          <p:cNvPr id="3" name="TextBox 2"/>
+          <p:cNvSpPr txBox="1"/>
+          <p:nvPr/>
+        </p:nvSpPr>
+        <p:spPr>
+          <a:xfrm>
+            <a:off x="0" y="5157193"/>
+            <a:ext cx="12192000" cy="584775"/>
+          </a:xfrm>
+          <a:prstGeom prst="rect">
+            <a:avLst/>
+          </a:prstGeom>
+          <a:noFill/>
+        </p:spPr>
+        <p:txBody>
+          <a:bodyPr wrap="square" rtlCol="0">
+            <a:spAutoFit/>
+          </a:bodyPr>
+          <a:lstStyle/>
+          <a:p>
+            <a:pPr algn="ctr"/>
+            <a:r>
+              <a:rPr lang="en-US" sz="3200" b="1" dirty="0">
+                <a:solidFill>
+                  <a:srgbClr val="660033"/>
+                </a:solidFill>
+                <a:latin typeface="Microsoft JhengHei" panose="020B0604030504040204" pitchFamily="34" charset="-120"/>
+                <a:ea typeface="Microsoft JhengHei" panose="020B0604030504040204" pitchFamily="34" charset="-120"/>
+              </a:rPr>
+              <a:t>( </a:t>
+            </a:r>
+            <a:r>
+              <a:rPr lang="zh-CN" altLang="en-US" sz="3200" b="1" dirty="0" smtClean="0">
+                <a:solidFill>
+                  <a:srgbClr val="660033"/>
+                </a:solidFill>
+                <a:latin typeface="Microsoft JhengHei" panose="020B0604030504040204" pitchFamily="34" charset="-120"/>
+                <a:ea typeface="Microsoft JhengHei" panose="020B0604030504040204" pitchFamily="34" charset="-120"/>
+              </a:rPr>
+              <a:t>結束</a:t>
+            </a:r>
+            <a:r>
+              <a:rPr lang="en-US" sz="3200" b="1" dirty="0" smtClean="0">
+                <a:solidFill>
+                  <a:srgbClr val="660033"/>
+                </a:solidFill>
+                <a:latin typeface="Microsoft JhengHei" panose="020B0604030504040204" pitchFamily="34" charset="-120"/>
+                <a:ea typeface="Microsoft JhengHei" panose="020B0604030504040204" pitchFamily="34" charset="-120"/>
+              </a:rPr>
+              <a:t> </a:t>
+            </a:r>
+            <a:r>
+              <a:rPr lang="en-US" sz="3200" b="1" dirty="0">
+                <a:solidFill>
+                  <a:srgbClr val="660033"/>
+                </a:solidFill>
+                <a:latin typeface="Microsoft JhengHei" panose="020B0604030504040204" pitchFamily="34" charset="-120"/>
+                <a:ea typeface="Microsoft JhengHei" panose="020B0604030504040204" pitchFamily="34" charset="-120"/>
+              </a:rPr>
+              <a:t>)</a:t>
+            </a:r>
+            <a:endParaRPr lang="vi-VN" sz="3200" b="1" dirty="0">
+              <a:solidFill>
+                <a:srgbClr val="660033"/>
+              </a:solidFill>
+              <a:ea typeface="Microsoft JhengHei" panose="020B0604030504040204" pitchFamily="34" charset="-120"/>
+            </a:endParaRPr>
+          </a:p>
+        </p:txBody>
+      </p:sp>
+    </p:spTree>
+    <p:extLst>
+      <p:ext uri="{BB962C8B-B14F-4D97-AF65-F5344CB8AC3E}">
+        <p14:creationId xmlns:p14="http://schemas.microsoft.com/office/powerpoint/2010/main" val="1124125961"/>
+      </p:ext>
+    </p:extLst>
   </p:cSld>
   <p:clrMapOvr>
     <a:masterClrMapping/>

--- a/獻給我天上的主.pptx
+++ b/獻給我天上的主.pptx
@@ -168,7 +168,7 @@
           <a:lstStyle/>
           <a:p>
             <a:r>
-              <a:rPr lang="en-US" altLang="zh-TW" smtClean="0"/>
+              <a:rPr lang="en-US" altLang="zh-TW"/>
               <a:t>Click to edit Master title style</a:t>
             </a:r>
             <a:endParaRPr lang="zh-TW" altLang="en-US"/>
@@ -287,7 +287,7 @@
           </a:lstStyle>
           <a:p>
             <a:r>
-              <a:rPr lang="en-US" altLang="zh-TW" smtClean="0"/>
+              <a:rPr lang="en-US" altLang="zh-TW"/>
               <a:t>Click to edit Master subtitle style</a:t>
             </a:r>
             <a:endParaRPr lang="zh-TW" altLang="en-US"/>
@@ -312,7 +312,7 @@
             <a:fld id="{77D5D620-2247-4098-B18A-D1A601B2D052}" type="datetimeFigureOut">
               <a:rPr lang="zh-TW" altLang="en-US" smtClean="0"/>
               <a:pPr/>
-              <a:t>2023/10/23</a:t>
+              <a:t>2024/2/24</a:t>
             </a:fld>
             <a:endParaRPr lang="zh-TW" altLang="en-US"/>
           </a:p>
@@ -407,7 +407,7 @@
           <a:lstStyle/>
           <a:p>
             <a:r>
-              <a:rPr lang="en-US" altLang="zh-TW" smtClean="0"/>
+              <a:rPr lang="en-US" altLang="zh-TW"/>
               <a:t>Click to edit Master title style</a:t>
             </a:r>
             <a:endParaRPr lang="zh-TW" altLang="en-US"/>
@@ -431,35 +431,35 @@
           <a:p>
             <a:pPr lvl="0"/>
             <a:r>
-              <a:rPr lang="en-US" altLang="zh-TW" smtClean="0"/>
+              <a:rPr lang="en-US" altLang="zh-TW"/>
               <a:t>Edit Master text styles</a:t>
             </a:r>
           </a:p>
           <a:p>
             <a:pPr lvl="1"/>
             <a:r>
-              <a:rPr lang="en-US" altLang="zh-TW" smtClean="0"/>
+              <a:rPr lang="en-US" altLang="zh-TW"/>
               <a:t>Second level</a:t>
             </a:r>
           </a:p>
           <a:p>
             <a:pPr lvl="2"/>
             <a:r>
-              <a:rPr lang="en-US" altLang="zh-TW" smtClean="0"/>
+              <a:rPr lang="en-US" altLang="zh-TW"/>
               <a:t>Third level</a:t>
             </a:r>
           </a:p>
           <a:p>
             <a:pPr lvl="3"/>
             <a:r>
-              <a:rPr lang="en-US" altLang="zh-TW" smtClean="0"/>
+              <a:rPr lang="en-US" altLang="zh-TW"/>
               <a:t>Fourth level</a:t>
             </a:r>
           </a:p>
           <a:p>
             <a:pPr lvl="4"/>
             <a:r>
-              <a:rPr lang="en-US" altLang="zh-TW" smtClean="0"/>
+              <a:rPr lang="en-US" altLang="zh-TW"/>
               <a:t>Fifth level</a:t>
             </a:r>
             <a:endParaRPr lang="zh-TW" altLang="en-US"/>
@@ -484,7 +484,7 @@
             <a:fld id="{77D5D620-2247-4098-B18A-D1A601B2D052}" type="datetimeFigureOut">
               <a:rPr lang="zh-TW" altLang="en-US" smtClean="0"/>
               <a:pPr/>
-              <a:t>2023/10/23</a:t>
+              <a:t>2024/2/24</a:t>
             </a:fld>
             <a:endParaRPr lang="zh-TW" altLang="en-US"/>
           </a:p>
@@ -584,7 +584,7 @@
           <a:lstStyle/>
           <a:p>
             <a:r>
-              <a:rPr lang="en-US" altLang="zh-TW" smtClean="0"/>
+              <a:rPr lang="en-US" altLang="zh-TW"/>
               <a:t>Click to edit Master title style</a:t>
             </a:r>
             <a:endParaRPr lang="zh-TW" altLang="en-US"/>
@@ -613,35 +613,35 @@
           <a:p>
             <a:pPr lvl="0"/>
             <a:r>
-              <a:rPr lang="en-US" altLang="zh-TW" smtClean="0"/>
+              <a:rPr lang="en-US" altLang="zh-TW"/>
               <a:t>Edit Master text styles</a:t>
             </a:r>
           </a:p>
           <a:p>
             <a:pPr lvl="1"/>
             <a:r>
-              <a:rPr lang="en-US" altLang="zh-TW" smtClean="0"/>
+              <a:rPr lang="en-US" altLang="zh-TW"/>
               <a:t>Second level</a:t>
             </a:r>
           </a:p>
           <a:p>
             <a:pPr lvl="2"/>
             <a:r>
-              <a:rPr lang="en-US" altLang="zh-TW" smtClean="0"/>
+              <a:rPr lang="en-US" altLang="zh-TW"/>
               <a:t>Third level</a:t>
             </a:r>
           </a:p>
           <a:p>
             <a:pPr lvl="3"/>
             <a:r>
-              <a:rPr lang="en-US" altLang="zh-TW" smtClean="0"/>
+              <a:rPr lang="en-US" altLang="zh-TW"/>
               <a:t>Fourth level</a:t>
             </a:r>
           </a:p>
           <a:p>
             <a:pPr lvl="4"/>
             <a:r>
-              <a:rPr lang="en-US" altLang="zh-TW" smtClean="0"/>
+              <a:rPr lang="en-US" altLang="zh-TW"/>
               <a:t>Fifth level</a:t>
             </a:r>
             <a:endParaRPr lang="zh-TW" altLang="en-US"/>
@@ -666,7 +666,7 @@
             <a:fld id="{77D5D620-2247-4098-B18A-D1A601B2D052}" type="datetimeFigureOut">
               <a:rPr lang="zh-TW" altLang="en-US" smtClean="0"/>
               <a:pPr/>
-              <a:t>2023/10/23</a:t>
+              <a:t>2024/2/24</a:t>
             </a:fld>
             <a:endParaRPr lang="zh-TW" altLang="en-US"/>
           </a:p>
@@ -761,7 +761,7 @@
           <a:lstStyle/>
           <a:p>
             <a:r>
-              <a:rPr lang="en-US" altLang="zh-TW" smtClean="0"/>
+              <a:rPr lang="en-US" altLang="zh-TW"/>
               <a:t>Click to edit Master title style</a:t>
             </a:r>
             <a:endParaRPr lang="zh-TW" altLang="en-US"/>
@@ -785,35 +785,35 @@
           <a:p>
             <a:pPr lvl="0"/>
             <a:r>
-              <a:rPr lang="en-US" altLang="zh-TW" smtClean="0"/>
+              <a:rPr lang="en-US" altLang="zh-TW"/>
               <a:t>Edit Master text styles</a:t>
             </a:r>
           </a:p>
           <a:p>
             <a:pPr lvl="1"/>
             <a:r>
-              <a:rPr lang="en-US" altLang="zh-TW" smtClean="0"/>
+              <a:rPr lang="en-US" altLang="zh-TW"/>
               <a:t>Second level</a:t>
             </a:r>
           </a:p>
           <a:p>
             <a:pPr lvl="2"/>
             <a:r>
-              <a:rPr lang="en-US" altLang="zh-TW" smtClean="0"/>
+              <a:rPr lang="en-US" altLang="zh-TW"/>
               <a:t>Third level</a:t>
             </a:r>
           </a:p>
           <a:p>
             <a:pPr lvl="3"/>
             <a:r>
-              <a:rPr lang="en-US" altLang="zh-TW" smtClean="0"/>
+              <a:rPr lang="en-US" altLang="zh-TW"/>
               <a:t>Fourth level</a:t>
             </a:r>
           </a:p>
           <a:p>
             <a:pPr lvl="4"/>
             <a:r>
-              <a:rPr lang="en-US" altLang="zh-TW" smtClean="0"/>
+              <a:rPr lang="en-US" altLang="zh-TW"/>
               <a:t>Fifth level</a:t>
             </a:r>
             <a:endParaRPr lang="zh-TW" altLang="en-US"/>
@@ -838,7 +838,7 @@
             <a:fld id="{77D5D620-2247-4098-B18A-D1A601B2D052}" type="datetimeFigureOut">
               <a:rPr lang="zh-TW" altLang="en-US" smtClean="0"/>
               <a:pPr/>
-              <a:t>2023/10/23</a:t>
+              <a:t>2024/2/24</a:t>
             </a:fld>
             <a:endParaRPr lang="zh-TW" altLang="en-US"/>
           </a:p>
@@ -942,7 +942,7 @@
           </a:lstStyle>
           <a:p>
             <a:r>
-              <a:rPr lang="en-US" altLang="zh-TW" smtClean="0"/>
+              <a:rPr lang="en-US" altLang="zh-TW"/>
               <a:t>Click to edit Master title style</a:t>
             </a:r>
             <a:endParaRPr lang="zh-TW" altLang="en-US"/>
@@ -1062,7 +1062,7 @@
           <a:p>
             <a:pPr lvl="0"/>
             <a:r>
-              <a:rPr lang="en-US" altLang="zh-TW" smtClean="0"/>
+              <a:rPr lang="en-US" altLang="zh-TW"/>
               <a:t>Edit Master text styles</a:t>
             </a:r>
           </a:p>
@@ -1086,7 +1086,7 @@
             <a:fld id="{77D5D620-2247-4098-B18A-D1A601B2D052}" type="datetimeFigureOut">
               <a:rPr lang="zh-TW" altLang="en-US" smtClean="0"/>
               <a:pPr/>
-              <a:t>2023/10/23</a:t>
+              <a:t>2024/2/24</a:t>
             </a:fld>
             <a:endParaRPr lang="zh-TW" altLang="en-US"/>
           </a:p>
@@ -1181,7 +1181,7 @@
           <a:lstStyle/>
           <a:p>
             <a:r>
-              <a:rPr lang="en-US" altLang="zh-TW" smtClean="0"/>
+              <a:rPr lang="en-US" altLang="zh-TW"/>
               <a:t>Click to edit Master title style</a:t>
             </a:r>
             <a:endParaRPr lang="zh-TW" altLang="en-US"/>
@@ -1238,35 +1238,35 @@
           <a:p>
             <a:pPr lvl="0"/>
             <a:r>
-              <a:rPr lang="en-US" altLang="zh-TW" smtClean="0"/>
+              <a:rPr lang="en-US" altLang="zh-TW"/>
               <a:t>Edit Master text styles</a:t>
             </a:r>
           </a:p>
           <a:p>
             <a:pPr lvl="1"/>
             <a:r>
-              <a:rPr lang="en-US" altLang="zh-TW" smtClean="0"/>
+              <a:rPr lang="en-US" altLang="zh-TW"/>
               <a:t>Second level</a:t>
             </a:r>
           </a:p>
           <a:p>
             <a:pPr lvl="2"/>
             <a:r>
-              <a:rPr lang="en-US" altLang="zh-TW" smtClean="0"/>
+              <a:rPr lang="en-US" altLang="zh-TW"/>
               <a:t>Third level</a:t>
             </a:r>
           </a:p>
           <a:p>
             <a:pPr lvl="3"/>
             <a:r>
-              <a:rPr lang="en-US" altLang="zh-TW" smtClean="0"/>
+              <a:rPr lang="en-US" altLang="zh-TW"/>
               <a:t>Fourth level</a:t>
             </a:r>
           </a:p>
           <a:p>
             <a:pPr lvl="4"/>
             <a:r>
-              <a:rPr lang="en-US" altLang="zh-TW" smtClean="0"/>
+              <a:rPr lang="en-US" altLang="zh-TW"/>
               <a:t>Fifth level</a:t>
             </a:r>
             <a:endParaRPr lang="zh-TW" altLang="en-US"/>
@@ -1323,35 +1323,35 @@
           <a:p>
             <a:pPr lvl="0"/>
             <a:r>
-              <a:rPr lang="en-US" altLang="zh-TW" smtClean="0"/>
+              <a:rPr lang="en-US" altLang="zh-TW"/>
               <a:t>Edit Master text styles</a:t>
             </a:r>
           </a:p>
           <a:p>
             <a:pPr lvl="1"/>
             <a:r>
-              <a:rPr lang="en-US" altLang="zh-TW" smtClean="0"/>
+              <a:rPr lang="en-US" altLang="zh-TW"/>
               <a:t>Second level</a:t>
             </a:r>
           </a:p>
           <a:p>
             <a:pPr lvl="2"/>
             <a:r>
-              <a:rPr lang="en-US" altLang="zh-TW" smtClean="0"/>
+              <a:rPr lang="en-US" altLang="zh-TW"/>
               <a:t>Third level</a:t>
             </a:r>
           </a:p>
           <a:p>
             <a:pPr lvl="3"/>
             <a:r>
-              <a:rPr lang="en-US" altLang="zh-TW" smtClean="0"/>
+              <a:rPr lang="en-US" altLang="zh-TW"/>
               <a:t>Fourth level</a:t>
             </a:r>
           </a:p>
           <a:p>
             <a:pPr lvl="4"/>
             <a:r>
-              <a:rPr lang="en-US" altLang="zh-TW" smtClean="0"/>
+              <a:rPr lang="en-US" altLang="zh-TW"/>
               <a:t>Fifth level</a:t>
             </a:r>
             <a:endParaRPr lang="zh-TW" altLang="en-US"/>
@@ -1376,7 +1376,7 @@
             <a:fld id="{77D5D620-2247-4098-B18A-D1A601B2D052}" type="datetimeFigureOut">
               <a:rPr lang="zh-TW" altLang="en-US" smtClean="0"/>
               <a:pPr/>
-              <a:t>2023/10/23</a:t>
+              <a:t>2024/2/24</a:t>
             </a:fld>
             <a:endParaRPr lang="zh-TW" altLang="en-US"/>
           </a:p>
@@ -1475,7 +1475,7 @@
           </a:lstStyle>
           <a:p>
             <a:r>
-              <a:rPr lang="en-US" altLang="zh-TW" smtClean="0"/>
+              <a:rPr lang="en-US" altLang="zh-TW"/>
               <a:t>Click to edit Master title style</a:t>
             </a:r>
             <a:endParaRPr lang="zh-TW" altLang="en-US"/>
@@ -1541,7 +1541,7 @@
           <a:p>
             <a:pPr lvl="0"/>
             <a:r>
-              <a:rPr lang="en-US" altLang="zh-TW" smtClean="0"/>
+              <a:rPr lang="en-US" altLang="zh-TW"/>
               <a:t>Edit Master text styles</a:t>
             </a:r>
           </a:p>
@@ -1597,35 +1597,35 @@
           <a:p>
             <a:pPr lvl="0"/>
             <a:r>
-              <a:rPr lang="en-US" altLang="zh-TW" smtClean="0"/>
+              <a:rPr lang="en-US" altLang="zh-TW"/>
               <a:t>Edit Master text styles</a:t>
             </a:r>
           </a:p>
           <a:p>
             <a:pPr lvl="1"/>
             <a:r>
-              <a:rPr lang="en-US" altLang="zh-TW" smtClean="0"/>
+              <a:rPr lang="en-US" altLang="zh-TW"/>
               <a:t>Second level</a:t>
             </a:r>
           </a:p>
           <a:p>
             <a:pPr lvl="2"/>
             <a:r>
-              <a:rPr lang="en-US" altLang="zh-TW" smtClean="0"/>
+              <a:rPr lang="en-US" altLang="zh-TW"/>
               <a:t>Third level</a:t>
             </a:r>
           </a:p>
           <a:p>
             <a:pPr lvl="3"/>
             <a:r>
-              <a:rPr lang="en-US" altLang="zh-TW" smtClean="0"/>
+              <a:rPr lang="en-US" altLang="zh-TW"/>
               <a:t>Fourth level</a:t>
             </a:r>
           </a:p>
           <a:p>
             <a:pPr lvl="4"/>
             <a:r>
-              <a:rPr lang="en-US" altLang="zh-TW" smtClean="0"/>
+              <a:rPr lang="en-US" altLang="zh-TW"/>
               <a:t>Fifth level</a:t>
             </a:r>
             <a:endParaRPr lang="zh-TW" altLang="en-US"/>
@@ -1691,7 +1691,7 @@
           <a:p>
             <a:pPr lvl="0"/>
             <a:r>
-              <a:rPr lang="en-US" altLang="zh-TW" smtClean="0"/>
+              <a:rPr lang="en-US" altLang="zh-TW"/>
               <a:t>Edit Master text styles</a:t>
             </a:r>
           </a:p>
@@ -1747,35 +1747,35 @@
           <a:p>
             <a:pPr lvl="0"/>
             <a:r>
-              <a:rPr lang="en-US" altLang="zh-TW" smtClean="0"/>
+              <a:rPr lang="en-US" altLang="zh-TW"/>
               <a:t>Edit Master text styles</a:t>
             </a:r>
           </a:p>
           <a:p>
             <a:pPr lvl="1"/>
             <a:r>
-              <a:rPr lang="en-US" altLang="zh-TW" smtClean="0"/>
+              <a:rPr lang="en-US" altLang="zh-TW"/>
               <a:t>Second level</a:t>
             </a:r>
           </a:p>
           <a:p>
             <a:pPr lvl="2"/>
             <a:r>
-              <a:rPr lang="en-US" altLang="zh-TW" smtClean="0"/>
+              <a:rPr lang="en-US" altLang="zh-TW"/>
               <a:t>Third level</a:t>
             </a:r>
           </a:p>
           <a:p>
             <a:pPr lvl="3"/>
             <a:r>
-              <a:rPr lang="en-US" altLang="zh-TW" smtClean="0"/>
+              <a:rPr lang="en-US" altLang="zh-TW"/>
               <a:t>Fourth level</a:t>
             </a:r>
           </a:p>
           <a:p>
             <a:pPr lvl="4"/>
             <a:r>
-              <a:rPr lang="en-US" altLang="zh-TW" smtClean="0"/>
+              <a:rPr lang="en-US" altLang="zh-TW"/>
               <a:t>Fifth level</a:t>
             </a:r>
             <a:endParaRPr lang="zh-TW" altLang="en-US"/>
@@ -1800,7 +1800,7 @@
             <a:fld id="{77D5D620-2247-4098-B18A-D1A601B2D052}" type="datetimeFigureOut">
               <a:rPr lang="zh-TW" altLang="en-US" smtClean="0"/>
               <a:pPr/>
-              <a:t>2023/10/23</a:t>
+              <a:t>2024/2/24</a:t>
             </a:fld>
             <a:endParaRPr lang="zh-TW" altLang="en-US"/>
           </a:p>
@@ -1895,7 +1895,7 @@
           <a:lstStyle/>
           <a:p>
             <a:r>
-              <a:rPr lang="en-US" altLang="zh-TW" smtClean="0"/>
+              <a:rPr lang="en-US" altLang="zh-TW"/>
               <a:t>Click to edit Master title style</a:t>
             </a:r>
             <a:endParaRPr lang="zh-TW" altLang="en-US"/>
@@ -1920,7 +1920,7 @@
             <a:fld id="{77D5D620-2247-4098-B18A-D1A601B2D052}" type="datetimeFigureOut">
               <a:rPr lang="zh-TW" altLang="en-US" smtClean="0"/>
               <a:pPr/>
-              <a:t>2023/10/23</a:t>
+              <a:t>2024/2/24</a:t>
             </a:fld>
             <a:endParaRPr lang="zh-TW" altLang="en-US"/>
           </a:p>
@@ -2017,7 +2017,7 @@
             <a:fld id="{77D5D620-2247-4098-B18A-D1A601B2D052}" type="datetimeFigureOut">
               <a:rPr lang="zh-TW" altLang="en-US" smtClean="0"/>
               <a:pPr/>
-              <a:t>2023/10/23</a:t>
+              <a:t>2024/2/24</a:t>
             </a:fld>
             <a:endParaRPr lang="zh-TW" altLang="en-US"/>
           </a:p>
@@ -2121,7 +2121,7 @@
           </a:lstStyle>
           <a:p>
             <a:r>
-              <a:rPr lang="en-US" altLang="zh-TW" smtClean="0"/>
+              <a:rPr lang="en-US" altLang="zh-TW"/>
               <a:t>Click to edit Master title style</a:t>
             </a:r>
             <a:endParaRPr lang="zh-TW" altLang="en-US"/>
@@ -2178,35 +2178,35 @@
           <a:p>
             <a:pPr lvl="0"/>
             <a:r>
-              <a:rPr lang="en-US" altLang="zh-TW" smtClean="0"/>
+              <a:rPr lang="en-US" altLang="zh-TW"/>
               <a:t>Edit Master text styles</a:t>
             </a:r>
           </a:p>
           <a:p>
             <a:pPr lvl="1"/>
             <a:r>
-              <a:rPr lang="en-US" altLang="zh-TW" smtClean="0"/>
+              <a:rPr lang="en-US" altLang="zh-TW"/>
               <a:t>Second level</a:t>
             </a:r>
           </a:p>
           <a:p>
             <a:pPr lvl="2"/>
             <a:r>
-              <a:rPr lang="en-US" altLang="zh-TW" smtClean="0"/>
+              <a:rPr lang="en-US" altLang="zh-TW"/>
               <a:t>Third level</a:t>
             </a:r>
           </a:p>
           <a:p>
             <a:pPr lvl="3"/>
             <a:r>
-              <a:rPr lang="en-US" altLang="zh-TW" smtClean="0"/>
+              <a:rPr lang="en-US" altLang="zh-TW"/>
               <a:t>Fourth level</a:t>
             </a:r>
           </a:p>
           <a:p>
             <a:pPr lvl="4"/>
             <a:r>
-              <a:rPr lang="en-US" altLang="zh-TW" smtClean="0"/>
+              <a:rPr lang="en-US" altLang="zh-TW"/>
               <a:t>Fifth level</a:t>
             </a:r>
             <a:endParaRPr lang="zh-TW" altLang="en-US"/>
@@ -2272,7 +2272,7 @@
           <a:p>
             <a:pPr lvl="0"/>
             <a:r>
-              <a:rPr lang="en-US" altLang="zh-TW" smtClean="0"/>
+              <a:rPr lang="en-US" altLang="zh-TW"/>
               <a:t>Edit Master text styles</a:t>
             </a:r>
           </a:p>
@@ -2296,7 +2296,7 @@
             <a:fld id="{77D5D620-2247-4098-B18A-D1A601B2D052}" type="datetimeFigureOut">
               <a:rPr lang="zh-TW" altLang="en-US" smtClean="0"/>
               <a:pPr/>
-              <a:t>2023/10/23</a:t>
+              <a:t>2024/2/24</a:t>
             </a:fld>
             <a:endParaRPr lang="zh-TW" altLang="en-US"/>
           </a:p>
@@ -2400,7 +2400,7 @@
           </a:lstStyle>
           <a:p>
             <a:r>
-              <a:rPr lang="en-US" altLang="zh-TW" smtClean="0"/>
+              <a:rPr lang="en-US" altLang="zh-TW"/>
               <a:t>Click to edit Master title style</a:t>
             </a:r>
             <a:endParaRPr lang="zh-TW" altLang="en-US"/>
@@ -2465,7 +2465,7 @@
           </a:lstStyle>
           <a:p>
             <a:r>
-              <a:rPr lang="en-US" altLang="zh-TW" smtClean="0"/>
+              <a:rPr lang="en-US" altLang="zh-TW"/>
               <a:t>Click icon to add picture</a:t>
             </a:r>
             <a:endParaRPr lang="zh-TW" altLang="en-US"/>
@@ -2531,7 +2531,7 @@
           <a:p>
             <a:pPr lvl="0"/>
             <a:r>
-              <a:rPr lang="en-US" altLang="zh-TW" smtClean="0"/>
+              <a:rPr lang="en-US" altLang="zh-TW"/>
               <a:t>Edit Master text styles</a:t>
             </a:r>
           </a:p>
@@ -2555,7 +2555,7 @@
             <a:fld id="{77D5D620-2247-4098-B18A-D1A601B2D052}" type="datetimeFigureOut">
               <a:rPr lang="zh-TW" altLang="en-US" smtClean="0"/>
               <a:pPr/>
-              <a:t>2023/10/23</a:t>
+              <a:t>2024/2/24</a:t>
             </a:fld>
             <a:endParaRPr lang="zh-TW" altLang="en-US"/>
           </a:p>
@@ -2670,10 +2670,9 @@
           <a:lstStyle/>
           <a:p>
             <a:r>
-              <a:rPr lang="zh-TW" altLang="en-US" smtClean="0"/>
+              <a:rPr lang="zh-TW" altLang="en-US"/>
               <a:t>按一下以編輯母片標題樣式</a:t>
             </a:r>
-            <a:endParaRPr lang="zh-TW" altLang="en-US"/>
           </a:p>
         </p:txBody>
       </p:sp>
@@ -2704,38 +2703,37 @@
           <a:p>
             <a:pPr lvl="0"/>
             <a:r>
-              <a:rPr lang="zh-TW" altLang="en-US" smtClean="0"/>
+              <a:rPr lang="zh-TW" altLang="en-US"/>
               <a:t>按一下以編輯母片文字樣式</a:t>
             </a:r>
           </a:p>
           <a:p>
             <a:pPr lvl="1"/>
             <a:r>
-              <a:rPr lang="zh-TW" altLang="en-US" smtClean="0"/>
+              <a:rPr lang="zh-TW" altLang="en-US"/>
               <a:t>第二層</a:t>
             </a:r>
           </a:p>
           <a:p>
             <a:pPr lvl="2"/>
             <a:r>
-              <a:rPr lang="zh-TW" altLang="en-US" smtClean="0"/>
+              <a:rPr lang="zh-TW" altLang="en-US"/>
               <a:t>第三層</a:t>
             </a:r>
           </a:p>
           <a:p>
             <a:pPr lvl="3"/>
             <a:r>
-              <a:rPr lang="zh-TW" altLang="en-US" smtClean="0"/>
+              <a:rPr lang="zh-TW" altLang="en-US"/>
               <a:t>第四層</a:t>
             </a:r>
           </a:p>
           <a:p>
             <a:pPr lvl="4"/>
             <a:r>
-              <a:rPr lang="zh-TW" altLang="en-US" smtClean="0"/>
+              <a:rPr lang="zh-TW" altLang="en-US"/>
               <a:t>第五層</a:t>
             </a:r>
-            <a:endParaRPr lang="zh-TW" altLang="en-US"/>
           </a:p>
         </p:txBody>
       </p:sp>
@@ -2775,7 +2773,7 @@
             <a:fld id="{77D5D620-2247-4098-B18A-D1A601B2D052}" type="datetimeFigureOut">
               <a:rPr lang="zh-TW" altLang="en-US" smtClean="0"/>
               <a:pPr/>
-              <a:t>2023/10/23</a:t>
+              <a:t>2024/2/24</a:t>
             </a:fld>
             <a:endParaRPr lang="zh-TW" altLang="en-US"/>
           </a:p>
@@ -2884,13 +2882,6 @@
   <p:transition>
     <p:fade/>
   </p:transition>
-  <p:timing>
-    <p:tnLst>
-      <p:par>
-        <p:cTn id="1" dur="indefinite" restart="never" nodeType="tmRoot"/>
-      </p:par>
-    </p:tnLst>
-  </p:timing>
   <p:txStyles>
     <p:titleStyle>
       <a:lvl1pPr algn="ctr" defTabSz="1219170" rtl="0" eaLnBrk="1" latinLnBrk="0" hangingPunct="1">
@@ -3184,7 +3175,7 @@
           <a:lstStyle/>
           <a:p>
             <a:r>
-              <a:rPr lang="zh-TW" altLang="en-US" sz="7200" b="1" i="1" dirty="0" smtClean="0">
+              <a:rPr lang="zh-TW" altLang="en-US" sz="7200" b="1" i="1" dirty="0">
                 <a:solidFill>
                   <a:srgbClr val="660033"/>
                 </a:solidFill>
@@ -3198,24 +3189,7 @@
                 <a:latin typeface="微軟正黑體" pitchFamily="34" charset="-120"/>
                 <a:ea typeface="微軟正黑體" pitchFamily="34" charset="-120"/>
               </a:rPr>
-              <a:t>獻</a:t>
-            </a:r>
-            <a:r>
-              <a:rPr lang="zh-TW" altLang="en-US" sz="7200" b="1" i="1" dirty="0">
-                <a:solidFill>
-                  <a:srgbClr val="660033"/>
-                </a:solidFill>
-                <a:effectLst>
-                  <a:outerShdw blurRad="38100" dist="38100" dir="2700000" algn="tl">
-                    <a:srgbClr val="000000">
-                      <a:alpha val="43137"/>
-                    </a:srgbClr>
-                  </a:outerShdw>
-                </a:effectLst>
-                <a:latin typeface="微軟正黑體" pitchFamily="34" charset="-120"/>
-                <a:ea typeface="微軟正黑體" pitchFamily="34" charset="-120"/>
-              </a:rPr>
-              <a:t>給我天上的主</a:t>
+              <a:t>獻給我天上的主</a:t>
             </a:r>
           </a:p>
         </p:txBody>
@@ -3276,24 +3250,14 @@
               <a:buNone/>
             </a:pPr>
             <a:r>
-              <a:rPr lang="zh-TW" altLang="en-US" sz="6400" b="1" dirty="0" smtClean="0">
+              <a:rPr lang="zh-TW" altLang="en-US" sz="6400" b="1" dirty="0">
                 <a:solidFill>
                   <a:srgbClr val="660033"/>
                 </a:solidFill>
                 <a:latin typeface="微軟正黑體" pitchFamily="34" charset="-120"/>
                 <a:ea typeface="微軟正黑體" pitchFamily="34" charset="-120"/>
               </a:rPr>
-              <a:t>在</a:t>
-            </a:r>
-            <a:r>
-              <a:rPr lang="zh-TW" altLang="en-US" sz="6400" b="1" dirty="0">
-                <a:solidFill>
-                  <a:srgbClr val="660033"/>
-                </a:solidFill>
-                <a:latin typeface="微軟正黑體" pitchFamily="34" charset="-120"/>
-                <a:ea typeface="微軟正黑體" pitchFamily="34" charset="-120"/>
-              </a:rPr>
-              <a:t>我心中有千百萬心聲</a:t>
+              <a:t>在我心中有千百萬心聲</a:t>
             </a:r>
             <a:endParaRPr lang="en-US" altLang="zh-TW" sz="6400" b="1" dirty="0">
               <a:solidFill>
@@ -3361,44 +3325,24 @@
               <a:t>( </a:t>
             </a:r>
             <a:r>
-              <a:rPr lang="zh-CN" altLang="en-US" sz="3200" b="1" dirty="0" smtClean="0">
+              <a:rPr lang="zh-CN" altLang="en-US" sz="3200" b="1" dirty="0">
                 <a:solidFill>
                   <a:srgbClr val="660033"/>
                 </a:solidFill>
                 <a:latin typeface="Microsoft JhengHei" panose="020B0604030504040204" pitchFamily="34" charset="-120"/>
                 <a:ea typeface="Microsoft JhengHei" panose="020B0604030504040204" pitchFamily="34" charset="-120"/>
               </a:rPr>
-              <a:t>正</a:t>
-            </a:r>
-            <a:r>
-              <a:rPr lang="zh-CN" altLang="en-US" sz="3200" b="1" dirty="0">
+              <a:t>正歌</a:t>
+            </a:r>
+            <a:r>
+              <a:rPr lang="en-US" sz="3200" b="1" dirty="0">
                 <a:solidFill>
                   <a:srgbClr val="660033"/>
                 </a:solidFill>
                 <a:latin typeface="Microsoft JhengHei" panose="020B0604030504040204" pitchFamily="34" charset="-120"/>
                 <a:ea typeface="Microsoft JhengHei" panose="020B0604030504040204" pitchFamily="34" charset="-120"/>
               </a:rPr>
-              <a:t>歌</a:t>
-            </a:r>
-            <a:r>
-              <a:rPr lang="en-US" sz="3200" b="1" dirty="0" smtClean="0">
-                <a:solidFill>
-                  <a:srgbClr val="660033"/>
-                </a:solidFill>
-                <a:latin typeface="Microsoft JhengHei" panose="020B0604030504040204" pitchFamily="34" charset="-120"/>
-                <a:ea typeface="Microsoft JhengHei" panose="020B0604030504040204" pitchFamily="34" charset="-120"/>
-              </a:rPr>
-              <a:t> </a:t>
-            </a:r>
-            <a:r>
-              <a:rPr lang="en-US" sz="3200" b="1" dirty="0">
-                <a:solidFill>
-                  <a:srgbClr val="660033"/>
-                </a:solidFill>
-                <a:latin typeface="Microsoft JhengHei" panose="020B0604030504040204" pitchFamily="34" charset="-120"/>
-                <a:ea typeface="Microsoft JhengHei" panose="020B0604030504040204" pitchFamily="34" charset="-120"/>
-              </a:rPr>
-              <a:t>)</a:t>
+              <a:t> )</a:t>
             </a:r>
             <a:endParaRPr lang="vi-VN" sz="3200" b="1" dirty="0">
               <a:solidFill>
@@ -3563,44 +3507,24 @@
               <a:t>( </a:t>
             </a:r>
             <a:r>
-              <a:rPr lang="zh-CN" altLang="en-US" sz="3200" b="1" dirty="0" smtClean="0">
+              <a:rPr lang="zh-CN" altLang="en-US" sz="3200" b="1" dirty="0">
                 <a:solidFill>
                   <a:srgbClr val="660033"/>
                 </a:solidFill>
                 <a:latin typeface="Microsoft JhengHei" panose="020B0604030504040204" pitchFamily="34" charset="-120"/>
                 <a:ea typeface="Microsoft JhengHei" panose="020B0604030504040204" pitchFamily="34" charset="-120"/>
               </a:rPr>
-              <a:t>正</a:t>
-            </a:r>
-            <a:r>
-              <a:rPr lang="zh-CN" altLang="en-US" sz="3200" b="1" dirty="0">
+              <a:t>正歌</a:t>
+            </a:r>
+            <a:r>
+              <a:rPr lang="en-US" sz="3200" b="1" dirty="0">
                 <a:solidFill>
                   <a:srgbClr val="660033"/>
                 </a:solidFill>
                 <a:latin typeface="Microsoft JhengHei" panose="020B0604030504040204" pitchFamily="34" charset="-120"/>
                 <a:ea typeface="Microsoft JhengHei" panose="020B0604030504040204" pitchFamily="34" charset="-120"/>
               </a:rPr>
-              <a:t>歌</a:t>
-            </a:r>
-            <a:r>
-              <a:rPr lang="en-US" sz="3200" b="1" dirty="0" smtClean="0">
-                <a:solidFill>
-                  <a:srgbClr val="660033"/>
-                </a:solidFill>
-                <a:latin typeface="Microsoft JhengHei" panose="020B0604030504040204" pitchFamily="34" charset="-120"/>
-                <a:ea typeface="Microsoft JhengHei" panose="020B0604030504040204" pitchFamily="34" charset="-120"/>
-              </a:rPr>
-              <a:t> </a:t>
-            </a:r>
-            <a:r>
-              <a:rPr lang="en-US" sz="3200" b="1" dirty="0">
-                <a:solidFill>
-                  <a:srgbClr val="660033"/>
-                </a:solidFill>
-                <a:latin typeface="Microsoft JhengHei" panose="020B0604030504040204" pitchFamily="34" charset="-120"/>
-                <a:ea typeface="Microsoft JhengHei" panose="020B0604030504040204" pitchFamily="34" charset="-120"/>
-              </a:rPr>
-              <a:t>)</a:t>
+              <a:t> )</a:t>
             </a:r>
             <a:endParaRPr lang="vi-VN" sz="3200" b="1" dirty="0">
               <a:solidFill>
@@ -3742,44 +3666,24 @@
               <a:t>( </a:t>
             </a:r>
             <a:r>
-              <a:rPr lang="zh-CN" altLang="en-US" sz="3200" b="1" dirty="0" smtClean="0">
+              <a:rPr lang="zh-CN" altLang="en-US" sz="3200" b="1" dirty="0">
                 <a:solidFill>
                   <a:srgbClr val="660033"/>
                 </a:solidFill>
                 <a:latin typeface="Microsoft JhengHei" panose="020B0604030504040204" pitchFamily="34" charset="-120"/>
                 <a:ea typeface="Microsoft JhengHei" panose="020B0604030504040204" pitchFamily="34" charset="-120"/>
               </a:rPr>
-              <a:t>正</a:t>
-            </a:r>
-            <a:r>
-              <a:rPr lang="zh-CN" altLang="en-US" sz="3200" b="1" dirty="0">
+              <a:t>正歌</a:t>
+            </a:r>
+            <a:r>
+              <a:rPr lang="en-US" sz="3200" b="1" dirty="0">
                 <a:solidFill>
                   <a:srgbClr val="660033"/>
                 </a:solidFill>
                 <a:latin typeface="Microsoft JhengHei" panose="020B0604030504040204" pitchFamily="34" charset="-120"/>
                 <a:ea typeface="Microsoft JhengHei" panose="020B0604030504040204" pitchFamily="34" charset="-120"/>
               </a:rPr>
-              <a:t>歌</a:t>
-            </a:r>
-            <a:r>
-              <a:rPr lang="en-US" sz="3200" b="1" dirty="0" smtClean="0">
-                <a:solidFill>
-                  <a:srgbClr val="660033"/>
-                </a:solidFill>
-                <a:latin typeface="Microsoft JhengHei" panose="020B0604030504040204" pitchFamily="34" charset="-120"/>
-                <a:ea typeface="Microsoft JhengHei" panose="020B0604030504040204" pitchFamily="34" charset="-120"/>
-              </a:rPr>
-              <a:t> </a:t>
-            </a:r>
-            <a:r>
-              <a:rPr lang="en-US" sz="3200" b="1" dirty="0">
-                <a:solidFill>
-                  <a:srgbClr val="660033"/>
-                </a:solidFill>
-                <a:latin typeface="Microsoft JhengHei" panose="020B0604030504040204" pitchFamily="34" charset="-120"/>
-                <a:ea typeface="Microsoft JhengHei" panose="020B0604030504040204" pitchFamily="34" charset="-120"/>
-              </a:rPr>
-              <a:t>)</a:t>
+              <a:t> )</a:t>
             </a:r>
             <a:endParaRPr lang="vi-VN" sz="3200" b="1" dirty="0">
               <a:solidFill>
@@ -3934,44 +3838,24 @@
               <a:t>( </a:t>
             </a:r>
             <a:r>
-              <a:rPr lang="zh-CN" altLang="en-US" sz="3200" b="1" dirty="0" smtClean="0">
+              <a:rPr lang="zh-CN" altLang="en-US" sz="3200" b="1" dirty="0">
                 <a:solidFill>
                   <a:srgbClr val="660033"/>
                 </a:solidFill>
                 <a:latin typeface="Microsoft JhengHei" panose="020B0604030504040204" pitchFamily="34" charset="-120"/>
                 <a:ea typeface="Microsoft JhengHei" panose="020B0604030504040204" pitchFamily="34" charset="-120"/>
               </a:rPr>
-              <a:t>正</a:t>
-            </a:r>
-            <a:r>
-              <a:rPr lang="zh-CN" altLang="en-US" sz="3200" b="1" dirty="0">
+              <a:t>正歌</a:t>
+            </a:r>
+            <a:r>
+              <a:rPr lang="en-US" sz="3200" b="1" dirty="0">
                 <a:solidFill>
                   <a:srgbClr val="660033"/>
                 </a:solidFill>
                 <a:latin typeface="Microsoft JhengHei" panose="020B0604030504040204" pitchFamily="34" charset="-120"/>
                 <a:ea typeface="Microsoft JhengHei" panose="020B0604030504040204" pitchFamily="34" charset="-120"/>
               </a:rPr>
-              <a:t>歌</a:t>
-            </a:r>
-            <a:r>
-              <a:rPr lang="en-US" sz="3200" b="1" dirty="0" smtClean="0">
-                <a:solidFill>
-                  <a:srgbClr val="660033"/>
-                </a:solidFill>
-                <a:latin typeface="Microsoft JhengHei" panose="020B0604030504040204" pitchFamily="34" charset="-120"/>
-                <a:ea typeface="Microsoft JhengHei" panose="020B0604030504040204" pitchFamily="34" charset="-120"/>
-              </a:rPr>
-              <a:t> </a:t>
-            </a:r>
-            <a:r>
-              <a:rPr lang="en-US" sz="3200" b="1" dirty="0">
-                <a:solidFill>
-                  <a:srgbClr val="660033"/>
-                </a:solidFill>
-                <a:latin typeface="Microsoft JhengHei" panose="020B0604030504040204" pitchFamily="34" charset="-120"/>
-                <a:ea typeface="Microsoft JhengHei" panose="020B0604030504040204" pitchFamily="34" charset="-120"/>
-              </a:rPr>
-              <a:t>)</a:t>
+              <a:t> )</a:t>
             </a:r>
             <a:endParaRPr lang="vi-VN" sz="3200" b="1" dirty="0">
               <a:solidFill>
@@ -4116,7 +4000,7 @@
               <a:t>( </a:t>
             </a:r>
             <a:r>
-              <a:rPr lang="zh-CN" altLang="en-US" sz="3200" b="1" dirty="0" smtClean="0">
+              <a:rPr lang="zh-CN" altLang="en-US" sz="3200" b="1" dirty="0">
                 <a:solidFill>
                   <a:srgbClr val="660033"/>
                 </a:solidFill>
@@ -4126,24 +4010,14 @@
               <a:t>副歌</a:t>
             </a:r>
             <a:r>
-              <a:rPr lang="en-US" sz="3200" b="1" dirty="0" smtClean="0">
+              <a:rPr lang="en-US" sz="3200" b="1" dirty="0">
                 <a:solidFill>
                   <a:srgbClr val="660033"/>
                 </a:solidFill>
                 <a:latin typeface="Microsoft JhengHei" panose="020B0604030504040204" pitchFamily="34" charset="-120"/>
                 <a:ea typeface="Microsoft JhengHei" panose="020B0604030504040204" pitchFamily="34" charset="-120"/>
               </a:rPr>
-              <a:t> </a:t>
-            </a:r>
-            <a:r>
-              <a:rPr lang="en-US" sz="3200" b="1" dirty="0">
-                <a:solidFill>
-                  <a:srgbClr val="660033"/>
-                </a:solidFill>
-                <a:latin typeface="Microsoft JhengHei" panose="020B0604030504040204" pitchFamily="34" charset="-120"/>
-                <a:ea typeface="Microsoft JhengHei" panose="020B0604030504040204" pitchFamily="34" charset="-120"/>
-              </a:rPr>
-              <a:t>)</a:t>
+              <a:t> )</a:t>
             </a:r>
             <a:endParaRPr lang="vi-VN" sz="3200" b="1" dirty="0">
               <a:solidFill>
@@ -4308,7 +4182,7 @@
               <a:t>( </a:t>
             </a:r>
             <a:r>
-              <a:rPr lang="zh-CN" altLang="en-US" sz="3200" b="1" dirty="0" smtClean="0">
+              <a:rPr lang="zh-CN" altLang="en-US" sz="3200" b="1" dirty="0">
                 <a:solidFill>
                   <a:srgbClr val="660033"/>
                 </a:solidFill>
@@ -4318,24 +4192,14 @@
               <a:t>副歌</a:t>
             </a:r>
             <a:r>
-              <a:rPr lang="en-US" sz="3200" b="1" dirty="0" smtClean="0">
+              <a:rPr lang="en-US" sz="3200" b="1" dirty="0">
                 <a:solidFill>
                   <a:srgbClr val="660033"/>
                 </a:solidFill>
                 <a:latin typeface="Microsoft JhengHei" panose="020B0604030504040204" pitchFamily="34" charset="-120"/>
                 <a:ea typeface="Microsoft JhengHei" panose="020B0604030504040204" pitchFamily="34" charset="-120"/>
               </a:rPr>
-              <a:t> </a:t>
-            </a:r>
-            <a:r>
-              <a:rPr lang="en-US" sz="3200" b="1" dirty="0">
-                <a:solidFill>
-                  <a:srgbClr val="660033"/>
-                </a:solidFill>
-                <a:latin typeface="Microsoft JhengHei" panose="020B0604030504040204" pitchFamily="34" charset="-120"/>
-                <a:ea typeface="Microsoft JhengHei" panose="020B0604030504040204" pitchFamily="34" charset="-120"/>
-              </a:rPr>
-              <a:t>)</a:t>
+              <a:t> )</a:t>
             </a:r>
             <a:endParaRPr lang="vi-VN" sz="3200" b="1" dirty="0">
               <a:solidFill>
@@ -4490,7 +4354,7 @@
               <a:t>( </a:t>
             </a:r>
             <a:r>
-              <a:rPr lang="zh-CN" altLang="en-US" sz="3200" b="1" dirty="0" smtClean="0">
+              <a:rPr lang="zh-CN" altLang="en-US" sz="3200" b="1" dirty="0">
                 <a:solidFill>
                   <a:srgbClr val="660033"/>
                 </a:solidFill>
@@ -4500,24 +4364,14 @@
               <a:t>結束</a:t>
             </a:r>
             <a:r>
-              <a:rPr lang="en-US" sz="3200" b="1" dirty="0" smtClean="0">
+              <a:rPr lang="en-US" sz="3200" b="1" dirty="0">
                 <a:solidFill>
                   <a:srgbClr val="660033"/>
                 </a:solidFill>
                 <a:latin typeface="Microsoft JhengHei" panose="020B0604030504040204" pitchFamily="34" charset="-120"/>
                 <a:ea typeface="Microsoft JhengHei" panose="020B0604030504040204" pitchFamily="34" charset="-120"/>
               </a:rPr>
-              <a:t> </a:t>
-            </a:r>
-            <a:r>
-              <a:rPr lang="en-US" sz="3200" b="1" dirty="0">
-                <a:solidFill>
-                  <a:srgbClr val="660033"/>
-                </a:solidFill>
-                <a:latin typeface="Microsoft JhengHei" panose="020B0604030504040204" pitchFamily="34" charset="-120"/>
-                <a:ea typeface="Microsoft JhengHei" panose="020B0604030504040204" pitchFamily="34" charset="-120"/>
-              </a:rPr>
-              <a:t>)</a:t>
+              <a:t> )</a:t>
             </a:r>
             <a:endParaRPr lang="vi-VN" sz="3200" b="1" dirty="0">
               <a:solidFill>
